--- a/Docs/Project.pptx
+++ b/Docs/Project.pptx
@@ -209,7 +209,7 @@
           <a:p>
             <a:fld id="{7702859B-35F7-4D1F-B334-1403E8F63D3D}" type="datetimeFigureOut">
               <a:rPr lang="en-US" smtClean="0"/>
-              <a:t>21-Feb-22</a:t>
+              <a:t>22-Feb-22</a:t>
             </a:fld>
             <a:endParaRPr lang="en-US"/>
           </a:p>
@@ -1063,7 +1063,7 @@
           <a:p>
             <a:fld id="{02348C21-1707-47CE-B3EA-5045ED5D277F}" type="datetimeFigureOut">
               <a:rPr lang="en-US" smtClean="0"/>
-              <a:t>21-Feb-22</a:t>
+              <a:t>22-Feb-22</a:t>
             </a:fld>
             <a:endParaRPr lang="en-US"/>
           </a:p>
@@ -1359,7 +1359,7 @@
           <a:p>
             <a:fld id="{02348C21-1707-47CE-B3EA-5045ED5D277F}" type="datetimeFigureOut">
               <a:rPr lang="en-US" smtClean="0"/>
-              <a:t>21-Feb-22</a:t>
+              <a:t>22-Feb-22</a:t>
             </a:fld>
             <a:endParaRPr lang="en-US"/>
           </a:p>
@@ -1607,7 +1607,7 @@
           <a:p>
             <a:fld id="{02348C21-1707-47CE-B3EA-5045ED5D277F}" type="datetimeFigureOut">
               <a:rPr lang="en-US" smtClean="0"/>
-              <a:t>21-Feb-22</a:t>
+              <a:t>22-Feb-22</a:t>
             </a:fld>
             <a:endParaRPr lang="en-US"/>
           </a:p>
@@ -2147,7 +2147,7 @@
           <a:p>
             <a:fld id="{02348C21-1707-47CE-B3EA-5045ED5D277F}" type="datetimeFigureOut">
               <a:rPr lang="en-US" smtClean="0"/>
-              <a:t>21-Feb-22</a:t>
+              <a:t>22-Feb-22</a:t>
             </a:fld>
             <a:endParaRPr lang="en-US"/>
           </a:p>
@@ -2395,7 +2395,7 @@
           <a:p>
             <a:fld id="{02348C21-1707-47CE-B3EA-5045ED5D277F}" type="datetimeFigureOut">
               <a:rPr lang="en-US" smtClean="0"/>
-              <a:t>21-Feb-22</a:t>
+              <a:t>22-Feb-22</a:t>
             </a:fld>
             <a:endParaRPr lang="en-US"/>
           </a:p>
@@ -2927,7 +2927,7 @@
           <a:p>
             <a:fld id="{02348C21-1707-47CE-B3EA-5045ED5D277F}" type="datetimeFigureOut">
               <a:rPr lang="en-US" smtClean="0"/>
-              <a:t>21-Feb-22</a:t>
+              <a:t>22-Feb-22</a:t>
             </a:fld>
             <a:endParaRPr lang="en-US"/>
           </a:p>
@@ -3224,7 +3224,7 @@
           <a:p>
             <a:fld id="{02348C21-1707-47CE-B3EA-5045ED5D277F}" type="datetimeFigureOut">
               <a:rPr lang="en-US" smtClean="0"/>
-              <a:t>21-Feb-22</a:t>
+              <a:t>22-Feb-22</a:t>
             </a:fld>
             <a:endParaRPr lang="en-US"/>
           </a:p>
@@ -3398,7 +3398,7 @@
           <a:p>
             <a:fld id="{02348C21-1707-47CE-B3EA-5045ED5D277F}" type="datetimeFigureOut">
               <a:rPr lang="en-US" smtClean="0"/>
-              <a:t>21-Feb-22</a:t>
+              <a:t>22-Feb-22</a:t>
             </a:fld>
             <a:endParaRPr lang="en-US"/>
           </a:p>
@@ -3578,7 +3578,7 @@
           <a:p>
             <a:fld id="{02348C21-1707-47CE-B3EA-5045ED5D277F}" type="datetimeFigureOut">
               <a:rPr lang="en-US" smtClean="0"/>
-              <a:t>21-Feb-22</a:t>
+              <a:t>22-Feb-22</a:t>
             </a:fld>
             <a:endParaRPr lang="en-US"/>
           </a:p>
@@ -3789,7 +3789,7 @@
           <a:p>
             <a:fld id="{02348C21-1707-47CE-B3EA-5045ED5D277F}" type="datetimeFigureOut">
               <a:rPr lang="en-US" smtClean="0"/>
-              <a:t>21-Feb-22</a:t>
+              <a:t>22-Feb-22</a:t>
             </a:fld>
             <a:endParaRPr lang="en-US"/>
           </a:p>
@@ -4040,7 +4040,7 @@
           <a:p>
             <a:fld id="{02348C21-1707-47CE-B3EA-5045ED5D277F}" type="datetimeFigureOut">
               <a:rPr lang="en-US" smtClean="0"/>
-              <a:t>21-Feb-22</a:t>
+              <a:t>22-Feb-22</a:t>
             </a:fld>
             <a:endParaRPr lang="en-US"/>
           </a:p>
@@ -4387,7 +4387,7 @@
           <a:p>
             <a:fld id="{02348C21-1707-47CE-B3EA-5045ED5D277F}" type="datetimeFigureOut">
               <a:rPr lang="en-US" smtClean="0"/>
-              <a:t>21-Feb-22</a:t>
+              <a:t>22-Feb-22</a:t>
             </a:fld>
             <a:endParaRPr lang="en-US"/>
           </a:p>
@@ -4879,7 +4879,7 @@
           <a:p>
             <a:fld id="{02348C21-1707-47CE-B3EA-5045ED5D277F}" type="datetimeFigureOut">
               <a:rPr lang="en-US" smtClean="0"/>
-              <a:t>21-Feb-22</a:t>
+              <a:t>22-Feb-22</a:t>
             </a:fld>
             <a:endParaRPr lang="en-US"/>
           </a:p>
@@ -4997,7 +4997,7 @@
           <a:p>
             <a:fld id="{02348C21-1707-47CE-B3EA-5045ED5D277F}" type="datetimeFigureOut">
               <a:rPr lang="en-US" smtClean="0"/>
-              <a:t>21-Feb-22</a:t>
+              <a:t>22-Feb-22</a:t>
             </a:fld>
             <a:endParaRPr lang="en-US"/>
           </a:p>
@@ -5092,7 +5092,7 @@
           <a:p>
             <a:fld id="{02348C21-1707-47CE-B3EA-5045ED5D277F}" type="datetimeFigureOut">
               <a:rPr lang="en-US" smtClean="0"/>
-              <a:t>21-Feb-22</a:t>
+              <a:t>22-Feb-22</a:t>
             </a:fld>
             <a:endParaRPr lang="en-US"/>
           </a:p>
@@ -5375,7 +5375,7 @@
           <a:p>
             <a:fld id="{02348C21-1707-47CE-B3EA-5045ED5D277F}" type="datetimeFigureOut">
               <a:rPr lang="en-US" smtClean="0"/>
-              <a:t>21-Feb-22</a:t>
+              <a:t>22-Feb-22</a:t>
             </a:fld>
             <a:endParaRPr lang="en-US"/>
           </a:p>
@@ -5666,7 +5666,7 @@
           <a:p>
             <a:fld id="{02348C21-1707-47CE-B3EA-5045ED5D277F}" type="datetimeFigureOut">
               <a:rPr lang="en-US" smtClean="0"/>
-              <a:t>21-Feb-22</a:t>
+              <a:t>22-Feb-22</a:t>
             </a:fld>
             <a:endParaRPr lang="en-US"/>
           </a:p>
@@ -6196,7 +6196,7 @@
           <a:p>
             <a:fld id="{02348C21-1707-47CE-B3EA-5045ED5D277F}" type="datetimeFigureOut">
               <a:rPr lang="en-US" smtClean="0"/>
-              <a:t>21-Feb-22</a:t>
+              <a:t>22-Feb-22</a:t>
             </a:fld>
             <a:endParaRPr lang="en-US"/>
           </a:p>
@@ -7018,13 +7018,13 @@
   <p:clrMapOvr>
     <a:masterClrMapping/>
   </p:clrMapOvr>
-  <mc:AlternateContent xmlns:mc="http://schemas.openxmlformats.org/markup-compatibility/2006">
-    <mc:Choice xmlns:p15="http://schemas.microsoft.com/office/powerpoint/2012/main" Requires="p15">
+  <mc:AlternateContent xmlns:mc="http://schemas.openxmlformats.org/markup-compatibility/2006" xmlns:p15="http://schemas.microsoft.com/office/powerpoint/2012/main">
+    <mc:Choice Requires="p15">
       <p:transition xmlns:p14="http://schemas.microsoft.com/office/powerpoint/2010/main" spd="slow" p14:dur="6000">
         <p15:prstTrans prst="curtains"/>
       </p:transition>
     </mc:Choice>
-    <mc:Fallback>
+    <mc:Fallback xmlns="">
       <p:transition spd="slow">
         <p:fade/>
       </p:transition>
@@ -7340,7 +7340,7 @@
         </p:nvSpPr>
         <p:spPr>
           <a:xfrm>
-            <a:off x="3945151" y="242608"/>
+            <a:off x="3945149" y="0"/>
             <a:ext cx="5594801" cy="1569660"/>
           </a:xfrm>
           <a:prstGeom prst="rect">
@@ -7434,7 +7434,7 @@
         </p:blipFill>
         <p:spPr>
           <a:xfrm>
-            <a:off x="2614253" y="3996481"/>
+            <a:off x="2632726" y="4107318"/>
             <a:ext cx="3946804" cy="2555388"/>
           </a:xfrm>
           <a:prstGeom prst="roundRect">
@@ -7469,7 +7469,7 @@
         </p:blipFill>
         <p:spPr>
           <a:xfrm>
-            <a:off x="6742550" y="4469312"/>
+            <a:off x="6844150" y="4580149"/>
             <a:ext cx="4524375" cy="1609725"/>
           </a:xfrm>
           <a:prstGeom prst="roundRect">
@@ -7496,8 +7496,8 @@
         </p:nvSpPr>
         <p:spPr>
           <a:xfrm>
-            <a:off x="2728246" y="2088766"/>
-            <a:ext cx="8028609" cy="1631216"/>
+            <a:off x="2728244" y="1715104"/>
+            <a:ext cx="8028609" cy="2246769"/>
           </a:xfrm>
           <a:prstGeom prst="rect">
             <a:avLst/>
@@ -7519,7 +7519,14 @@
                 <a:latin typeface="Times New Roman" panose="02020603050405020304" pitchFamily="18" charset="0"/>
                 <a:cs typeface="Times New Roman" panose="02020603050405020304" pitchFamily="18" charset="0"/>
               </a:rPr>
-              <a:t>The input IP Address will be scanned in the access.log file of the server</a:t>
+              <a:t>The input IP Address will be scanned in the access.log file of the </a:t>
+            </a:r>
+            <a:r>
+              <a:rPr lang="en-US" sz="2000" dirty="0" smtClean="0">
+                <a:latin typeface="Times New Roman" panose="02020603050405020304" pitchFamily="18" charset="0"/>
+                <a:cs typeface="Times New Roman" panose="02020603050405020304" pitchFamily="18" charset="0"/>
+              </a:rPr>
+              <a:t>server</a:t>
             </a:r>
           </a:p>
           <a:p>
@@ -7527,13 +7534,40 @@
               <a:buFont typeface="Wingdings" panose="05000000000000000000" pitchFamily="2" charset="2"/>
               <a:buChar char="v"/>
             </a:pPr>
+            <a:endParaRPr lang="en-US" sz="2000" dirty="0" smtClean="0">
+              <a:latin typeface="Times New Roman" panose="02020603050405020304" pitchFamily="18" charset="0"/>
+              <a:cs typeface="Times New Roman" panose="02020603050405020304" pitchFamily="18" charset="0"/>
+            </a:endParaRPr>
+          </a:p>
+          <a:p>
+            <a:pPr marL="285750" indent="-285750">
+              <a:buFont typeface="Wingdings" panose="05000000000000000000" pitchFamily="2" charset="2"/>
+              <a:buChar char="v"/>
+            </a:pPr>
             <a:r>
               <a:rPr lang="en-US" sz="2000" dirty="0" smtClean="0">
                 <a:latin typeface="Times New Roman" panose="02020603050405020304" pitchFamily="18" charset="0"/>
                 <a:cs typeface="Times New Roman" panose="02020603050405020304" pitchFamily="18" charset="0"/>
               </a:rPr>
-              <a:t>If the input is invalid, the application prompts the user stating the IP Address is invalid</a:t>
-            </a:r>
+              <a:t>If the input is invalid, the application prompts the user stating the IP Address is </a:t>
+            </a:r>
+            <a:r>
+              <a:rPr lang="en-US" sz="2000" dirty="0" smtClean="0">
+                <a:latin typeface="Times New Roman" panose="02020603050405020304" pitchFamily="18" charset="0"/>
+                <a:cs typeface="Times New Roman" panose="02020603050405020304" pitchFamily="18" charset="0"/>
+              </a:rPr>
+              <a:t>invalid</a:t>
+            </a:r>
+          </a:p>
+          <a:p>
+            <a:pPr marL="285750" indent="-285750">
+              <a:buFont typeface="Wingdings" panose="05000000000000000000" pitchFamily="2" charset="2"/>
+              <a:buChar char="v"/>
+            </a:pPr>
+            <a:endParaRPr lang="en-US" sz="2000" dirty="0" smtClean="0">
+              <a:latin typeface="Times New Roman" panose="02020603050405020304" pitchFamily="18" charset="0"/>
+              <a:cs typeface="Times New Roman" panose="02020603050405020304" pitchFamily="18" charset="0"/>
+            </a:endParaRPr>
           </a:p>
           <a:p>
             <a:pPr marL="285750" indent="-285750">
@@ -7892,8 +7926,8 @@
         </p:nvSpPr>
         <p:spPr>
           <a:xfrm>
-            <a:off x="3419078" y="42375"/>
-            <a:ext cx="6074291" cy="1754326"/>
+            <a:off x="3963201" y="42375"/>
+            <a:ext cx="4986044" cy="1446550"/>
           </a:xfrm>
           <a:prstGeom prst="rect">
             <a:avLst/>
@@ -7908,7 +7942,7 @@
           <a:p>
             <a:pPr algn="ctr"/>
             <a:r>
-              <a:rPr lang="en-US" sz="5400" b="1" dirty="0" smtClean="0">
+              <a:rPr lang="en-US" sz="4400" b="1" dirty="0" smtClean="0">
                 <a:ln w="12700">
                   <a:solidFill>
                     <a:schemeClr val="tx2">
@@ -7942,7 +7976,7 @@
           <a:p>
             <a:pPr algn="ctr"/>
             <a:r>
-              <a:rPr lang="en-US" sz="5400" b="1" dirty="0" smtClean="0">
+              <a:rPr lang="en-US" sz="4400" b="1" dirty="0" smtClean="0">
                 <a:ln w="12700">
                   <a:solidFill>
                     <a:schemeClr val="tx2">
@@ -8053,8 +8087,8 @@
         </p:nvSpPr>
         <p:spPr>
           <a:xfrm>
-            <a:off x="2279252" y="1924240"/>
-            <a:ext cx="8814062" cy="1477328"/>
+            <a:off x="2279252" y="1497782"/>
+            <a:ext cx="8814062" cy="2031325"/>
           </a:xfrm>
           <a:prstGeom prst="rect">
             <a:avLst/>
@@ -8076,7 +8110,14 @@
                 <a:latin typeface="Times New Roman" panose="02020603050405020304" pitchFamily="18" charset="0"/>
                 <a:cs typeface="Times New Roman" panose="02020603050405020304" pitchFamily="18" charset="0"/>
               </a:rPr>
-              <a:t>The search menu can filter access.log file according to date or month</a:t>
+              <a:t>The search menu can filter access.log file according to date or </a:t>
+            </a:r>
+            <a:r>
+              <a:rPr lang="en-US" dirty="0" smtClean="0">
+                <a:latin typeface="Times New Roman" panose="02020603050405020304" pitchFamily="18" charset="0"/>
+                <a:cs typeface="Times New Roman" panose="02020603050405020304" pitchFamily="18" charset="0"/>
+              </a:rPr>
+              <a:t>month</a:t>
             </a:r>
           </a:p>
           <a:p>
@@ -8084,13 +8125,40 @@
               <a:buFont typeface="Wingdings" panose="05000000000000000000" pitchFamily="2" charset="2"/>
               <a:buChar char="Ø"/>
             </a:pPr>
+            <a:endParaRPr lang="en-US" dirty="0" smtClean="0">
+              <a:latin typeface="Times New Roman" panose="02020603050405020304" pitchFamily="18" charset="0"/>
+              <a:cs typeface="Times New Roman" panose="02020603050405020304" pitchFamily="18" charset="0"/>
+            </a:endParaRPr>
+          </a:p>
+          <a:p>
+            <a:pPr marL="285750" indent="-285750">
+              <a:buFont typeface="Wingdings" panose="05000000000000000000" pitchFamily="2" charset="2"/>
+              <a:buChar char="Ø"/>
+            </a:pPr>
             <a:r>
               <a:rPr lang="en-US" dirty="0" smtClean="0">
                 <a:latin typeface="Times New Roman" panose="02020603050405020304" pitchFamily="18" charset="0"/>
                 <a:cs typeface="Times New Roman" panose="02020603050405020304" pitchFamily="18" charset="0"/>
               </a:rPr>
-              <a:t>The input date must be in specified format, else the application will prompt the user stating the input is invalid</a:t>
-            </a:r>
+              <a:t>The input date must be in specified format, else the application will prompt the user stating the input is </a:t>
+            </a:r>
+            <a:r>
+              <a:rPr lang="en-US" dirty="0" smtClean="0">
+                <a:latin typeface="Times New Roman" panose="02020603050405020304" pitchFamily="18" charset="0"/>
+                <a:cs typeface="Times New Roman" panose="02020603050405020304" pitchFamily="18" charset="0"/>
+              </a:rPr>
+              <a:t>invalid</a:t>
+            </a:r>
+          </a:p>
+          <a:p>
+            <a:pPr marL="285750" indent="-285750">
+              <a:buFont typeface="Wingdings" panose="05000000000000000000" pitchFamily="2" charset="2"/>
+              <a:buChar char="Ø"/>
+            </a:pPr>
+            <a:endParaRPr lang="en-US" dirty="0" smtClean="0">
+              <a:latin typeface="Times New Roman" panose="02020603050405020304" pitchFamily="18" charset="0"/>
+              <a:cs typeface="Times New Roman" panose="02020603050405020304" pitchFamily="18" charset="0"/>
+            </a:endParaRPr>
           </a:p>
           <a:p>
             <a:pPr marL="285750" indent="-285750">
@@ -8549,8 +8617,8 @@
         </p:nvSpPr>
         <p:spPr>
           <a:xfrm>
-            <a:off x="1915210" y="1813794"/>
-            <a:ext cx="5024487" cy="2031325"/>
+            <a:off x="2174792" y="1536795"/>
+            <a:ext cx="4995667" cy="2585323"/>
           </a:xfrm>
           <a:prstGeom prst="rect">
             <a:avLst/>
@@ -8586,7 +8654,14 @@
                 <a:latin typeface="Times New Roman" panose="02020603050405020304" pitchFamily="18" charset="0"/>
                 <a:cs typeface="Times New Roman" panose="02020603050405020304" pitchFamily="18" charset="0"/>
               </a:rPr>
-              <a:t> database, which is in-built in Linux</a:t>
+              <a:t> database, which is in-built in </a:t>
+            </a:r>
+            <a:r>
+              <a:rPr lang="en-US" dirty="0" smtClean="0">
+                <a:latin typeface="Times New Roman" panose="02020603050405020304" pitchFamily="18" charset="0"/>
+                <a:cs typeface="Times New Roman" panose="02020603050405020304" pitchFamily="18" charset="0"/>
+              </a:rPr>
+              <a:t>Linux</a:t>
             </a:r>
           </a:p>
           <a:p>
@@ -8594,13 +8669,40 @@
               <a:buFont typeface="Wingdings" panose="05000000000000000000" pitchFamily="2" charset="2"/>
               <a:buChar char="ü"/>
             </a:pPr>
+            <a:endParaRPr lang="en-US" dirty="0" smtClean="0">
+              <a:latin typeface="Times New Roman" panose="02020603050405020304" pitchFamily="18" charset="0"/>
+              <a:cs typeface="Times New Roman" panose="02020603050405020304" pitchFamily="18" charset="0"/>
+            </a:endParaRPr>
+          </a:p>
+          <a:p>
+            <a:pPr marL="285750" indent="-285750">
+              <a:buFont typeface="Wingdings" panose="05000000000000000000" pitchFamily="2" charset="2"/>
+              <a:buChar char="ü"/>
+            </a:pPr>
             <a:r>
               <a:rPr lang="en-US" dirty="0" smtClean="0">
                 <a:latin typeface="Times New Roman" panose="02020603050405020304" pitchFamily="18" charset="0"/>
                 <a:cs typeface="Times New Roman" panose="02020603050405020304" pitchFamily="18" charset="0"/>
               </a:rPr>
-              <a:t>The input command should be valid, else the application will prompt the user stating the command is not found</a:t>
-            </a:r>
+              <a:t>The input command should be valid, else the application will prompt the user stating the command is not </a:t>
+            </a:r>
+            <a:r>
+              <a:rPr lang="en-US" dirty="0" smtClean="0">
+                <a:latin typeface="Times New Roman" panose="02020603050405020304" pitchFamily="18" charset="0"/>
+                <a:cs typeface="Times New Roman" panose="02020603050405020304" pitchFamily="18" charset="0"/>
+              </a:rPr>
+              <a:t>found</a:t>
+            </a:r>
+          </a:p>
+          <a:p>
+            <a:pPr marL="285750" indent="-285750">
+              <a:buFont typeface="Wingdings" panose="05000000000000000000" pitchFamily="2" charset="2"/>
+              <a:buChar char="ü"/>
+            </a:pPr>
+            <a:endParaRPr lang="en-US" dirty="0" smtClean="0">
+              <a:latin typeface="Times New Roman" panose="02020603050405020304" pitchFamily="18" charset="0"/>
+              <a:cs typeface="Times New Roman" panose="02020603050405020304" pitchFamily="18" charset="0"/>
+            </a:endParaRPr>
           </a:p>
           <a:p>
             <a:pPr marL="285750" indent="-285750">
@@ -8645,13 +8747,13 @@
   <p:clrMapOvr>
     <a:masterClrMapping/>
   </p:clrMapOvr>
-  <mc:AlternateContent xmlns:mc="http://schemas.openxmlformats.org/markup-compatibility/2006">
-    <mc:Choice xmlns:p15="http://schemas.microsoft.com/office/powerpoint/2012/main" Requires="p15">
+  <mc:AlternateContent xmlns:mc="http://schemas.openxmlformats.org/markup-compatibility/2006" xmlns:p15="http://schemas.microsoft.com/office/powerpoint/2012/main">
+    <mc:Choice Requires="p15">
       <p:transition xmlns:p14="http://schemas.microsoft.com/office/powerpoint/2010/main" spd="slow" p14:dur="2000">
         <p15:prstTrans prst="drape"/>
       </p:transition>
     </mc:Choice>
-    <mc:Fallback>
+    <mc:Fallback xmlns="">
       <p:transition spd="slow">
         <p:fade/>
       </p:transition>
@@ -8885,13 +8987,13 @@
   <p:clrMapOvr>
     <a:masterClrMapping/>
   </p:clrMapOvr>
-  <mc:AlternateContent xmlns:mc="http://schemas.openxmlformats.org/markup-compatibility/2006">
-    <mc:Choice xmlns:p15="http://schemas.microsoft.com/office/powerpoint/2012/main" Requires="p15">
+  <mc:AlternateContent xmlns:mc="http://schemas.openxmlformats.org/markup-compatibility/2006" xmlns:p15="http://schemas.microsoft.com/office/powerpoint/2012/main">
+    <mc:Choice Requires="p15">
       <p:transition xmlns:p14="http://schemas.microsoft.com/office/powerpoint/2010/main" spd="slow" p14:dur="2000">
         <p15:prstTrans prst="fallOver"/>
       </p:transition>
     </mc:Choice>
-    <mc:Fallback>
+    <mc:Fallback xmlns="">
       <p:transition spd="slow">
         <p:fade/>
       </p:transition>
@@ -9009,8 +9111,8 @@
         </p:nvSpPr>
         <p:spPr>
           <a:xfrm>
-            <a:off x="1560945" y="2071831"/>
-            <a:ext cx="4507346" cy="3477875"/>
+            <a:off x="1487054" y="1857596"/>
+            <a:ext cx="4507346" cy="4093428"/>
           </a:xfrm>
           <a:prstGeom prst="rect">
             <a:avLst/>
@@ -9045,6 +9147,17 @@
               <a:buFont typeface="Wingdings" panose="05000000000000000000" pitchFamily="2" charset="2"/>
               <a:buChar char="v"/>
             </a:pPr>
+            <a:endParaRPr lang="en-US" sz="2000" dirty="0" smtClean="0">
+              <a:latin typeface="Times New Roman" panose="02020603050405020304" pitchFamily="18" charset="0"/>
+              <a:ea typeface="Tahoma" panose="020B0604030504040204" pitchFamily="34" charset="0"/>
+              <a:cs typeface="Times New Roman" panose="02020603050405020304" pitchFamily="18" charset="0"/>
+            </a:endParaRPr>
+          </a:p>
+          <a:p>
+            <a:pPr marL="342900" indent="-342900">
+              <a:buFont typeface="Wingdings" panose="05000000000000000000" pitchFamily="2" charset="2"/>
+              <a:buChar char="v"/>
+            </a:pPr>
             <a:r>
               <a:rPr lang="en-US" sz="2000" dirty="0" smtClean="0">
                 <a:latin typeface="Times New Roman" panose="02020603050405020304" pitchFamily="18" charset="0"/>
@@ -9059,8 +9172,23 @@
                 <a:ea typeface="Tahoma" panose="020B0604030504040204" pitchFamily="34" charset="0"/>
                 <a:cs typeface="Times New Roman" panose="02020603050405020304" pitchFamily="18" charset="0"/>
               </a:rPr>
-              <a:t>the password is entered, the status of the server is displayed followed by the local IP Address.</a:t>
-            </a:r>
+              <a:t>the password is entered, the status of the server is displayed followed by the local IP Address</a:t>
+            </a:r>
+            <a:r>
+              <a:rPr lang="en-US" sz="2000" dirty="0" smtClean="0">
+                <a:latin typeface="Times New Roman" panose="02020603050405020304" pitchFamily="18" charset="0"/>
+                <a:ea typeface="Tahoma" panose="020B0604030504040204" pitchFamily="34" charset="0"/>
+                <a:cs typeface="Times New Roman" panose="02020603050405020304" pitchFamily="18" charset="0"/>
+              </a:rPr>
+              <a:t>.</a:t>
+            </a:r>
+          </a:p>
+          <a:p>
+            <a:endParaRPr lang="en-US" sz="2000" dirty="0">
+              <a:latin typeface="Times New Roman" panose="02020603050405020304" pitchFamily="18" charset="0"/>
+              <a:ea typeface="Tahoma" panose="020B0604030504040204" pitchFamily="34" charset="0"/>
+              <a:cs typeface="Times New Roman" panose="02020603050405020304" pitchFamily="18" charset="0"/>
+            </a:endParaRPr>
           </a:p>
           <a:p>
             <a:pPr marL="342900" indent="-342900">
@@ -9123,13 +9251,13 @@
   <p:clrMapOvr>
     <a:masterClrMapping/>
   </p:clrMapOvr>
-  <mc:AlternateContent xmlns:mc="http://schemas.openxmlformats.org/markup-compatibility/2006">
-    <mc:Choice xmlns:p15="http://schemas.microsoft.com/office/powerpoint/2012/main" Requires="p15">
+  <mc:AlternateContent xmlns:mc="http://schemas.openxmlformats.org/markup-compatibility/2006" xmlns:p15="http://schemas.microsoft.com/office/powerpoint/2012/main">
+    <mc:Choice Requires="p15">
       <p:transition xmlns:p14="http://schemas.microsoft.com/office/powerpoint/2010/main" spd="slow" p14:dur="1250">
         <p15:prstTrans prst="peelOff"/>
       </p:transition>
     </mc:Choice>
-    <mc:Fallback>
+    <mc:Fallback xmlns="">
       <p:transition spd="slow">
         <p:fade/>
       </p:transition>
@@ -9156,7 +9284,7 @@
                             </p:stCondLst>
                             <p:childTnLst>
                               <p:par>
-                                <p:cTn id="5" presetID="2" presetClass="entr" presetSubtype="4" fill="hold" grpId="0" nodeType="clickEffect">
+                                <p:cTn id="5" presetID="16" presetClass="entr" presetSubtype="42" fill="hold" nodeType="clickEffect">
                                   <p:stCondLst>
                                     <p:cond delay="0"/>
                                   </p:stCondLst>
@@ -9164,6 +9292,59 @@
                                     <p:set>
                                       <p:cBhvr>
                                         <p:cTn id="6" dur="1" fill="hold">
+                                          <p:stCondLst>
+                                            <p:cond delay="0"/>
+                                          </p:stCondLst>
+                                        </p:cTn>
+                                        <p:tgtEl>
+                                          <p:spTgt spid="3"/>
+                                        </p:tgtEl>
+                                        <p:attrNameLst>
+                                          <p:attrName>style.visibility</p:attrName>
+                                        </p:attrNameLst>
+                                      </p:cBhvr>
+                                      <p:to>
+                                        <p:strVal val="visible"/>
+                                      </p:to>
+                                    </p:set>
+                                    <p:animEffect transition="in" filter="barn(outHorizontal)">
+                                      <p:cBhvr>
+                                        <p:cTn id="7" dur="500"/>
+                                        <p:tgtEl>
+                                          <p:spTgt spid="3"/>
+                                        </p:tgtEl>
+                                      </p:cBhvr>
+                                    </p:animEffect>
+                                  </p:childTnLst>
+                                </p:cTn>
+                              </p:par>
+                            </p:childTnLst>
+                          </p:cTn>
+                        </p:par>
+                      </p:childTnLst>
+                    </p:cTn>
+                  </p:par>
+                  <p:par>
+                    <p:cTn id="8" fill="hold">
+                      <p:stCondLst>
+                        <p:cond delay="indefinite"/>
+                      </p:stCondLst>
+                      <p:childTnLst>
+                        <p:par>
+                          <p:cTn id="9" fill="hold">
+                            <p:stCondLst>
+                              <p:cond delay="0"/>
+                            </p:stCondLst>
+                            <p:childTnLst>
+                              <p:par>
+                                <p:cTn id="10" presetID="2" presetClass="entr" presetSubtype="4" fill="hold" grpId="0" nodeType="clickEffect">
+                                  <p:stCondLst>
+                                    <p:cond delay="0"/>
+                                  </p:stCondLst>
+                                  <p:childTnLst>
+                                    <p:set>
+                                      <p:cBhvr>
+                                        <p:cTn id="11" dur="1" fill="hold">
                                           <p:stCondLst>
                                             <p:cond delay="0"/>
                                           </p:stCondLst>
@@ -9185,7 +9366,7 @@
                                     </p:set>
                                     <p:anim calcmode="lin" valueType="num">
                                       <p:cBhvr additive="base">
-                                        <p:cTn id="7" dur="500" fill="hold"/>
+                                        <p:cTn id="12" dur="500" fill="hold"/>
                                         <p:tgtEl>
                                           <p:spTgt spid="6">
                                             <p:txEl>
@@ -9212,7 +9393,7 @@
                                     </p:anim>
                                     <p:anim calcmode="lin" valueType="num">
                                       <p:cBhvr additive="base">
-                                        <p:cTn id="8" dur="500" fill="hold"/>
+                                        <p:cTn id="13" dur="500" fill="hold"/>
                                         <p:tgtEl>
                                           <p:spTgt spid="6">
                                             <p:txEl>
@@ -9247,129 +9428,26 @@
                     </p:cTn>
                   </p:par>
                   <p:par>
-                    <p:cTn id="9" fill="hold">
+                    <p:cTn id="14" fill="hold">
                       <p:stCondLst>
                         <p:cond delay="indefinite"/>
                       </p:stCondLst>
                       <p:childTnLst>
                         <p:par>
-                          <p:cTn id="10" fill="hold">
+                          <p:cTn id="15" fill="hold">
                             <p:stCondLst>
                               <p:cond delay="0"/>
                             </p:stCondLst>
                             <p:childTnLst>
                               <p:par>
-                                <p:cTn id="11" presetID="2" presetClass="entr" presetSubtype="4" fill="hold" grpId="0" nodeType="clickEffect">
+                                <p:cTn id="16" presetID="2" presetClass="entr" presetSubtype="4" fill="hold" grpId="0" nodeType="clickEffect">
                                   <p:stCondLst>
                                     <p:cond delay="0"/>
                                   </p:stCondLst>
                                   <p:childTnLst>
                                     <p:set>
                                       <p:cBhvr>
-                                        <p:cTn id="12" dur="1" fill="hold">
-                                          <p:stCondLst>
-                                            <p:cond delay="0"/>
-                                          </p:stCondLst>
-                                        </p:cTn>
-                                        <p:tgtEl>
-                                          <p:spTgt spid="6">
-                                            <p:txEl>
-                                              <p:pRg st="1" end="1"/>
-                                            </p:txEl>
-                                          </p:spTgt>
-                                        </p:tgtEl>
-                                        <p:attrNameLst>
-                                          <p:attrName>style.visibility</p:attrName>
-                                        </p:attrNameLst>
-                                      </p:cBhvr>
-                                      <p:to>
-                                        <p:strVal val="visible"/>
-                                      </p:to>
-                                    </p:set>
-                                    <p:anim calcmode="lin" valueType="num">
-                                      <p:cBhvr additive="base">
-                                        <p:cTn id="13" dur="500" fill="hold"/>
-                                        <p:tgtEl>
-                                          <p:spTgt spid="6">
-                                            <p:txEl>
-                                              <p:pRg st="1" end="1"/>
-                                            </p:txEl>
-                                          </p:spTgt>
-                                        </p:tgtEl>
-                                        <p:attrNameLst>
-                                          <p:attrName>ppt_x</p:attrName>
-                                        </p:attrNameLst>
-                                      </p:cBhvr>
-                                      <p:tavLst>
-                                        <p:tav tm="0">
-                                          <p:val>
-                                            <p:strVal val="#ppt_x"/>
-                                          </p:val>
-                                        </p:tav>
-                                        <p:tav tm="100000">
-                                          <p:val>
-                                            <p:strVal val="#ppt_x"/>
-                                          </p:val>
-                                        </p:tav>
-                                      </p:tavLst>
-                                    </p:anim>
-                                    <p:anim calcmode="lin" valueType="num">
-                                      <p:cBhvr additive="base">
-                                        <p:cTn id="14" dur="500" fill="hold"/>
-                                        <p:tgtEl>
-                                          <p:spTgt spid="6">
-                                            <p:txEl>
-                                              <p:pRg st="1" end="1"/>
-                                            </p:txEl>
-                                          </p:spTgt>
-                                        </p:tgtEl>
-                                        <p:attrNameLst>
-                                          <p:attrName>ppt_y</p:attrName>
-                                        </p:attrNameLst>
-                                      </p:cBhvr>
-                                      <p:tavLst>
-                                        <p:tav tm="0">
-                                          <p:val>
-                                            <p:strVal val="1+#ppt_h/2"/>
-                                          </p:val>
-                                        </p:tav>
-                                        <p:tav tm="100000">
-                                          <p:val>
-                                            <p:strVal val="#ppt_y"/>
-                                          </p:val>
-                                        </p:tav>
-                                      </p:tavLst>
-                                    </p:anim>
-                                  </p:childTnLst>
-                                </p:cTn>
-                              </p:par>
-                            </p:childTnLst>
-                          </p:cTn>
-                        </p:par>
-                      </p:childTnLst>
-                    </p:cTn>
-                  </p:par>
-                  <p:par>
-                    <p:cTn id="15" fill="hold">
-                      <p:stCondLst>
-                        <p:cond delay="indefinite"/>
-                      </p:stCondLst>
-                      <p:childTnLst>
-                        <p:par>
-                          <p:cTn id="16" fill="hold">
-                            <p:stCondLst>
-                              <p:cond delay="0"/>
-                            </p:stCondLst>
-                            <p:childTnLst>
-                              <p:par>
-                                <p:cTn id="17" presetID="2" presetClass="entr" presetSubtype="4" fill="hold" grpId="0" nodeType="clickEffect">
-                                  <p:stCondLst>
-                                    <p:cond delay="0"/>
-                                  </p:stCondLst>
-                                  <p:childTnLst>
-                                    <p:set>
-                                      <p:cBhvr>
-                                        <p:cTn id="18" dur="1" fill="hold">
+                                        <p:cTn id="17" dur="1" fill="hold">
                                           <p:stCondLst>
                                             <p:cond delay="0"/>
                                           </p:stCondLst>
@@ -9391,7 +9469,7 @@
                                     </p:set>
                                     <p:anim calcmode="lin" valueType="num">
                                       <p:cBhvr additive="base">
-                                        <p:cTn id="19" dur="500" fill="hold"/>
+                                        <p:cTn id="18" dur="500" fill="hold"/>
                                         <p:tgtEl>
                                           <p:spTgt spid="6">
                                             <p:txEl>
@@ -9418,7 +9496,7 @@
                                     </p:anim>
                                     <p:anim calcmode="lin" valueType="num">
                                       <p:cBhvr additive="base">
-                                        <p:cTn id="20" dur="500" fill="hold"/>
+                                        <p:cTn id="19" dur="500" fill="hold"/>
                                         <p:tgtEl>
                                           <p:spTgt spid="6">
                                             <p:txEl>
@@ -9453,32 +9531,36 @@
                     </p:cTn>
                   </p:par>
                   <p:par>
-                    <p:cTn id="21" fill="hold">
+                    <p:cTn id="20" fill="hold">
                       <p:stCondLst>
                         <p:cond delay="indefinite"/>
                       </p:stCondLst>
                       <p:childTnLst>
                         <p:par>
-                          <p:cTn id="22" fill="hold">
+                          <p:cTn id="21" fill="hold">
                             <p:stCondLst>
                               <p:cond delay="0"/>
                             </p:stCondLst>
                             <p:childTnLst>
                               <p:par>
-                                <p:cTn id="23" presetID="16" presetClass="entr" presetSubtype="42" fill="hold" nodeType="clickEffect">
+                                <p:cTn id="22" presetID="2" presetClass="entr" presetSubtype="4" fill="hold" grpId="0" nodeType="clickEffect">
                                   <p:stCondLst>
                                     <p:cond delay="0"/>
                                   </p:stCondLst>
                                   <p:childTnLst>
                                     <p:set>
                                       <p:cBhvr>
-                                        <p:cTn id="24" dur="1" fill="hold">
+                                        <p:cTn id="23" dur="1" fill="hold">
                                           <p:stCondLst>
                                             <p:cond delay="0"/>
                                           </p:stCondLst>
                                         </p:cTn>
                                         <p:tgtEl>
-                                          <p:spTgt spid="3"/>
+                                          <p:spTgt spid="6">
+                                            <p:txEl>
+                                              <p:pRg st="4" end="4"/>
+                                            </p:txEl>
+                                          </p:spTgt>
                                         </p:tgtEl>
                                         <p:attrNameLst>
                                           <p:attrName>style.visibility</p:attrName>
@@ -9488,14 +9570,60 @@
                                         <p:strVal val="visible"/>
                                       </p:to>
                                     </p:set>
-                                    <p:animEffect transition="in" filter="barn(outHorizontal)">
-                                      <p:cBhvr>
-                                        <p:cTn id="25" dur="500"/>
+                                    <p:anim calcmode="lin" valueType="num">
+                                      <p:cBhvr additive="base">
+                                        <p:cTn id="24" dur="500" fill="hold"/>
                                         <p:tgtEl>
-                                          <p:spTgt spid="3"/>
+                                          <p:spTgt spid="6">
+                                            <p:txEl>
+                                              <p:pRg st="4" end="4"/>
+                                            </p:txEl>
+                                          </p:spTgt>
                                         </p:tgtEl>
+                                        <p:attrNameLst>
+                                          <p:attrName>ppt_x</p:attrName>
+                                        </p:attrNameLst>
                                       </p:cBhvr>
-                                    </p:animEffect>
+                                      <p:tavLst>
+                                        <p:tav tm="0">
+                                          <p:val>
+                                            <p:strVal val="#ppt_x"/>
+                                          </p:val>
+                                        </p:tav>
+                                        <p:tav tm="100000">
+                                          <p:val>
+                                            <p:strVal val="#ppt_x"/>
+                                          </p:val>
+                                        </p:tav>
+                                      </p:tavLst>
+                                    </p:anim>
+                                    <p:anim calcmode="lin" valueType="num">
+                                      <p:cBhvr additive="base">
+                                        <p:cTn id="25" dur="500" fill="hold"/>
+                                        <p:tgtEl>
+                                          <p:spTgt spid="6">
+                                            <p:txEl>
+                                              <p:pRg st="4" end="4"/>
+                                            </p:txEl>
+                                          </p:spTgt>
+                                        </p:tgtEl>
+                                        <p:attrNameLst>
+                                          <p:attrName>ppt_y</p:attrName>
+                                        </p:attrNameLst>
+                                      </p:cBhvr>
+                                      <p:tavLst>
+                                        <p:tav tm="0">
+                                          <p:val>
+                                            <p:strVal val="1+#ppt_h/2"/>
+                                          </p:val>
+                                        </p:tav>
+                                        <p:tav tm="100000">
+                                          <p:val>
+                                            <p:strVal val="#ppt_y"/>
+                                          </p:val>
+                                        </p:tav>
+                                      </p:tavLst>
+                                    </p:anim>
                                   </p:childTnLst>
                                 </p:cTn>
                               </p:par>
@@ -9558,7 +9686,7 @@
         </p:nvSpPr>
         <p:spPr>
           <a:xfrm>
-            <a:off x="3449612" y="458537"/>
+            <a:off x="3449609" y="79846"/>
             <a:ext cx="5883342" cy="923330"/>
           </a:xfrm>
           <a:prstGeom prst="rect">
@@ -9611,8 +9739,8 @@
         </p:nvSpPr>
         <p:spPr>
           <a:xfrm>
-            <a:off x="2529760" y="1785159"/>
-            <a:ext cx="7723041" cy="1631216"/>
+            <a:off x="2529758" y="1175712"/>
+            <a:ext cx="7723041" cy="2554545"/>
           </a:xfrm>
           <a:prstGeom prst="rect">
             <a:avLst/>
@@ -9641,8 +9769,28 @@
                 <a:latin typeface="Times New Roman" panose="02020603050405020304" pitchFamily="18" charset="0"/>
                 <a:cs typeface="Times New Roman" panose="02020603050405020304" pitchFamily="18" charset="0"/>
               </a:rPr>
-              <a:t>he application prompts the user once the server is switched on </a:t>
-            </a:r>
+              <a:t>he application prompts the user once the server is switched </a:t>
+            </a:r>
+            <a:r>
+              <a:rPr lang="en-US" sz="2000" dirty="0" smtClean="0">
+                <a:latin typeface="Times New Roman" panose="02020603050405020304" pitchFamily="18" charset="0"/>
+                <a:cs typeface="Times New Roman" panose="02020603050405020304" pitchFamily="18" charset="0"/>
+              </a:rPr>
+              <a:t>on</a:t>
+            </a:r>
+          </a:p>
+          <a:p>
+            <a:r>
+              <a:rPr lang="en-US" sz="2000" dirty="0" smtClean="0">
+                <a:latin typeface="Times New Roman" panose="02020603050405020304" pitchFamily="18" charset="0"/>
+                <a:cs typeface="Times New Roman" panose="02020603050405020304" pitchFamily="18" charset="0"/>
+              </a:rPr>
+              <a:t> </a:t>
+            </a:r>
+            <a:endParaRPr lang="en-US" sz="2000" dirty="0" smtClean="0">
+              <a:latin typeface="Times New Roman" panose="02020603050405020304" pitchFamily="18" charset="0"/>
+              <a:cs typeface="Times New Roman" panose="02020603050405020304" pitchFamily="18" charset="0"/>
+            </a:endParaRPr>
           </a:p>
           <a:p>
             <a:pPr marL="285750" indent="-285750">
@@ -9654,8 +9802,21 @@
                 <a:latin typeface="Times New Roman" panose="02020603050405020304" pitchFamily="18" charset="0"/>
                 <a:cs typeface="Times New Roman" panose="02020603050405020304" pitchFamily="18" charset="0"/>
               </a:rPr>
-              <a:t>An xterm window pops up showing the details of connections established with the server in real time</a:t>
-            </a:r>
+              <a:t>An xterm window pops up showing the details of connections established with the server in real </a:t>
+            </a:r>
+            <a:r>
+              <a:rPr lang="en-US" sz="2000" dirty="0" smtClean="0">
+                <a:latin typeface="Times New Roman" panose="02020603050405020304" pitchFamily="18" charset="0"/>
+                <a:cs typeface="Times New Roman" panose="02020603050405020304" pitchFamily="18" charset="0"/>
+              </a:rPr>
+              <a:t>time</a:t>
+            </a:r>
+          </a:p>
+          <a:p>
+            <a:endParaRPr lang="en-US" sz="2000" dirty="0" smtClean="0">
+              <a:latin typeface="Times New Roman" panose="02020603050405020304" pitchFamily="18" charset="0"/>
+              <a:cs typeface="Times New Roman" panose="02020603050405020304" pitchFamily="18" charset="0"/>
+            </a:endParaRPr>
           </a:p>
           <a:p>
             <a:pPr marL="285750" indent="-285750">
@@ -9667,8 +9828,21 @@
                 <a:latin typeface="Times New Roman" panose="02020603050405020304" pitchFamily="18" charset="0"/>
                 <a:cs typeface="Times New Roman" panose="02020603050405020304" pitchFamily="18" charset="0"/>
               </a:rPr>
-              <a:t>The link provided will redirect the user to the server webpage</a:t>
-            </a:r>
+              <a:t>The link provided will redirect the user to the server </a:t>
+            </a:r>
+            <a:r>
+              <a:rPr lang="en-US" sz="2000" dirty="0" smtClean="0">
+                <a:latin typeface="Times New Roman" panose="02020603050405020304" pitchFamily="18" charset="0"/>
+                <a:cs typeface="Times New Roman" panose="02020603050405020304" pitchFamily="18" charset="0"/>
+              </a:rPr>
+              <a:t>webpage</a:t>
+            </a:r>
+          </a:p>
+          <a:p>
+            <a:endParaRPr lang="en-US" sz="2000" dirty="0" smtClean="0">
+              <a:latin typeface="Times New Roman" panose="02020603050405020304" pitchFamily="18" charset="0"/>
+              <a:cs typeface="Times New Roman" panose="02020603050405020304" pitchFamily="18" charset="0"/>
+            </a:endParaRPr>
           </a:p>
           <a:p>
             <a:pPr marL="285750" indent="-285750">
@@ -9704,7 +9878,7 @@
         </p:blipFill>
         <p:spPr>
           <a:xfrm>
-            <a:off x="2003787" y="3819667"/>
+            <a:off x="2003786" y="3902794"/>
             <a:ext cx="8774986" cy="2431129"/>
           </a:xfrm>
           <a:prstGeom prst="roundRect">
@@ -9733,13 +9907,13 @@
   <p:clrMapOvr>
     <a:masterClrMapping/>
   </p:clrMapOvr>
-  <mc:AlternateContent xmlns:mc="http://schemas.openxmlformats.org/markup-compatibility/2006">
-    <mc:Choice xmlns:p14="http://schemas.microsoft.com/office/powerpoint/2010/main" Requires="p14">
+  <mc:AlternateContent xmlns:mc="http://schemas.openxmlformats.org/markup-compatibility/2006" xmlns:p14="http://schemas.microsoft.com/office/powerpoint/2010/main">
+    <mc:Choice Requires="p14">
       <p:transition spd="slow" p14:dur="1400">
         <p14:ripple/>
       </p:transition>
     </mc:Choice>
-    <mc:Fallback>
+    <mc:Fallback xmlns="">
       <p:transition spd="slow">
         <p:fade/>
       </p:transition>
@@ -10116,8 +10290,8 @@
         </p:nvSpPr>
         <p:spPr>
           <a:xfrm>
-            <a:off x="2493822" y="1845515"/>
-            <a:ext cx="8109523" cy="1323439"/>
+            <a:off x="2493820" y="1630102"/>
+            <a:ext cx="8109523" cy="1938992"/>
           </a:xfrm>
           <a:prstGeom prst="rect">
             <a:avLst/>
@@ -10148,6 +10322,12 @@
               </a:rPr>
               <a:t>off</a:t>
             </a:r>
+          </a:p>
+          <a:p>
+            <a:pPr marL="285750" indent="-285750">
+              <a:buFont typeface="Wingdings" panose="05000000000000000000" pitchFamily="2" charset="2"/>
+              <a:buChar char="Ø"/>
+            </a:pPr>
             <a:endParaRPr lang="en-US" sz="2000" dirty="0">
               <a:latin typeface="Times New Roman" panose="02020603050405020304" pitchFamily="18" charset="0"/>
               <a:cs typeface="Times New Roman" panose="02020603050405020304" pitchFamily="18" charset="0"/>
@@ -10163,8 +10343,21 @@
                 <a:latin typeface="Times New Roman" panose="02020603050405020304" pitchFamily="18" charset="0"/>
                 <a:cs typeface="Times New Roman" panose="02020603050405020304" pitchFamily="18" charset="0"/>
               </a:rPr>
-              <a:t>The xterm window showing real time connections established with the server is closed</a:t>
-            </a:r>
+              <a:t>The xterm window showing real time connections established with the server is </a:t>
+            </a:r>
+            <a:r>
+              <a:rPr lang="en-US" sz="2000" dirty="0" smtClean="0">
+                <a:latin typeface="Times New Roman" panose="02020603050405020304" pitchFamily="18" charset="0"/>
+                <a:cs typeface="Times New Roman" panose="02020603050405020304" pitchFamily="18" charset="0"/>
+              </a:rPr>
+              <a:t>closed</a:t>
+            </a:r>
+          </a:p>
+          <a:p>
+            <a:pPr marL="285750" indent="-285750">
+              <a:buFont typeface="Wingdings" panose="05000000000000000000" pitchFamily="2" charset="2"/>
+              <a:buChar char="Ø"/>
+            </a:pPr>
             <a:endParaRPr lang="en-US" sz="2000" dirty="0">
               <a:latin typeface="Times New Roman" panose="02020603050405020304" pitchFamily="18" charset="0"/>
               <a:cs typeface="Times New Roman" panose="02020603050405020304" pitchFamily="18" charset="0"/>
@@ -10212,7 +10405,7 @@
         </p:blipFill>
         <p:spPr>
           <a:xfrm>
-            <a:off x="3433908" y="3673041"/>
+            <a:off x="3433907" y="3857768"/>
             <a:ext cx="6229350" cy="2486025"/>
           </a:xfrm>
           <a:prstGeom prst="roundRect">
@@ -10241,13 +10434,13 @@
   <p:clrMapOvr>
     <a:masterClrMapping/>
   </p:clrMapOvr>
-  <mc:AlternateContent xmlns:mc="http://schemas.openxmlformats.org/markup-compatibility/2006">
-    <mc:Choice xmlns:p14="http://schemas.microsoft.com/office/powerpoint/2010/main" Requires="p14">
+  <mc:AlternateContent xmlns:mc="http://schemas.openxmlformats.org/markup-compatibility/2006" xmlns:p14="http://schemas.microsoft.com/office/powerpoint/2010/main">
+    <mc:Choice Requires="p14">
       <p:transition spd="slow" p14:dur="2500">
         <p:checker/>
       </p:transition>
     </mc:Choice>
-    <mc:Fallback>
+    <mc:Fallback xmlns="">
       <p:transition spd="slow">
         <p:checker/>
       </p:transition>
@@ -10663,7 +10856,7 @@
         </p:nvSpPr>
         <p:spPr>
           <a:xfrm>
-            <a:off x="3148426" y="242607"/>
+            <a:off x="3148423" y="0"/>
             <a:ext cx="6430863" cy="923330"/>
           </a:xfrm>
           <a:prstGeom prst="rect">
@@ -10711,8 +10904,8 @@
         </p:nvSpPr>
         <p:spPr>
           <a:xfrm>
-            <a:off x="2733966" y="1534390"/>
-            <a:ext cx="7259782" cy="1938992"/>
+            <a:off x="2733962" y="1104875"/>
+            <a:ext cx="7259782" cy="2723823"/>
           </a:xfrm>
           <a:prstGeom prst="rect">
             <a:avLst/>
@@ -10730,56 +10923,69 @@
               <a:buChar char="Ø"/>
             </a:pPr>
             <a:r>
-              <a:rPr lang="en-US" sz="2000" dirty="0">
+              <a:rPr lang="en-US" sz="1900" dirty="0">
                 <a:latin typeface="Times New Roman" panose="02020603050405020304" pitchFamily="18" charset="0"/>
                 <a:cs typeface="Times New Roman" panose="02020603050405020304" pitchFamily="18" charset="0"/>
               </a:rPr>
               <a:t>The application prompts the user once the server is </a:t>
             </a:r>
             <a:r>
-              <a:rPr lang="en-US" sz="2000" dirty="0" smtClean="0">
+              <a:rPr lang="en-US" sz="1900" dirty="0" smtClean="0">
                 <a:latin typeface="Times New Roman" panose="02020603050405020304" pitchFamily="18" charset="0"/>
                 <a:cs typeface="Times New Roman" panose="02020603050405020304" pitchFamily="18" charset="0"/>
               </a:rPr>
               <a:t>restarted </a:t>
             </a:r>
             <a:r>
-              <a:rPr lang="en-US" sz="2000" dirty="0" smtClean="0">
+              <a:rPr lang="en-US" sz="1900" dirty="0" smtClean="0">
                 <a:latin typeface="Times New Roman" panose="02020603050405020304" pitchFamily="18" charset="0"/>
                 <a:cs typeface="Times New Roman" panose="02020603050405020304" pitchFamily="18" charset="0"/>
               </a:rPr>
               <a:t>successfully</a:t>
             </a:r>
-            <a:endParaRPr lang="en-US" sz="2000" dirty="0" smtClean="0">
-              <a:latin typeface="Times New Roman" panose="02020603050405020304" pitchFamily="18" charset="0"/>
-              <a:cs typeface="Times New Roman" panose="02020603050405020304" pitchFamily="18" charset="0"/>
-            </a:endParaRPr>
           </a:p>
           <a:p>
             <a:pPr marL="285750" indent="-285750">
               <a:buFont typeface="Wingdings" panose="05000000000000000000" pitchFamily="2" charset="2"/>
               <a:buChar char="Ø"/>
             </a:pPr>
-            <a:r>
-              <a:rPr lang="en-US" sz="2000" dirty="0" smtClean="0">
+            <a:endParaRPr lang="en-US" sz="1900" dirty="0" smtClean="0">
+              <a:latin typeface="Times New Roman" panose="02020603050405020304" pitchFamily="18" charset="0"/>
+              <a:cs typeface="Times New Roman" panose="02020603050405020304" pitchFamily="18" charset="0"/>
+            </a:endParaRPr>
+          </a:p>
+          <a:p>
+            <a:pPr marL="285750" indent="-285750">
+              <a:buFont typeface="Wingdings" panose="05000000000000000000" pitchFamily="2" charset="2"/>
+              <a:buChar char="Ø"/>
+            </a:pPr>
+            <a:r>
+              <a:rPr lang="en-US" sz="1900" dirty="0" smtClean="0">
                 <a:latin typeface="Times New Roman" panose="02020603050405020304" pitchFamily="18" charset="0"/>
                 <a:cs typeface="Times New Roman" panose="02020603050405020304" pitchFamily="18" charset="0"/>
               </a:rPr>
               <a:t>The </a:t>
             </a:r>
             <a:r>
-              <a:rPr lang="en-US" sz="2000" dirty="0">
+              <a:rPr lang="en-US" sz="1900" dirty="0">
                 <a:latin typeface="Times New Roman" panose="02020603050405020304" pitchFamily="18" charset="0"/>
                 <a:cs typeface="Times New Roman" panose="02020603050405020304" pitchFamily="18" charset="0"/>
               </a:rPr>
               <a:t>xterm window </a:t>
             </a:r>
             <a:r>
-              <a:rPr lang="en-US" sz="2000" dirty="0" smtClean="0">
+              <a:rPr lang="en-US" sz="1900" dirty="0" smtClean="0">
                 <a:latin typeface="Times New Roman" panose="02020603050405020304" pitchFamily="18" charset="0"/>
                 <a:cs typeface="Times New Roman" panose="02020603050405020304" pitchFamily="18" charset="0"/>
               </a:rPr>
-              <a:t>that lists real time connections established with the server pops up on restart</a:t>
+              <a:t>that lists real time connections established with the server pops up on </a:t>
+            </a:r>
+            <a:r>
+              <a:rPr lang="en-US" sz="1900" dirty="0" smtClean="0">
+                <a:latin typeface="Times New Roman" panose="02020603050405020304" pitchFamily="18" charset="0"/>
+                <a:cs typeface="Times New Roman" panose="02020603050405020304" pitchFamily="18" charset="0"/>
+              </a:rPr>
+              <a:t>restart</a:t>
             </a:r>
           </a:p>
           <a:p>
@@ -10787,13 +10993,10 @@
               <a:buFont typeface="Wingdings" panose="05000000000000000000" pitchFamily="2" charset="2"/>
               <a:buChar char="Ø"/>
             </a:pPr>
-            <a:r>
-              <a:rPr lang="en-US" sz="2000" dirty="0" smtClean="0">
-                <a:latin typeface="Times New Roman" panose="02020603050405020304" pitchFamily="18" charset="0"/>
-                <a:cs typeface="Times New Roman" panose="02020603050405020304" pitchFamily="18" charset="0"/>
-              </a:rPr>
-              <a:t>The link will redirect the user to the server webpage</a:t>
-            </a:r>
+            <a:endParaRPr lang="en-US" sz="1900" dirty="0" smtClean="0">
+              <a:latin typeface="Times New Roman" panose="02020603050405020304" pitchFamily="18" charset="0"/>
+              <a:cs typeface="Times New Roman" panose="02020603050405020304" pitchFamily="18" charset="0"/>
+            </a:endParaRPr>
           </a:p>
           <a:p>
             <a:pPr marL="285750" indent="-285750">
@@ -10801,27 +11004,57 @@
               <a:buChar char="Ø"/>
             </a:pPr>
             <a:r>
-              <a:rPr lang="en-US" sz="2000" dirty="0" smtClean="0">
+              <a:rPr lang="en-US" sz="1900" dirty="0" smtClean="0">
+                <a:latin typeface="Times New Roman" panose="02020603050405020304" pitchFamily="18" charset="0"/>
+                <a:cs typeface="Times New Roman" panose="02020603050405020304" pitchFamily="18" charset="0"/>
+              </a:rPr>
+              <a:t>The link will redirect the user to the server </a:t>
+            </a:r>
+            <a:r>
+              <a:rPr lang="en-US" sz="1900" dirty="0" smtClean="0">
+                <a:latin typeface="Times New Roman" panose="02020603050405020304" pitchFamily="18" charset="0"/>
+                <a:cs typeface="Times New Roman" panose="02020603050405020304" pitchFamily="18" charset="0"/>
+              </a:rPr>
+              <a:t>webpage</a:t>
+            </a:r>
+          </a:p>
+          <a:p>
+            <a:pPr marL="285750" indent="-285750">
+              <a:buFont typeface="Wingdings" panose="05000000000000000000" pitchFamily="2" charset="2"/>
+              <a:buChar char="Ø"/>
+            </a:pPr>
+            <a:endParaRPr lang="en-US" sz="1900" dirty="0" smtClean="0">
+              <a:latin typeface="Times New Roman" panose="02020603050405020304" pitchFamily="18" charset="0"/>
+              <a:cs typeface="Times New Roman" panose="02020603050405020304" pitchFamily="18" charset="0"/>
+            </a:endParaRPr>
+          </a:p>
+          <a:p>
+            <a:pPr marL="285750" indent="-285750">
+              <a:buFont typeface="Wingdings" panose="05000000000000000000" pitchFamily="2" charset="2"/>
+              <a:buChar char="Ø"/>
+            </a:pPr>
+            <a:r>
+              <a:rPr lang="en-US" sz="1900" dirty="0" smtClean="0">
                 <a:latin typeface="Times New Roman" panose="02020603050405020304" pitchFamily="18" charset="0"/>
                 <a:cs typeface="Times New Roman" panose="02020603050405020304" pitchFamily="18" charset="0"/>
               </a:rPr>
               <a:t>The </a:t>
             </a:r>
             <a:r>
-              <a:rPr lang="en-US" sz="2000" dirty="0">
+              <a:rPr lang="en-US" sz="1900" dirty="0">
                 <a:latin typeface="Times New Roman" panose="02020603050405020304" pitchFamily="18" charset="0"/>
                 <a:cs typeface="Times New Roman" panose="02020603050405020304" pitchFamily="18" charset="0"/>
               </a:rPr>
               <a:t>activity is logged into the server log </a:t>
             </a:r>
             <a:r>
-              <a:rPr lang="en-US" sz="2000" dirty="0" smtClean="0">
+              <a:rPr lang="en-US" sz="1900" dirty="0" smtClean="0">
                 <a:latin typeface="Times New Roman" panose="02020603050405020304" pitchFamily="18" charset="0"/>
                 <a:cs typeface="Times New Roman" panose="02020603050405020304" pitchFamily="18" charset="0"/>
               </a:rPr>
               <a:t>file</a:t>
             </a:r>
-            <a:endParaRPr lang="en-US" sz="2000" dirty="0">
+            <a:endParaRPr lang="en-US" sz="1900" dirty="0">
               <a:latin typeface="Times New Roman" panose="02020603050405020304" pitchFamily="18" charset="0"/>
               <a:cs typeface="Times New Roman" panose="02020603050405020304" pitchFamily="18" charset="0"/>
             </a:endParaRPr>
@@ -10843,7 +11076,7 @@
         </p:blipFill>
         <p:spPr>
           <a:xfrm>
-            <a:off x="1736439" y="3841835"/>
+            <a:off x="1736435" y="4010243"/>
             <a:ext cx="9254835" cy="2189434"/>
           </a:xfrm>
           <a:prstGeom prst="roundRect">
@@ -11165,7 +11398,7 @@
         </p:nvSpPr>
         <p:spPr>
           <a:xfrm>
-            <a:off x="2970562" y="288790"/>
+            <a:off x="2970562" y="122535"/>
             <a:ext cx="6805068" cy="923330"/>
           </a:xfrm>
           <a:prstGeom prst="rect">
@@ -11276,8 +11509,8 @@
         </p:nvSpPr>
         <p:spPr>
           <a:xfrm>
-            <a:off x="2238433" y="1608023"/>
-            <a:ext cx="8269326" cy="1938992"/>
+            <a:off x="2303088" y="1217119"/>
+            <a:ext cx="8269326" cy="2554545"/>
           </a:xfrm>
           <a:prstGeom prst="rect">
             <a:avLst/>
@@ -11299,7 +11532,14 @@
                 <a:latin typeface="Times New Roman" panose="02020603050405020304" pitchFamily="18" charset="0"/>
                 <a:cs typeface="Times New Roman" panose="02020603050405020304" pitchFamily="18" charset="0"/>
               </a:rPr>
-              <a:t>The server backs up all the files in a compressed format (.tar.gz) with a date stamp for future reference</a:t>
+              <a:t>The server backs up all the files in a compressed format (.tar.gz) with a date stamp for future </a:t>
+            </a:r>
+            <a:r>
+              <a:rPr lang="en-US" sz="2000" dirty="0" smtClean="0">
+                <a:latin typeface="Times New Roman" panose="02020603050405020304" pitchFamily="18" charset="0"/>
+                <a:cs typeface="Times New Roman" panose="02020603050405020304" pitchFamily="18" charset="0"/>
+              </a:rPr>
+              <a:t>reference</a:t>
             </a:r>
           </a:p>
           <a:p>
@@ -11307,13 +11547,40 @@
               <a:buFont typeface="Wingdings" panose="05000000000000000000" pitchFamily="2" charset="2"/>
               <a:buChar char="q"/>
             </a:pPr>
+            <a:endParaRPr lang="en-US" sz="2000" dirty="0" smtClean="0">
+              <a:latin typeface="Times New Roman" panose="02020603050405020304" pitchFamily="18" charset="0"/>
+              <a:cs typeface="Times New Roman" panose="02020603050405020304" pitchFamily="18" charset="0"/>
+            </a:endParaRPr>
+          </a:p>
+          <a:p>
+            <a:pPr marL="285750" indent="-285750">
+              <a:buFont typeface="Wingdings" panose="05000000000000000000" pitchFamily="2" charset="2"/>
+              <a:buChar char="q"/>
+            </a:pPr>
             <a:r>
               <a:rPr lang="en-US" sz="2000" dirty="0" smtClean="0">
                 <a:latin typeface="Times New Roman" panose="02020603050405020304" pitchFamily="18" charset="0"/>
                 <a:cs typeface="Times New Roman" panose="02020603050405020304" pitchFamily="18" charset="0"/>
               </a:rPr>
-              <a:t>The backup is stored in the user’s home directory in backup_server folder (Folder will be created if it doesn’t exist beforehand)</a:t>
-            </a:r>
+              <a:t>The backup is stored in the user’s home directory in backup_server folder (Folder will be created if it doesn’t exist beforehand</a:t>
+            </a:r>
+            <a:r>
+              <a:rPr lang="en-US" sz="2000" dirty="0" smtClean="0">
+                <a:latin typeface="Times New Roman" panose="02020603050405020304" pitchFamily="18" charset="0"/>
+                <a:cs typeface="Times New Roman" panose="02020603050405020304" pitchFamily="18" charset="0"/>
+              </a:rPr>
+              <a:t>)</a:t>
+            </a:r>
+          </a:p>
+          <a:p>
+            <a:pPr marL="285750" indent="-285750">
+              <a:buFont typeface="Wingdings" panose="05000000000000000000" pitchFamily="2" charset="2"/>
+              <a:buChar char="q"/>
+            </a:pPr>
+            <a:endParaRPr lang="en-US" sz="2000" dirty="0" smtClean="0">
+              <a:latin typeface="Times New Roman" panose="02020603050405020304" pitchFamily="18" charset="0"/>
+              <a:cs typeface="Times New Roman" panose="02020603050405020304" pitchFamily="18" charset="0"/>
+            </a:endParaRPr>
           </a:p>
           <a:p>
             <a:pPr marL="285750" indent="-285750">
@@ -11344,13 +11611,13 @@
   <p:clrMapOvr>
     <a:masterClrMapping/>
   </p:clrMapOvr>
-  <mc:AlternateContent xmlns:mc="http://schemas.openxmlformats.org/markup-compatibility/2006">
-    <mc:Choice xmlns:p15="http://schemas.microsoft.com/office/powerpoint/2012/main" Requires="p15">
+  <mc:AlternateContent xmlns:mc="http://schemas.openxmlformats.org/markup-compatibility/2006" xmlns:p15="http://schemas.microsoft.com/office/powerpoint/2012/main">
+    <mc:Choice Requires="p15">
       <p:transition xmlns:p14="http://schemas.microsoft.com/office/powerpoint/2010/main" spd="slow" p14:dur="1250">
         <p15:prstTrans prst="pageCurlDouble"/>
       </p:transition>
     </mc:Choice>
-    <mc:Fallback>
+    <mc:Fallback xmlns="">
       <p:transition spd="slow">
         <p:fade/>
       </p:transition>
@@ -11694,8 +11961,8 @@
         </p:nvSpPr>
         <p:spPr>
           <a:xfrm>
-            <a:off x="1437108" y="2217826"/>
-            <a:ext cx="4252492" cy="3477875"/>
+            <a:off x="1307800" y="1906920"/>
+            <a:ext cx="4427982" cy="4093428"/>
           </a:xfrm>
           <a:prstGeom prst="rect">
             <a:avLst/>
@@ -11731,7 +11998,14 @@
                 <a:latin typeface="Times New Roman" panose="02020603050405020304" pitchFamily="18" charset="0"/>
                 <a:cs typeface="Times New Roman" panose="02020603050405020304" pitchFamily="18" charset="0"/>
               </a:rPr>
-              <a:t>enu provides functionality to schedule different tasks to be executed at a given time</a:t>
+              <a:t>enu provides functionality to schedule different tasks to be executed at a given </a:t>
+            </a:r>
+            <a:r>
+              <a:rPr lang="en-US" sz="2000" dirty="0" smtClean="0">
+                <a:latin typeface="Times New Roman" panose="02020603050405020304" pitchFamily="18" charset="0"/>
+                <a:cs typeface="Times New Roman" panose="02020603050405020304" pitchFamily="18" charset="0"/>
+              </a:rPr>
+              <a:t>time</a:t>
             </a:r>
           </a:p>
           <a:p>
@@ -11739,13 +12013,40 @@
               <a:buFont typeface="Wingdings" panose="05000000000000000000" pitchFamily="2" charset="2"/>
               <a:buChar char="v"/>
             </a:pPr>
+            <a:endParaRPr lang="en-US" sz="2000" dirty="0" smtClean="0">
+              <a:latin typeface="Times New Roman" panose="02020603050405020304" pitchFamily="18" charset="0"/>
+              <a:cs typeface="Times New Roman" panose="02020603050405020304" pitchFamily="18" charset="0"/>
+            </a:endParaRPr>
+          </a:p>
+          <a:p>
+            <a:pPr marL="285750" indent="-285750">
+              <a:buFont typeface="Wingdings" panose="05000000000000000000" pitchFamily="2" charset="2"/>
+              <a:buChar char="v"/>
+            </a:pPr>
             <a:r>
               <a:rPr lang="en-US" sz="2000" dirty="0" smtClean="0">
                 <a:latin typeface="Times New Roman" panose="02020603050405020304" pitchFamily="18" charset="0"/>
                 <a:cs typeface="Times New Roman" panose="02020603050405020304" pitchFamily="18" charset="0"/>
               </a:rPr>
-              <a:t>The tasks that can be scheduled include start, stop and restart</a:t>
-            </a:r>
+              <a:t>The tasks that can be scheduled include start, stop and </a:t>
+            </a:r>
+            <a:r>
+              <a:rPr lang="en-US" sz="2000" dirty="0" smtClean="0">
+                <a:latin typeface="Times New Roman" panose="02020603050405020304" pitchFamily="18" charset="0"/>
+                <a:cs typeface="Times New Roman" panose="02020603050405020304" pitchFamily="18" charset="0"/>
+              </a:rPr>
+              <a:t>restart</a:t>
+            </a:r>
+          </a:p>
+          <a:p>
+            <a:pPr marL="285750" indent="-285750">
+              <a:buFont typeface="Wingdings" panose="05000000000000000000" pitchFamily="2" charset="2"/>
+              <a:buChar char="v"/>
+            </a:pPr>
+            <a:endParaRPr lang="en-US" sz="2000" dirty="0" smtClean="0">
+              <a:latin typeface="Times New Roman" panose="02020603050405020304" pitchFamily="18" charset="0"/>
+              <a:cs typeface="Times New Roman" panose="02020603050405020304" pitchFamily="18" charset="0"/>
+            </a:endParaRPr>
           </a:p>
           <a:p>
             <a:pPr marL="285750" indent="-285750">
@@ -11766,6 +12067,16 @@
               </a:rPr>
               <a:t>file</a:t>
             </a:r>
+          </a:p>
+          <a:p>
+            <a:pPr marL="285750" indent="-285750">
+              <a:buFont typeface="Wingdings" panose="05000000000000000000" pitchFamily="2" charset="2"/>
+              <a:buChar char="v"/>
+            </a:pPr>
+            <a:endParaRPr lang="en-US" sz="2000" dirty="0" smtClean="0">
+              <a:latin typeface="Times New Roman" panose="02020603050405020304" pitchFamily="18" charset="0"/>
+              <a:cs typeface="Times New Roman" panose="02020603050405020304" pitchFamily="18" charset="0"/>
+            </a:endParaRPr>
           </a:p>
           <a:p>
             <a:pPr marL="285750" indent="-285750">
@@ -11792,13 +12103,13 @@
   <p:clrMapOvr>
     <a:masterClrMapping/>
   </p:clrMapOvr>
-  <mc:AlternateContent xmlns:mc="http://schemas.openxmlformats.org/markup-compatibility/2006">
-    <mc:Choice xmlns:p14="http://schemas.microsoft.com/office/powerpoint/2010/main" Requires="p14">
+  <mc:AlternateContent xmlns:mc="http://schemas.openxmlformats.org/markup-compatibility/2006" xmlns:p14="http://schemas.microsoft.com/office/powerpoint/2010/main">
+    <mc:Choice Requires="p14">
       <p:transition spd="slow" p14:dur="800">
         <p14:flythrough/>
       </p:transition>
     </mc:Choice>
-    <mc:Fallback>
+    <mc:Fallback xmlns="">
       <p:transition spd="slow">
         <p:fade/>
       </p:transition>
@@ -12044,7 +12355,7 @@
         </p:nvSpPr>
         <p:spPr>
           <a:xfrm>
-            <a:off x="3087684" y="230524"/>
+            <a:off x="3063001" y="0"/>
             <a:ext cx="6238311" cy="923330"/>
           </a:xfrm>
           <a:prstGeom prst="rect">
@@ -12099,8 +12410,8 @@
         </p:nvSpPr>
         <p:spPr>
           <a:xfrm>
-            <a:off x="2755475" y="1283019"/>
-            <a:ext cx="6835490" cy="2031325"/>
+            <a:off x="2567641" y="1043538"/>
+            <a:ext cx="7229035" cy="2585323"/>
           </a:xfrm>
           <a:prstGeom prst="rect">
             <a:avLst/>
@@ -12122,7 +12433,14 @@
                 <a:latin typeface="Times New Roman" panose="02020603050405020304" pitchFamily="18" charset="0"/>
                 <a:cs typeface="Times New Roman" panose="02020603050405020304" pitchFamily="18" charset="0"/>
               </a:rPr>
-              <a:t>The server log file lists the various operations performed on the server</a:t>
+              <a:t>The server log file lists the various operations performed on the </a:t>
+            </a:r>
+            <a:r>
+              <a:rPr lang="en-US" dirty="0" smtClean="0">
+                <a:latin typeface="Times New Roman" panose="02020603050405020304" pitchFamily="18" charset="0"/>
+                <a:cs typeface="Times New Roman" panose="02020603050405020304" pitchFamily="18" charset="0"/>
+              </a:rPr>
+              <a:t>server</a:t>
             </a:r>
           </a:p>
           <a:p>
@@ -12130,12 +12448,29 @@
               <a:buFont typeface="Wingdings" panose="05000000000000000000" pitchFamily="2" charset="2"/>
               <a:buChar char="Ø"/>
             </a:pPr>
+            <a:endParaRPr lang="en-US" dirty="0" smtClean="0">
+              <a:latin typeface="Times New Roman" panose="02020603050405020304" pitchFamily="18" charset="0"/>
+              <a:cs typeface="Times New Roman" panose="02020603050405020304" pitchFamily="18" charset="0"/>
+            </a:endParaRPr>
+          </a:p>
+          <a:p>
+            <a:pPr marL="285750" indent="-285750">
+              <a:buFont typeface="Wingdings" panose="05000000000000000000" pitchFamily="2" charset="2"/>
+              <a:buChar char="Ø"/>
+            </a:pPr>
             <a:r>
               <a:rPr lang="en-US" dirty="0" smtClean="0">
                 <a:latin typeface="Times New Roman" panose="02020603050405020304" pitchFamily="18" charset="0"/>
                 <a:cs typeface="Times New Roman" panose="02020603050405020304" pitchFamily="18" charset="0"/>
               </a:rPr>
-              <a:t>The log file contains the username, date &amp; time at which the operation was performed along with the operation itself</a:t>
+              <a:t>The log file contains the username, date &amp; time at which the operation was performed along with the operation </a:t>
+            </a:r>
+            <a:r>
+              <a:rPr lang="en-US" dirty="0" smtClean="0">
+                <a:latin typeface="Times New Roman" panose="02020603050405020304" pitchFamily="18" charset="0"/>
+                <a:cs typeface="Times New Roman" panose="02020603050405020304" pitchFamily="18" charset="0"/>
+              </a:rPr>
+              <a:t>itself</a:t>
             </a:r>
           </a:p>
           <a:p>
@@ -12143,13 +12478,40 @@
               <a:buFont typeface="Wingdings" panose="05000000000000000000" pitchFamily="2" charset="2"/>
               <a:buChar char="Ø"/>
             </a:pPr>
+            <a:endParaRPr lang="en-US" dirty="0" smtClean="0">
+              <a:latin typeface="Times New Roman" panose="02020603050405020304" pitchFamily="18" charset="0"/>
+              <a:cs typeface="Times New Roman" panose="02020603050405020304" pitchFamily="18" charset="0"/>
+            </a:endParaRPr>
+          </a:p>
+          <a:p>
+            <a:pPr marL="285750" indent="-285750">
+              <a:buFont typeface="Wingdings" panose="05000000000000000000" pitchFamily="2" charset="2"/>
+              <a:buChar char="Ø"/>
+            </a:pPr>
             <a:r>
               <a:rPr lang="en-US" dirty="0" smtClean="0">
                 <a:latin typeface="Times New Roman" panose="02020603050405020304" pitchFamily="18" charset="0"/>
                 <a:cs typeface="Times New Roman" panose="02020603050405020304" pitchFamily="18" charset="0"/>
               </a:rPr>
-              <a:t>The scheduled operation are listed in the log file as well</a:t>
-            </a:r>
+              <a:t>The scheduled operation are listed in the log file as </a:t>
+            </a:r>
+            <a:r>
+              <a:rPr lang="en-US" dirty="0" smtClean="0">
+                <a:latin typeface="Times New Roman" panose="02020603050405020304" pitchFamily="18" charset="0"/>
+                <a:cs typeface="Times New Roman" panose="02020603050405020304" pitchFamily="18" charset="0"/>
+              </a:rPr>
+              <a:t>well</a:t>
+            </a:r>
+          </a:p>
+          <a:p>
+            <a:pPr marL="285750" indent="-285750">
+              <a:buFont typeface="Wingdings" panose="05000000000000000000" pitchFamily="2" charset="2"/>
+              <a:buChar char="Ø"/>
+            </a:pPr>
+            <a:endParaRPr lang="en-US" dirty="0" smtClean="0">
+              <a:latin typeface="Times New Roman" panose="02020603050405020304" pitchFamily="18" charset="0"/>
+              <a:cs typeface="Times New Roman" panose="02020603050405020304" pitchFamily="18" charset="0"/>
+            </a:endParaRPr>
           </a:p>
           <a:p>
             <a:pPr marL="285750" indent="-285750">
@@ -12186,8 +12548,8 @@
         </p:blipFill>
         <p:spPr>
           <a:xfrm>
-            <a:off x="3020445" y="3443509"/>
-            <a:ext cx="6305550" cy="3340600"/>
+            <a:off x="3345008" y="3749069"/>
+            <a:ext cx="5674299" cy="3006171"/>
           </a:xfrm>
           <a:prstGeom prst="roundRect">
             <a:avLst>
@@ -12215,13 +12577,13 @@
   <p:clrMapOvr>
     <a:masterClrMapping/>
   </p:clrMapOvr>
-  <mc:AlternateContent xmlns:mc="http://schemas.openxmlformats.org/markup-compatibility/2006">
-    <mc:Choice xmlns:p14="http://schemas.microsoft.com/office/powerpoint/2010/main" Requires="p14">
+  <mc:AlternateContent xmlns:mc="http://schemas.openxmlformats.org/markup-compatibility/2006" xmlns:p14="http://schemas.microsoft.com/office/powerpoint/2010/main">
+    <mc:Choice Requires="p14">
       <p:transition spd="slow" p14:dur="2000">
         <p14:ferris dir="l"/>
       </p:transition>
     </mc:Choice>
-    <mc:Fallback>
+    <mc:Fallback xmlns="">
       <p:transition spd="slow">
         <p:fade/>
       </p:transition>
@@ -12559,8 +12921,8 @@
         </p:nvSpPr>
         <p:spPr>
           <a:xfrm>
-            <a:off x="1985822" y="1699490"/>
-            <a:ext cx="8700654" cy="1323439"/>
+            <a:off x="1985822" y="1459122"/>
+            <a:ext cx="8700654" cy="1938992"/>
           </a:xfrm>
           <a:prstGeom prst="rect">
             <a:avLst/>
@@ -12582,7 +12944,14 @@
                 <a:latin typeface="Times New Roman" panose="02020603050405020304" pitchFamily="18" charset="0"/>
                 <a:cs typeface="Times New Roman" panose="02020603050405020304" pitchFamily="18" charset="0"/>
               </a:rPr>
-              <a:t>The server logs file can be cleared with proper authentication. To clear it, a password must be provided to ensure the user is authorized to clear the file.</a:t>
+              <a:t>The server logs file can be cleared with proper authentication. To clear it, a password must be provided to ensure the user is authorized to clear the file</a:t>
+            </a:r>
+            <a:r>
+              <a:rPr lang="en-US" sz="2000" dirty="0" smtClean="0">
+                <a:latin typeface="Times New Roman" panose="02020603050405020304" pitchFamily="18" charset="0"/>
+                <a:cs typeface="Times New Roman" panose="02020603050405020304" pitchFamily="18" charset="0"/>
+              </a:rPr>
+              <a:t>.</a:t>
             </a:r>
           </a:p>
           <a:p>
@@ -12590,20 +12959,36 @@
               <a:buFont typeface="Wingdings" panose="05000000000000000000" pitchFamily="2" charset="2"/>
               <a:buChar char="q"/>
             </a:pPr>
+            <a:endParaRPr lang="en-US" sz="2000" dirty="0" smtClean="0">
+              <a:latin typeface="Times New Roman" panose="02020603050405020304" pitchFamily="18" charset="0"/>
+              <a:cs typeface="Times New Roman" panose="02020603050405020304" pitchFamily="18" charset="0"/>
+            </a:endParaRPr>
+          </a:p>
+          <a:p>
+            <a:pPr marL="285750" indent="-285750">
+              <a:buFont typeface="Wingdings" panose="05000000000000000000" pitchFamily="2" charset="2"/>
+              <a:buChar char="q"/>
+            </a:pPr>
             <a:r>
               <a:rPr lang="en-US" sz="2000" dirty="0" smtClean="0">
                 <a:latin typeface="Times New Roman" panose="02020603050405020304" pitchFamily="18" charset="0"/>
                 <a:cs typeface="Times New Roman" panose="02020603050405020304" pitchFamily="18" charset="0"/>
               </a:rPr>
-              <a:t>If an incorrect password is entered twice, the program will </a:t>
-            </a:r>
-            <a:r>
-              <a:rPr lang="en-US" sz="2000" smtClean="0">
+              <a:t>If an incorrect password is entered twice, the program will be closed</a:t>
+            </a:r>
+            <a:r>
+              <a:rPr lang="en-US" sz="2000" dirty="0" smtClean="0">
                 <a:latin typeface="Times New Roman" panose="02020603050405020304" pitchFamily="18" charset="0"/>
                 <a:cs typeface="Times New Roman" panose="02020603050405020304" pitchFamily="18" charset="0"/>
               </a:rPr>
-              <a:t>be closed.</a:t>
-            </a:r>
+              <a:t>.</a:t>
+            </a:r>
+          </a:p>
+          <a:p>
+            <a:pPr marL="285750" indent="-285750">
+              <a:buFont typeface="Wingdings" panose="05000000000000000000" pitchFamily="2" charset="2"/>
+              <a:buChar char="q"/>
+            </a:pPr>
             <a:endParaRPr lang="en-US" sz="2000" dirty="0" smtClean="0">
               <a:latin typeface="Times New Roman" panose="02020603050405020304" pitchFamily="18" charset="0"/>
               <a:cs typeface="Times New Roman" panose="02020603050405020304" pitchFamily="18" charset="0"/>

--- a/Docs/Project.pptx
+++ b/Docs/Project.pptx
@@ -209,7 +209,7 @@
           <a:p>
             <a:fld id="{7702859B-35F7-4D1F-B334-1403E8F63D3D}" type="datetimeFigureOut">
               <a:rPr lang="en-US" smtClean="0"/>
-              <a:t>22-Feb-22</a:t>
+              <a:t>23-Feb-22</a:t>
             </a:fld>
             <a:endParaRPr lang="en-US"/>
           </a:p>
@@ -1063,7 +1063,7 @@
           <a:p>
             <a:fld id="{02348C21-1707-47CE-B3EA-5045ED5D277F}" type="datetimeFigureOut">
               <a:rPr lang="en-US" smtClean="0"/>
-              <a:t>22-Feb-22</a:t>
+              <a:t>23-Feb-22</a:t>
             </a:fld>
             <a:endParaRPr lang="en-US"/>
           </a:p>
@@ -1359,7 +1359,7 @@
           <a:p>
             <a:fld id="{02348C21-1707-47CE-B3EA-5045ED5D277F}" type="datetimeFigureOut">
               <a:rPr lang="en-US" smtClean="0"/>
-              <a:t>22-Feb-22</a:t>
+              <a:t>23-Feb-22</a:t>
             </a:fld>
             <a:endParaRPr lang="en-US"/>
           </a:p>
@@ -1607,7 +1607,7 @@
           <a:p>
             <a:fld id="{02348C21-1707-47CE-B3EA-5045ED5D277F}" type="datetimeFigureOut">
               <a:rPr lang="en-US" smtClean="0"/>
-              <a:t>22-Feb-22</a:t>
+              <a:t>23-Feb-22</a:t>
             </a:fld>
             <a:endParaRPr lang="en-US"/>
           </a:p>
@@ -2147,7 +2147,7 @@
           <a:p>
             <a:fld id="{02348C21-1707-47CE-B3EA-5045ED5D277F}" type="datetimeFigureOut">
               <a:rPr lang="en-US" smtClean="0"/>
-              <a:t>22-Feb-22</a:t>
+              <a:t>23-Feb-22</a:t>
             </a:fld>
             <a:endParaRPr lang="en-US"/>
           </a:p>
@@ -2395,7 +2395,7 @@
           <a:p>
             <a:fld id="{02348C21-1707-47CE-B3EA-5045ED5D277F}" type="datetimeFigureOut">
               <a:rPr lang="en-US" smtClean="0"/>
-              <a:t>22-Feb-22</a:t>
+              <a:t>23-Feb-22</a:t>
             </a:fld>
             <a:endParaRPr lang="en-US"/>
           </a:p>
@@ -2927,7 +2927,7 @@
           <a:p>
             <a:fld id="{02348C21-1707-47CE-B3EA-5045ED5D277F}" type="datetimeFigureOut">
               <a:rPr lang="en-US" smtClean="0"/>
-              <a:t>22-Feb-22</a:t>
+              <a:t>23-Feb-22</a:t>
             </a:fld>
             <a:endParaRPr lang="en-US"/>
           </a:p>
@@ -3224,7 +3224,7 @@
           <a:p>
             <a:fld id="{02348C21-1707-47CE-B3EA-5045ED5D277F}" type="datetimeFigureOut">
               <a:rPr lang="en-US" smtClean="0"/>
-              <a:t>22-Feb-22</a:t>
+              <a:t>23-Feb-22</a:t>
             </a:fld>
             <a:endParaRPr lang="en-US"/>
           </a:p>
@@ -3398,7 +3398,7 @@
           <a:p>
             <a:fld id="{02348C21-1707-47CE-B3EA-5045ED5D277F}" type="datetimeFigureOut">
               <a:rPr lang="en-US" smtClean="0"/>
-              <a:t>22-Feb-22</a:t>
+              <a:t>23-Feb-22</a:t>
             </a:fld>
             <a:endParaRPr lang="en-US"/>
           </a:p>
@@ -3578,7 +3578,7 @@
           <a:p>
             <a:fld id="{02348C21-1707-47CE-B3EA-5045ED5D277F}" type="datetimeFigureOut">
               <a:rPr lang="en-US" smtClean="0"/>
-              <a:t>22-Feb-22</a:t>
+              <a:t>23-Feb-22</a:t>
             </a:fld>
             <a:endParaRPr lang="en-US"/>
           </a:p>
@@ -3789,7 +3789,7 @@
           <a:p>
             <a:fld id="{02348C21-1707-47CE-B3EA-5045ED5D277F}" type="datetimeFigureOut">
               <a:rPr lang="en-US" smtClean="0"/>
-              <a:t>22-Feb-22</a:t>
+              <a:t>23-Feb-22</a:t>
             </a:fld>
             <a:endParaRPr lang="en-US"/>
           </a:p>
@@ -4040,7 +4040,7 @@
           <a:p>
             <a:fld id="{02348C21-1707-47CE-B3EA-5045ED5D277F}" type="datetimeFigureOut">
               <a:rPr lang="en-US" smtClean="0"/>
-              <a:t>22-Feb-22</a:t>
+              <a:t>23-Feb-22</a:t>
             </a:fld>
             <a:endParaRPr lang="en-US"/>
           </a:p>
@@ -4387,7 +4387,7 @@
           <a:p>
             <a:fld id="{02348C21-1707-47CE-B3EA-5045ED5D277F}" type="datetimeFigureOut">
               <a:rPr lang="en-US" smtClean="0"/>
-              <a:t>22-Feb-22</a:t>
+              <a:t>23-Feb-22</a:t>
             </a:fld>
             <a:endParaRPr lang="en-US"/>
           </a:p>
@@ -4879,7 +4879,7 @@
           <a:p>
             <a:fld id="{02348C21-1707-47CE-B3EA-5045ED5D277F}" type="datetimeFigureOut">
               <a:rPr lang="en-US" smtClean="0"/>
-              <a:t>22-Feb-22</a:t>
+              <a:t>23-Feb-22</a:t>
             </a:fld>
             <a:endParaRPr lang="en-US"/>
           </a:p>
@@ -4997,7 +4997,7 @@
           <a:p>
             <a:fld id="{02348C21-1707-47CE-B3EA-5045ED5D277F}" type="datetimeFigureOut">
               <a:rPr lang="en-US" smtClean="0"/>
-              <a:t>22-Feb-22</a:t>
+              <a:t>23-Feb-22</a:t>
             </a:fld>
             <a:endParaRPr lang="en-US"/>
           </a:p>
@@ -5092,7 +5092,7 @@
           <a:p>
             <a:fld id="{02348C21-1707-47CE-B3EA-5045ED5D277F}" type="datetimeFigureOut">
               <a:rPr lang="en-US" smtClean="0"/>
-              <a:t>22-Feb-22</a:t>
+              <a:t>23-Feb-22</a:t>
             </a:fld>
             <a:endParaRPr lang="en-US"/>
           </a:p>
@@ -5375,7 +5375,7 @@
           <a:p>
             <a:fld id="{02348C21-1707-47CE-B3EA-5045ED5D277F}" type="datetimeFigureOut">
               <a:rPr lang="en-US" smtClean="0"/>
-              <a:t>22-Feb-22</a:t>
+              <a:t>23-Feb-22</a:t>
             </a:fld>
             <a:endParaRPr lang="en-US"/>
           </a:p>
@@ -5666,7 +5666,7 @@
           <a:p>
             <a:fld id="{02348C21-1707-47CE-B3EA-5045ED5D277F}" type="datetimeFigureOut">
               <a:rPr lang="en-US" smtClean="0"/>
-              <a:t>22-Feb-22</a:t>
+              <a:t>23-Feb-22</a:t>
             </a:fld>
             <a:endParaRPr lang="en-US"/>
           </a:p>
@@ -6196,7 +6196,7 @@
           <a:p>
             <a:fld id="{02348C21-1707-47CE-B3EA-5045ED5D277F}" type="datetimeFigureOut">
               <a:rPr lang="en-US" smtClean="0"/>
-              <a:t>22-Feb-22</a:t>
+              <a:t>23-Feb-22</a:t>
             </a:fld>
             <a:endParaRPr lang="en-US"/>
           </a:p>
@@ -7519,14 +7519,7 @@
                 <a:latin typeface="Times New Roman" panose="02020603050405020304" pitchFamily="18" charset="0"/>
                 <a:cs typeface="Times New Roman" panose="02020603050405020304" pitchFamily="18" charset="0"/>
               </a:rPr>
-              <a:t>The input IP Address will be scanned in the access.log file of the </a:t>
-            </a:r>
-            <a:r>
-              <a:rPr lang="en-US" sz="2000" dirty="0" smtClean="0">
-                <a:latin typeface="Times New Roman" panose="02020603050405020304" pitchFamily="18" charset="0"/>
-                <a:cs typeface="Times New Roman" panose="02020603050405020304" pitchFamily="18" charset="0"/>
-              </a:rPr>
-              <a:t>server</a:t>
+              <a:t>The input IP Address will be scanned in the access.log file of the server</a:t>
             </a:r>
           </a:p>
           <a:p>
@@ -7549,14 +7542,7 @@
                 <a:latin typeface="Times New Roman" panose="02020603050405020304" pitchFamily="18" charset="0"/>
                 <a:cs typeface="Times New Roman" panose="02020603050405020304" pitchFamily="18" charset="0"/>
               </a:rPr>
-              <a:t>If the input is invalid, the application prompts the user stating the IP Address is </a:t>
-            </a:r>
-            <a:r>
-              <a:rPr lang="en-US" sz="2000" dirty="0" smtClean="0">
-                <a:latin typeface="Times New Roman" panose="02020603050405020304" pitchFamily="18" charset="0"/>
-                <a:cs typeface="Times New Roman" panose="02020603050405020304" pitchFamily="18" charset="0"/>
-              </a:rPr>
-              <a:t>invalid</a:t>
+              <a:t>If the input is invalid, the application prompts the user stating the IP Address is invalid</a:t>
             </a:r>
           </a:p>
           <a:p>
@@ -8110,14 +8096,7 @@
                 <a:latin typeface="Times New Roman" panose="02020603050405020304" pitchFamily="18" charset="0"/>
                 <a:cs typeface="Times New Roman" panose="02020603050405020304" pitchFamily="18" charset="0"/>
               </a:rPr>
-              <a:t>The search menu can filter access.log file according to date or </a:t>
-            </a:r>
-            <a:r>
-              <a:rPr lang="en-US" dirty="0" smtClean="0">
-                <a:latin typeface="Times New Roman" panose="02020603050405020304" pitchFamily="18" charset="0"/>
-                <a:cs typeface="Times New Roman" panose="02020603050405020304" pitchFamily="18" charset="0"/>
-              </a:rPr>
-              <a:t>month</a:t>
+              <a:t>The search menu can filter access.log file according to date or month</a:t>
             </a:r>
           </a:p>
           <a:p>
@@ -8140,14 +8119,7 @@
                 <a:latin typeface="Times New Roman" panose="02020603050405020304" pitchFamily="18" charset="0"/>
                 <a:cs typeface="Times New Roman" panose="02020603050405020304" pitchFamily="18" charset="0"/>
               </a:rPr>
-              <a:t>The input date must be in specified format, else the application will prompt the user stating the input is </a:t>
-            </a:r>
-            <a:r>
-              <a:rPr lang="en-US" dirty="0" smtClean="0">
-                <a:latin typeface="Times New Roman" panose="02020603050405020304" pitchFamily="18" charset="0"/>
-                <a:cs typeface="Times New Roman" panose="02020603050405020304" pitchFamily="18" charset="0"/>
-              </a:rPr>
-              <a:t>invalid</a:t>
+              <a:t>The input date must be in specified format, else the application will prompt the user stating the input is invalid</a:t>
             </a:r>
           </a:p>
           <a:p>
@@ -8569,20 +8541,30 @@
           </p:cNvPicPr>
           <p:nvPr/>
         </p:nvPicPr>
-        <p:blipFill>
+        <p:blipFill rotWithShape="1">
           <a:blip r:embed="rId2"/>
-          <a:stretch>
-            <a:fillRect/>
-          </a:stretch>
+          <a:srcRect b="3678"/>
+          <a:stretch/>
         </p:blipFill>
         <p:spPr>
           <a:xfrm>
-            <a:off x="7170459" y="1368261"/>
-            <a:ext cx="4537631" cy="5195940"/>
+            <a:off x="7309004" y="1375250"/>
+            <a:ext cx="4537631" cy="5004830"/>
           </a:xfrm>
-          <a:prstGeom prst="rect">
-            <a:avLst/>
+          <a:prstGeom prst="roundRect">
+            <a:avLst>
+              <a:gd name="adj" fmla="val 2080"/>
+            </a:avLst>
           </a:prstGeom>
+          <a:solidFill>
+            <a:srgbClr val="FFFFFF">
+              <a:shade val="85000"/>
+            </a:srgbClr>
+          </a:solidFill>
+          <a:ln>
+            <a:noFill/>
+          </a:ln>
+          <a:effectLst/>
         </p:spPr>
       </p:pic>
       <p:pic>
@@ -8604,9 +8586,20 @@
             <a:off x="2174792" y="4456030"/>
             <a:ext cx="4505325" cy="1924050"/>
           </a:xfrm>
-          <a:prstGeom prst="rect">
-            <a:avLst/>
+          <a:prstGeom prst="roundRect">
+            <a:avLst>
+              <a:gd name="adj" fmla="val 8594"/>
+            </a:avLst>
           </a:prstGeom>
+          <a:solidFill>
+            <a:srgbClr val="FFFFFF">
+              <a:shade val="85000"/>
+            </a:srgbClr>
+          </a:solidFill>
+          <a:ln>
+            <a:noFill/>
+          </a:ln>
+          <a:effectLst/>
         </p:spPr>
       </p:pic>
       <p:sp>
@@ -8654,14 +8647,7 @@
                 <a:latin typeface="Times New Roman" panose="02020603050405020304" pitchFamily="18" charset="0"/>
                 <a:cs typeface="Times New Roman" panose="02020603050405020304" pitchFamily="18" charset="0"/>
               </a:rPr>
-              <a:t> database, which is in-built in </a:t>
-            </a:r>
-            <a:r>
-              <a:rPr lang="en-US" dirty="0" smtClean="0">
-                <a:latin typeface="Times New Roman" panose="02020603050405020304" pitchFamily="18" charset="0"/>
-                <a:cs typeface="Times New Roman" panose="02020603050405020304" pitchFamily="18" charset="0"/>
-              </a:rPr>
-              <a:t>Linux</a:t>
+              <a:t> database, which is in-built in Linux</a:t>
             </a:r>
           </a:p>
           <a:p>
@@ -8684,14 +8670,7 @@
                 <a:latin typeface="Times New Roman" panose="02020603050405020304" pitchFamily="18" charset="0"/>
                 <a:cs typeface="Times New Roman" panose="02020603050405020304" pitchFamily="18" charset="0"/>
               </a:rPr>
-              <a:t>The input command should be valid, else the application will prompt the user stating the command is not </a:t>
-            </a:r>
-            <a:r>
-              <a:rPr lang="en-US" dirty="0" smtClean="0">
-                <a:latin typeface="Times New Roman" panose="02020603050405020304" pitchFamily="18" charset="0"/>
-                <a:cs typeface="Times New Roman" panose="02020603050405020304" pitchFamily="18" charset="0"/>
-              </a:rPr>
-              <a:t>found</a:t>
+              <a:t>The input command should be valid, else the application will prompt the user stating the command is not found</a:t>
             </a:r>
           </a:p>
           <a:p>
@@ -9769,14 +9748,7 @@
                 <a:latin typeface="Times New Roman" panose="02020603050405020304" pitchFamily="18" charset="0"/>
                 <a:cs typeface="Times New Roman" panose="02020603050405020304" pitchFamily="18" charset="0"/>
               </a:rPr>
-              <a:t>he application prompts the user once the server is switched </a:t>
-            </a:r>
-            <a:r>
-              <a:rPr lang="en-US" sz="2000" dirty="0" smtClean="0">
-                <a:latin typeface="Times New Roman" panose="02020603050405020304" pitchFamily="18" charset="0"/>
-                <a:cs typeface="Times New Roman" panose="02020603050405020304" pitchFamily="18" charset="0"/>
-              </a:rPr>
-              <a:t>on</a:t>
+              <a:t>he application prompts the user once the server is switched on</a:t>
             </a:r>
           </a:p>
           <a:p>
@@ -9787,6 +9759,21 @@
               </a:rPr>
               <a:t> </a:t>
             </a:r>
+          </a:p>
+          <a:p>
+            <a:pPr marL="285750" indent="-285750">
+              <a:buFont typeface="Wingdings" panose="05000000000000000000" pitchFamily="2" charset="2"/>
+              <a:buChar char="ü"/>
+            </a:pPr>
+            <a:r>
+              <a:rPr lang="en-US" sz="2000" dirty="0" smtClean="0">
+                <a:latin typeface="Times New Roman" panose="02020603050405020304" pitchFamily="18" charset="0"/>
+                <a:cs typeface="Times New Roman" panose="02020603050405020304" pitchFamily="18" charset="0"/>
+              </a:rPr>
+              <a:t>An xterm window pops up showing the details of connections established with the server in real time</a:t>
+            </a:r>
+          </a:p>
+          <a:p>
             <a:endParaRPr lang="en-US" sz="2000" dirty="0" smtClean="0">
               <a:latin typeface="Times New Roman" panose="02020603050405020304" pitchFamily="18" charset="0"/>
               <a:cs typeface="Times New Roman" panose="02020603050405020304" pitchFamily="18" charset="0"/>
@@ -9802,40 +9789,7 @@
                 <a:latin typeface="Times New Roman" panose="02020603050405020304" pitchFamily="18" charset="0"/>
                 <a:cs typeface="Times New Roman" panose="02020603050405020304" pitchFamily="18" charset="0"/>
               </a:rPr>
-              <a:t>An xterm window pops up showing the details of connections established with the server in real </a:t>
-            </a:r>
-            <a:r>
-              <a:rPr lang="en-US" sz="2000" dirty="0" smtClean="0">
-                <a:latin typeface="Times New Roman" panose="02020603050405020304" pitchFamily="18" charset="0"/>
-                <a:cs typeface="Times New Roman" panose="02020603050405020304" pitchFamily="18" charset="0"/>
-              </a:rPr>
-              <a:t>time</a:t>
-            </a:r>
-          </a:p>
-          <a:p>
-            <a:endParaRPr lang="en-US" sz="2000" dirty="0" smtClean="0">
-              <a:latin typeface="Times New Roman" panose="02020603050405020304" pitchFamily="18" charset="0"/>
-              <a:cs typeface="Times New Roman" panose="02020603050405020304" pitchFamily="18" charset="0"/>
-            </a:endParaRPr>
-          </a:p>
-          <a:p>
-            <a:pPr marL="285750" indent="-285750">
-              <a:buFont typeface="Wingdings" panose="05000000000000000000" pitchFamily="2" charset="2"/>
-              <a:buChar char="ü"/>
-            </a:pPr>
-            <a:r>
-              <a:rPr lang="en-US" sz="2000" dirty="0" smtClean="0">
-                <a:latin typeface="Times New Roman" panose="02020603050405020304" pitchFamily="18" charset="0"/>
-                <a:cs typeface="Times New Roman" panose="02020603050405020304" pitchFamily="18" charset="0"/>
-              </a:rPr>
-              <a:t>The link provided will redirect the user to the server </a:t>
-            </a:r>
-            <a:r>
-              <a:rPr lang="en-US" sz="2000" dirty="0" smtClean="0">
-                <a:latin typeface="Times New Roman" panose="02020603050405020304" pitchFamily="18" charset="0"/>
-                <a:cs typeface="Times New Roman" panose="02020603050405020304" pitchFamily="18" charset="0"/>
-              </a:rPr>
-              <a:t>webpage</a:t>
+              <a:t>The link provided will redirect the user to the server webpage</a:t>
             </a:r>
           </a:p>
           <a:p>
@@ -10343,14 +10297,7 @@
                 <a:latin typeface="Times New Roman" panose="02020603050405020304" pitchFamily="18" charset="0"/>
                 <a:cs typeface="Times New Roman" panose="02020603050405020304" pitchFamily="18" charset="0"/>
               </a:rPr>
-              <a:t>The xterm window showing real time connections established with the server is </a:t>
-            </a:r>
-            <a:r>
-              <a:rPr lang="en-US" sz="2000" dirty="0" smtClean="0">
-                <a:latin typeface="Times New Roman" panose="02020603050405020304" pitchFamily="18" charset="0"/>
-                <a:cs typeface="Times New Roman" panose="02020603050405020304" pitchFamily="18" charset="0"/>
-              </a:rPr>
-              <a:t>closed</a:t>
+              <a:t>The xterm window showing real time connections established with the server is closed</a:t>
             </a:r>
           </a:p>
           <a:p>
@@ -10934,14 +10881,7 @@
                 <a:latin typeface="Times New Roman" panose="02020603050405020304" pitchFamily="18" charset="0"/>
                 <a:cs typeface="Times New Roman" panose="02020603050405020304" pitchFamily="18" charset="0"/>
               </a:rPr>
-              <a:t>restarted </a:t>
-            </a:r>
-            <a:r>
-              <a:rPr lang="en-US" sz="1900" dirty="0" smtClean="0">
-                <a:latin typeface="Times New Roman" panose="02020603050405020304" pitchFamily="18" charset="0"/>
-                <a:cs typeface="Times New Roman" panose="02020603050405020304" pitchFamily="18" charset="0"/>
-              </a:rPr>
-              <a:t>successfully</a:t>
+              <a:t>restarted successfully</a:t>
             </a:r>
           </a:p>
           <a:p>
@@ -10978,14 +10918,7 @@
                 <a:latin typeface="Times New Roman" panose="02020603050405020304" pitchFamily="18" charset="0"/>
                 <a:cs typeface="Times New Roman" panose="02020603050405020304" pitchFamily="18" charset="0"/>
               </a:rPr>
-              <a:t>that lists real time connections established with the server pops up on </a:t>
-            </a:r>
-            <a:r>
-              <a:rPr lang="en-US" sz="1900" dirty="0" smtClean="0">
-                <a:latin typeface="Times New Roman" panose="02020603050405020304" pitchFamily="18" charset="0"/>
-                <a:cs typeface="Times New Roman" panose="02020603050405020304" pitchFamily="18" charset="0"/>
-              </a:rPr>
-              <a:t>restart</a:t>
+              <a:t>that lists real time connections established with the server pops up on restart</a:t>
             </a:r>
           </a:p>
           <a:p>
@@ -11008,14 +10941,7 @@
                 <a:latin typeface="Times New Roman" panose="02020603050405020304" pitchFamily="18" charset="0"/>
                 <a:cs typeface="Times New Roman" panose="02020603050405020304" pitchFamily="18" charset="0"/>
               </a:rPr>
-              <a:t>The link will redirect the user to the server </a:t>
-            </a:r>
-            <a:r>
-              <a:rPr lang="en-US" sz="1900" dirty="0" smtClean="0">
-                <a:latin typeface="Times New Roman" panose="02020603050405020304" pitchFamily="18" charset="0"/>
-                <a:cs typeface="Times New Roman" panose="02020603050405020304" pitchFamily="18" charset="0"/>
-              </a:rPr>
-              <a:t>webpage</a:t>
+              <a:t>The link will redirect the user to the server webpage</a:t>
             </a:r>
           </a:p>
           <a:p>
@@ -11532,14 +11458,7 @@
                 <a:latin typeface="Times New Roman" panose="02020603050405020304" pitchFamily="18" charset="0"/>
                 <a:cs typeface="Times New Roman" panose="02020603050405020304" pitchFamily="18" charset="0"/>
               </a:rPr>
-              <a:t>The server backs up all the files in a compressed format (.tar.gz) with a date stamp for future </a:t>
-            </a:r>
-            <a:r>
-              <a:rPr lang="en-US" sz="2000" dirty="0" smtClean="0">
-                <a:latin typeface="Times New Roman" panose="02020603050405020304" pitchFamily="18" charset="0"/>
-                <a:cs typeface="Times New Roman" panose="02020603050405020304" pitchFamily="18" charset="0"/>
-              </a:rPr>
-              <a:t>reference</a:t>
+              <a:t>The server backs up all the files in a compressed format (.tar.gz) with a date stamp for future reference</a:t>
             </a:r>
           </a:p>
           <a:p>
@@ -11562,14 +11481,7 @@
                 <a:latin typeface="Times New Roman" panose="02020603050405020304" pitchFamily="18" charset="0"/>
                 <a:cs typeface="Times New Roman" panose="02020603050405020304" pitchFamily="18" charset="0"/>
               </a:rPr>
-              <a:t>The backup is stored in the user’s home directory in backup_server folder (Folder will be created if it doesn’t exist beforehand</a:t>
-            </a:r>
-            <a:r>
-              <a:rPr lang="en-US" sz="2000" dirty="0" smtClean="0">
-                <a:latin typeface="Times New Roman" panose="02020603050405020304" pitchFamily="18" charset="0"/>
-                <a:cs typeface="Times New Roman" panose="02020603050405020304" pitchFamily="18" charset="0"/>
-              </a:rPr>
-              <a:t>)</a:t>
+              <a:t>The backup is stored in the user’s home directory in backup_server folder (Folder will be created if it doesn’t exist beforehand)</a:t>
             </a:r>
           </a:p>
           <a:p>
@@ -11998,14 +11910,7 @@
                 <a:latin typeface="Times New Roman" panose="02020603050405020304" pitchFamily="18" charset="0"/>
                 <a:cs typeface="Times New Roman" panose="02020603050405020304" pitchFamily="18" charset="0"/>
               </a:rPr>
-              <a:t>enu provides functionality to schedule different tasks to be executed at a given </a:t>
-            </a:r>
-            <a:r>
-              <a:rPr lang="en-US" sz="2000" dirty="0" smtClean="0">
-                <a:latin typeface="Times New Roman" panose="02020603050405020304" pitchFamily="18" charset="0"/>
-                <a:cs typeface="Times New Roman" panose="02020603050405020304" pitchFamily="18" charset="0"/>
-              </a:rPr>
-              <a:t>time</a:t>
+              <a:t>enu provides functionality to schedule different tasks to be executed at a given time</a:t>
             </a:r>
           </a:p>
           <a:p>
@@ -12028,14 +11933,7 @@
                 <a:latin typeface="Times New Roman" panose="02020603050405020304" pitchFamily="18" charset="0"/>
                 <a:cs typeface="Times New Roman" panose="02020603050405020304" pitchFamily="18" charset="0"/>
               </a:rPr>
-              <a:t>The tasks that can be scheduled include start, stop and </a:t>
-            </a:r>
-            <a:r>
-              <a:rPr lang="en-US" sz="2000" dirty="0" smtClean="0">
-                <a:latin typeface="Times New Roman" panose="02020603050405020304" pitchFamily="18" charset="0"/>
-                <a:cs typeface="Times New Roman" panose="02020603050405020304" pitchFamily="18" charset="0"/>
-              </a:rPr>
-              <a:t>restart</a:t>
+              <a:t>The tasks that can be scheduled include start, stop and restart</a:t>
             </a:r>
           </a:p>
           <a:p>
@@ -12433,14 +12331,7 @@
                 <a:latin typeface="Times New Roman" panose="02020603050405020304" pitchFamily="18" charset="0"/>
                 <a:cs typeface="Times New Roman" panose="02020603050405020304" pitchFamily="18" charset="0"/>
               </a:rPr>
-              <a:t>The server log file lists the various operations performed on the </a:t>
-            </a:r>
-            <a:r>
-              <a:rPr lang="en-US" dirty="0" smtClean="0">
-                <a:latin typeface="Times New Roman" panose="02020603050405020304" pitchFamily="18" charset="0"/>
-                <a:cs typeface="Times New Roman" panose="02020603050405020304" pitchFamily="18" charset="0"/>
-              </a:rPr>
-              <a:t>server</a:t>
+              <a:t>The server log file lists the various operations performed on the server</a:t>
             </a:r>
           </a:p>
           <a:p>
@@ -12463,14 +12354,7 @@
                 <a:latin typeface="Times New Roman" panose="02020603050405020304" pitchFamily="18" charset="0"/>
                 <a:cs typeface="Times New Roman" panose="02020603050405020304" pitchFamily="18" charset="0"/>
               </a:rPr>
-              <a:t>The log file contains the username, date &amp; time at which the operation was performed along with the operation </a:t>
-            </a:r>
-            <a:r>
-              <a:rPr lang="en-US" dirty="0" smtClean="0">
-                <a:latin typeface="Times New Roman" panose="02020603050405020304" pitchFamily="18" charset="0"/>
-                <a:cs typeface="Times New Roman" panose="02020603050405020304" pitchFamily="18" charset="0"/>
-              </a:rPr>
-              <a:t>itself</a:t>
+              <a:t>The log file contains the username, date &amp; time at which the operation was performed along with the operation itself</a:t>
             </a:r>
           </a:p>
           <a:p>
@@ -12493,14 +12377,7 @@
                 <a:latin typeface="Times New Roman" panose="02020603050405020304" pitchFamily="18" charset="0"/>
                 <a:cs typeface="Times New Roman" panose="02020603050405020304" pitchFamily="18" charset="0"/>
               </a:rPr>
-              <a:t>The scheduled operation are listed in the log file as </a:t>
-            </a:r>
-            <a:r>
-              <a:rPr lang="en-US" dirty="0" smtClean="0">
-                <a:latin typeface="Times New Roman" panose="02020603050405020304" pitchFamily="18" charset="0"/>
-                <a:cs typeface="Times New Roman" panose="02020603050405020304" pitchFamily="18" charset="0"/>
-              </a:rPr>
-              <a:t>well</a:t>
+              <a:t>The scheduled operation are listed in the log file as well</a:t>
             </a:r>
           </a:p>
           <a:p>
@@ -12944,14 +12821,7 @@
                 <a:latin typeface="Times New Roman" panose="02020603050405020304" pitchFamily="18" charset="0"/>
                 <a:cs typeface="Times New Roman" panose="02020603050405020304" pitchFamily="18" charset="0"/>
               </a:rPr>
-              <a:t>The server logs file can be cleared with proper authentication. To clear it, a password must be provided to ensure the user is authorized to clear the file</a:t>
-            </a:r>
-            <a:r>
-              <a:rPr lang="en-US" sz="2000" dirty="0" smtClean="0">
-                <a:latin typeface="Times New Roman" panose="02020603050405020304" pitchFamily="18" charset="0"/>
-                <a:cs typeface="Times New Roman" panose="02020603050405020304" pitchFamily="18" charset="0"/>
-              </a:rPr>
-              <a:t>.</a:t>
+              <a:t>The server logs file can be cleared with proper authentication. To clear it, a password must be provided to ensure the user is authorized to clear the file.</a:t>
             </a:r>
           </a:p>
           <a:p>
@@ -12974,14 +12844,7 @@
                 <a:latin typeface="Times New Roman" panose="02020603050405020304" pitchFamily="18" charset="0"/>
                 <a:cs typeface="Times New Roman" panose="02020603050405020304" pitchFamily="18" charset="0"/>
               </a:rPr>
-              <a:t>If an incorrect password is entered twice, the program will be closed</a:t>
-            </a:r>
-            <a:r>
-              <a:rPr lang="en-US" sz="2000" dirty="0" smtClean="0">
-                <a:latin typeface="Times New Roman" panose="02020603050405020304" pitchFamily="18" charset="0"/>
-                <a:cs typeface="Times New Roman" panose="02020603050405020304" pitchFamily="18" charset="0"/>
-              </a:rPr>
-              <a:t>.</a:t>
+              <a:t>If an incorrect password is entered twice, the program will be closed.</a:t>
             </a:r>
           </a:p>
           <a:p>

--- a/Docs/Project.pptx
+++ b/Docs/Project.pptx
@@ -8119,7 +8119,21 @@
                 <a:latin typeface="Times New Roman" panose="02020603050405020304" pitchFamily="18" charset="0"/>
                 <a:cs typeface="Times New Roman" panose="02020603050405020304" pitchFamily="18" charset="0"/>
               </a:rPr>
-              <a:t>The input date must be in specified format, else the application will prompt the user stating the input is invalid</a:t>
+              <a:t>The input </a:t>
+            </a:r>
+            <a:r>
+              <a:rPr lang="en-US" dirty="0" smtClean="0">
+                <a:latin typeface="Times New Roman" panose="02020603050405020304" pitchFamily="18" charset="0"/>
+                <a:cs typeface="Times New Roman" panose="02020603050405020304" pitchFamily="18" charset="0"/>
+              </a:rPr>
+              <a:t>date/month </a:t>
+            </a:r>
+            <a:r>
+              <a:rPr lang="en-US" dirty="0" smtClean="0">
+                <a:latin typeface="Times New Roman" panose="02020603050405020304" pitchFamily="18" charset="0"/>
+                <a:cs typeface="Times New Roman" panose="02020603050405020304" pitchFamily="18" charset="0"/>
+              </a:rPr>
+              <a:t>must be in specified format, else the application will prompt the user stating the input is invalid</a:t>
             </a:r>
           </a:p>
           <a:p>
@@ -8142,7 +8156,21 @@
                 <a:latin typeface="Times New Roman" panose="02020603050405020304" pitchFamily="18" charset="0"/>
                 <a:cs typeface="Times New Roman" panose="02020603050405020304" pitchFamily="18" charset="0"/>
               </a:rPr>
-              <a:t>Once the input date is validated, the matching logs are listed in a tabular format with IP Address and time stamp, for reference.</a:t>
+              <a:t>Once the </a:t>
+            </a:r>
+            <a:r>
+              <a:rPr lang="en-US" dirty="0" smtClean="0">
+                <a:latin typeface="Times New Roman" panose="02020603050405020304" pitchFamily="18" charset="0"/>
+                <a:cs typeface="Times New Roman" panose="02020603050405020304" pitchFamily="18" charset="0"/>
+              </a:rPr>
+              <a:t>input is </a:t>
+            </a:r>
+            <a:r>
+              <a:rPr lang="en-US" dirty="0" smtClean="0">
+                <a:latin typeface="Times New Roman" panose="02020603050405020304" pitchFamily="18" charset="0"/>
+                <a:cs typeface="Times New Roman" panose="02020603050405020304" pitchFamily="18" charset="0"/>
+              </a:rPr>
+              <a:t>validated, the matching logs are listed in a tabular format with IP Address and time stamp, for reference.</a:t>
             </a:r>
             <a:endParaRPr lang="en-US" dirty="0">
               <a:latin typeface="Times New Roman" panose="02020603050405020304" pitchFamily="18" charset="0"/>
@@ -9090,7 +9118,7 @@
         </p:nvSpPr>
         <p:spPr>
           <a:xfrm>
-            <a:off x="1487054" y="1857596"/>
+            <a:off x="1459345" y="1857596"/>
             <a:ext cx="4507346" cy="4093428"/>
           </a:xfrm>
           <a:prstGeom prst="rect">
@@ -9113,7 +9141,23 @@
                 <a:ea typeface="Tahoma" panose="020B0604030504040204" pitchFamily="34" charset="0"/>
                 <a:cs typeface="Times New Roman" panose="02020603050405020304" pitchFamily="18" charset="0"/>
               </a:rPr>
-              <a:t>On starting the program, the terminal window prompts for a password to authenticate the user’s access to the server. </a:t>
+              <a:t>On starting the </a:t>
+            </a:r>
+            <a:r>
+              <a:rPr lang="en-US" sz="2000" dirty="0" smtClean="0">
+                <a:latin typeface="Times New Roman" panose="02020603050405020304" pitchFamily="18" charset="0"/>
+                <a:ea typeface="Tahoma" panose="020B0604030504040204" pitchFamily="34" charset="0"/>
+                <a:cs typeface="Times New Roman" panose="02020603050405020304" pitchFamily="18" charset="0"/>
+              </a:rPr>
+              <a:t>application, </a:t>
+            </a:r>
+            <a:r>
+              <a:rPr lang="en-US" sz="2000" dirty="0">
+                <a:latin typeface="Times New Roman" panose="02020603050405020304" pitchFamily="18" charset="0"/>
+                <a:ea typeface="Tahoma" panose="020B0604030504040204" pitchFamily="34" charset="0"/>
+                <a:cs typeface="Times New Roman" panose="02020603050405020304" pitchFamily="18" charset="0"/>
+              </a:rPr>
+              <a:t>the terminal window prompts for a password to authenticate the user’s access to the server. </a:t>
             </a:r>
             <a:endParaRPr lang="en-US" sz="2000" dirty="0" smtClean="0">
               <a:latin typeface="Times New Roman" panose="02020603050405020304" pitchFamily="18" charset="0"/>
@@ -9180,7 +9224,23 @@
                 <a:ea typeface="Tahoma" panose="020B0604030504040204" pitchFamily="34" charset="0"/>
                 <a:cs typeface="Times New Roman" panose="02020603050405020304" pitchFamily="18" charset="0"/>
               </a:rPr>
-              <a:t>The menu illustrates the various functionalities or capabilities of the program to perform various server operations</a:t>
+              <a:t>The menu illustrates the various functionalities </a:t>
+            </a:r>
+            <a:r>
+              <a:rPr lang="en-US" sz="2000" dirty="0" smtClean="0">
+                <a:latin typeface="Times New Roman" panose="02020603050405020304" pitchFamily="18" charset="0"/>
+                <a:ea typeface="Tahoma" panose="020B0604030504040204" pitchFamily="34" charset="0"/>
+                <a:cs typeface="Times New Roman" panose="02020603050405020304" pitchFamily="18" charset="0"/>
+              </a:rPr>
+              <a:t>or capabilities of </a:t>
+            </a:r>
+            <a:r>
+              <a:rPr lang="en-US" sz="2000" dirty="0">
+                <a:latin typeface="Times New Roman" panose="02020603050405020304" pitchFamily="18" charset="0"/>
+                <a:ea typeface="Tahoma" panose="020B0604030504040204" pitchFamily="34" charset="0"/>
+                <a:cs typeface="Times New Roman" panose="02020603050405020304" pitchFamily="18" charset="0"/>
+              </a:rPr>
+              <a:t>the program to perform various server operations</a:t>
             </a:r>
           </a:p>
         </p:txBody>
@@ -10851,7 +10911,7 @@
         </p:nvSpPr>
         <p:spPr>
           <a:xfrm>
-            <a:off x="2733962" y="1104875"/>
+            <a:off x="2733961" y="1104875"/>
             <a:ext cx="7259782" cy="2723823"/>
           </a:xfrm>
           <a:prstGeom prst="rect">
@@ -10904,7 +10964,7 @@
                 <a:latin typeface="Times New Roman" panose="02020603050405020304" pitchFamily="18" charset="0"/>
                 <a:cs typeface="Times New Roman" panose="02020603050405020304" pitchFamily="18" charset="0"/>
               </a:rPr>
-              <a:t>The </a:t>
+              <a:t>A fresh </a:t>
             </a:r>
             <a:r>
               <a:rPr lang="en-US" sz="1900" dirty="0">
@@ -10941,7 +11001,21 @@
                 <a:latin typeface="Times New Roman" panose="02020603050405020304" pitchFamily="18" charset="0"/>
                 <a:cs typeface="Times New Roman" panose="02020603050405020304" pitchFamily="18" charset="0"/>
               </a:rPr>
-              <a:t>The link will redirect the user to the server webpage</a:t>
+              <a:t>The link </a:t>
+            </a:r>
+            <a:r>
+              <a:rPr lang="en-US" sz="1900" dirty="0" smtClean="0">
+                <a:latin typeface="Times New Roman" panose="02020603050405020304" pitchFamily="18" charset="0"/>
+                <a:cs typeface="Times New Roman" panose="02020603050405020304" pitchFamily="18" charset="0"/>
+              </a:rPr>
+              <a:t>provided will </a:t>
+            </a:r>
+            <a:r>
+              <a:rPr lang="en-US" sz="1900" dirty="0" smtClean="0">
+                <a:latin typeface="Times New Roman" panose="02020603050405020304" pitchFamily="18" charset="0"/>
+                <a:cs typeface="Times New Roman" panose="02020603050405020304" pitchFamily="18" charset="0"/>
+              </a:rPr>
+              <a:t>redirect the user to the server webpage</a:t>
             </a:r>
           </a:p>
           <a:p>
@@ -11952,18 +12026,11 @@
               <a:buChar char="v"/>
             </a:pPr>
             <a:r>
-              <a:rPr lang="en-US" sz="2000" dirty="0">
-                <a:latin typeface="Times New Roman" panose="02020603050405020304" pitchFamily="18" charset="0"/>
-                <a:cs typeface="Times New Roman" panose="02020603050405020304" pitchFamily="18" charset="0"/>
-              </a:rPr>
-              <a:t>The scheduled tasks are logged into the server log </a:t>
-            </a:r>
-            <a:r>
               <a:rPr lang="en-US" sz="2000" dirty="0" smtClean="0">
                 <a:latin typeface="Times New Roman" panose="02020603050405020304" pitchFamily="18" charset="0"/>
                 <a:cs typeface="Times New Roman" panose="02020603050405020304" pitchFamily="18" charset="0"/>
               </a:rPr>
-              <a:t>file</a:t>
+              <a:t>The scheduled tasks are logged into the server log file</a:t>
             </a:r>
           </a:p>
           <a:p>
@@ -11986,7 +12053,14 @@
                 <a:latin typeface="Times New Roman" panose="02020603050405020304" pitchFamily="18" charset="0"/>
                 <a:cs typeface="Times New Roman" panose="02020603050405020304" pitchFamily="18" charset="0"/>
               </a:rPr>
-              <a:t>Additionally, the previously scheduled tasks can be deleted using the option provided in the Schedule Menu </a:t>
+              <a:t>Additionally</a:t>
+            </a:r>
+            <a:r>
+              <a:rPr lang="en-US" sz="2000" dirty="0" smtClean="0">
+                <a:latin typeface="Times New Roman" panose="02020603050405020304" pitchFamily="18" charset="0"/>
+                <a:cs typeface="Times New Roman" panose="02020603050405020304" pitchFamily="18" charset="0"/>
+              </a:rPr>
+              <a:t>, the previously scheduled tasks can be deleted using the option provided in the Schedule Menu </a:t>
             </a:r>
           </a:p>
         </p:txBody>
@@ -12821,8 +12895,19 @@
                 <a:latin typeface="Times New Roman" panose="02020603050405020304" pitchFamily="18" charset="0"/>
                 <a:cs typeface="Times New Roman" panose="02020603050405020304" pitchFamily="18" charset="0"/>
               </a:rPr>
-              <a:t>The server logs file can be cleared with proper authentication. To clear it, a password must be provided to ensure the user is authorized to clear the file.</a:t>
-            </a:r>
+              <a:t>The server logs file can be cleared with proper </a:t>
+            </a:r>
+            <a:r>
+              <a:rPr lang="en-US" sz="2000" dirty="0" smtClean="0">
+                <a:latin typeface="Times New Roman" panose="02020603050405020304" pitchFamily="18" charset="0"/>
+                <a:cs typeface="Times New Roman" panose="02020603050405020304" pitchFamily="18" charset="0"/>
+              </a:rPr>
+              <a:t>authentication. To clear it, a password must be provided to ensure the user is authorized to clear the file.</a:t>
+            </a:r>
+            <a:endParaRPr lang="en-US" sz="2000" dirty="0" smtClean="0">
+              <a:latin typeface="Times New Roman" panose="02020603050405020304" pitchFamily="18" charset="0"/>
+              <a:cs typeface="Times New Roman" panose="02020603050405020304" pitchFamily="18" charset="0"/>
+            </a:endParaRPr>
           </a:p>
           <a:p>
             <a:pPr marL="285750" indent="-285750">

--- a/Docs/Project.pptx
+++ b/Docs/Project.pptx
@@ -209,7 +209,7 @@
           <a:p>
             <a:fld id="{7702859B-35F7-4D1F-B334-1403E8F63D3D}" type="datetimeFigureOut">
               <a:rPr lang="en-US" smtClean="0"/>
-              <a:t>23-Feb-22</a:t>
+              <a:t>02-Mar-22</a:t>
             </a:fld>
             <a:endParaRPr lang="en-US"/>
           </a:p>
@@ -1063,7 +1063,7 @@
           <a:p>
             <a:fld id="{02348C21-1707-47CE-B3EA-5045ED5D277F}" type="datetimeFigureOut">
               <a:rPr lang="en-US" smtClean="0"/>
-              <a:t>23-Feb-22</a:t>
+              <a:t>02-Mar-22</a:t>
             </a:fld>
             <a:endParaRPr lang="en-US"/>
           </a:p>
@@ -1359,7 +1359,7 @@
           <a:p>
             <a:fld id="{02348C21-1707-47CE-B3EA-5045ED5D277F}" type="datetimeFigureOut">
               <a:rPr lang="en-US" smtClean="0"/>
-              <a:t>23-Feb-22</a:t>
+              <a:t>02-Mar-22</a:t>
             </a:fld>
             <a:endParaRPr lang="en-US"/>
           </a:p>
@@ -1607,7 +1607,7 @@
           <a:p>
             <a:fld id="{02348C21-1707-47CE-B3EA-5045ED5D277F}" type="datetimeFigureOut">
               <a:rPr lang="en-US" smtClean="0"/>
-              <a:t>23-Feb-22</a:t>
+              <a:t>02-Mar-22</a:t>
             </a:fld>
             <a:endParaRPr lang="en-US"/>
           </a:p>
@@ -2147,7 +2147,7 @@
           <a:p>
             <a:fld id="{02348C21-1707-47CE-B3EA-5045ED5D277F}" type="datetimeFigureOut">
               <a:rPr lang="en-US" smtClean="0"/>
-              <a:t>23-Feb-22</a:t>
+              <a:t>02-Mar-22</a:t>
             </a:fld>
             <a:endParaRPr lang="en-US"/>
           </a:p>
@@ -2395,7 +2395,7 @@
           <a:p>
             <a:fld id="{02348C21-1707-47CE-B3EA-5045ED5D277F}" type="datetimeFigureOut">
               <a:rPr lang="en-US" smtClean="0"/>
-              <a:t>23-Feb-22</a:t>
+              <a:t>02-Mar-22</a:t>
             </a:fld>
             <a:endParaRPr lang="en-US"/>
           </a:p>
@@ -2927,7 +2927,7 @@
           <a:p>
             <a:fld id="{02348C21-1707-47CE-B3EA-5045ED5D277F}" type="datetimeFigureOut">
               <a:rPr lang="en-US" smtClean="0"/>
-              <a:t>23-Feb-22</a:t>
+              <a:t>02-Mar-22</a:t>
             </a:fld>
             <a:endParaRPr lang="en-US"/>
           </a:p>
@@ -3224,7 +3224,7 @@
           <a:p>
             <a:fld id="{02348C21-1707-47CE-B3EA-5045ED5D277F}" type="datetimeFigureOut">
               <a:rPr lang="en-US" smtClean="0"/>
-              <a:t>23-Feb-22</a:t>
+              <a:t>02-Mar-22</a:t>
             </a:fld>
             <a:endParaRPr lang="en-US"/>
           </a:p>
@@ -3398,7 +3398,7 @@
           <a:p>
             <a:fld id="{02348C21-1707-47CE-B3EA-5045ED5D277F}" type="datetimeFigureOut">
               <a:rPr lang="en-US" smtClean="0"/>
-              <a:t>23-Feb-22</a:t>
+              <a:t>02-Mar-22</a:t>
             </a:fld>
             <a:endParaRPr lang="en-US"/>
           </a:p>
@@ -3578,7 +3578,7 @@
           <a:p>
             <a:fld id="{02348C21-1707-47CE-B3EA-5045ED5D277F}" type="datetimeFigureOut">
               <a:rPr lang="en-US" smtClean="0"/>
-              <a:t>23-Feb-22</a:t>
+              <a:t>02-Mar-22</a:t>
             </a:fld>
             <a:endParaRPr lang="en-US"/>
           </a:p>
@@ -3789,7 +3789,7 @@
           <a:p>
             <a:fld id="{02348C21-1707-47CE-B3EA-5045ED5D277F}" type="datetimeFigureOut">
               <a:rPr lang="en-US" smtClean="0"/>
-              <a:t>23-Feb-22</a:t>
+              <a:t>02-Mar-22</a:t>
             </a:fld>
             <a:endParaRPr lang="en-US"/>
           </a:p>
@@ -4040,7 +4040,7 @@
           <a:p>
             <a:fld id="{02348C21-1707-47CE-B3EA-5045ED5D277F}" type="datetimeFigureOut">
               <a:rPr lang="en-US" smtClean="0"/>
-              <a:t>23-Feb-22</a:t>
+              <a:t>02-Mar-22</a:t>
             </a:fld>
             <a:endParaRPr lang="en-US"/>
           </a:p>
@@ -4387,7 +4387,7 @@
           <a:p>
             <a:fld id="{02348C21-1707-47CE-B3EA-5045ED5D277F}" type="datetimeFigureOut">
               <a:rPr lang="en-US" smtClean="0"/>
-              <a:t>23-Feb-22</a:t>
+              <a:t>02-Mar-22</a:t>
             </a:fld>
             <a:endParaRPr lang="en-US"/>
           </a:p>
@@ -4879,7 +4879,7 @@
           <a:p>
             <a:fld id="{02348C21-1707-47CE-B3EA-5045ED5D277F}" type="datetimeFigureOut">
               <a:rPr lang="en-US" smtClean="0"/>
-              <a:t>23-Feb-22</a:t>
+              <a:t>02-Mar-22</a:t>
             </a:fld>
             <a:endParaRPr lang="en-US"/>
           </a:p>
@@ -4997,7 +4997,7 @@
           <a:p>
             <a:fld id="{02348C21-1707-47CE-B3EA-5045ED5D277F}" type="datetimeFigureOut">
               <a:rPr lang="en-US" smtClean="0"/>
-              <a:t>23-Feb-22</a:t>
+              <a:t>02-Mar-22</a:t>
             </a:fld>
             <a:endParaRPr lang="en-US"/>
           </a:p>
@@ -5092,7 +5092,7 @@
           <a:p>
             <a:fld id="{02348C21-1707-47CE-B3EA-5045ED5D277F}" type="datetimeFigureOut">
               <a:rPr lang="en-US" smtClean="0"/>
-              <a:t>23-Feb-22</a:t>
+              <a:t>02-Mar-22</a:t>
             </a:fld>
             <a:endParaRPr lang="en-US"/>
           </a:p>
@@ -5375,7 +5375,7 @@
           <a:p>
             <a:fld id="{02348C21-1707-47CE-B3EA-5045ED5D277F}" type="datetimeFigureOut">
               <a:rPr lang="en-US" smtClean="0"/>
-              <a:t>23-Feb-22</a:t>
+              <a:t>02-Mar-22</a:t>
             </a:fld>
             <a:endParaRPr lang="en-US"/>
           </a:p>
@@ -5666,7 +5666,7 @@
           <a:p>
             <a:fld id="{02348C21-1707-47CE-B3EA-5045ED5D277F}" type="datetimeFigureOut">
               <a:rPr lang="en-US" smtClean="0"/>
-              <a:t>23-Feb-22</a:t>
+              <a:t>02-Mar-22</a:t>
             </a:fld>
             <a:endParaRPr lang="en-US"/>
           </a:p>
@@ -6196,7 +6196,7 @@
           <a:p>
             <a:fld id="{02348C21-1707-47CE-B3EA-5045ED5D277F}" type="datetimeFigureOut">
               <a:rPr lang="en-US" smtClean="0"/>
-              <a:t>23-Feb-22</a:t>
+              <a:t>02-Mar-22</a:t>
             </a:fld>
             <a:endParaRPr lang="en-US"/>
           </a:p>
@@ -8119,21 +8119,7 @@
                 <a:latin typeface="Times New Roman" panose="02020603050405020304" pitchFamily="18" charset="0"/>
                 <a:cs typeface="Times New Roman" panose="02020603050405020304" pitchFamily="18" charset="0"/>
               </a:rPr>
-              <a:t>The input </a:t>
-            </a:r>
-            <a:r>
-              <a:rPr lang="en-US" dirty="0" smtClean="0">
-                <a:latin typeface="Times New Roman" panose="02020603050405020304" pitchFamily="18" charset="0"/>
-                <a:cs typeface="Times New Roman" panose="02020603050405020304" pitchFamily="18" charset="0"/>
-              </a:rPr>
-              <a:t>date/month </a:t>
-            </a:r>
-            <a:r>
-              <a:rPr lang="en-US" dirty="0" smtClean="0">
-                <a:latin typeface="Times New Roman" panose="02020603050405020304" pitchFamily="18" charset="0"/>
-                <a:cs typeface="Times New Roman" panose="02020603050405020304" pitchFamily="18" charset="0"/>
-              </a:rPr>
-              <a:t>must be in specified format, else the application will prompt the user stating the input is invalid</a:t>
+              <a:t>The input date/month must be in specified format, else the application will prompt the user stating the input is invalid</a:t>
             </a:r>
           </a:p>
           <a:p>
@@ -8156,21 +8142,7 @@
                 <a:latin typeface="Times New Roman" panose="02020603050405020304" pitchFamily="18" charset="0"/>
                 <a:cs typeface="Times New Roman" panose="02020603050405020304" pitchFamily="18" charset="0"/>
               </a:rPr>
-              <a:t>Once the </a:t>
-            </a:r>
-            <a:r>
-              <a:rPr lang="en-US" dirty="0" smtClean="0">
-                <a:latin typeface="Times New Roman" panose="02020603050405020304" pitchFamily="18" charset="0"/>
-                <a:cs typeface="Times New Roman" panose="02020603050405020304" pitchFamily="18" charset="0"/>
-              </a:rPr>
-              <a:t>input is </a:t>
-            </a:r>
-            <a:r>
-              <a:rPr lang="en-US" dirty="0" smtClean="0">
-                <a:latin typeface="Times New Roman" panose="02020603050405020304" pitchFamily="18" charset="0"/>
-                <a:cs typeface="Times New Roman" panose="02020603050405020304" pitchFamily="18" charset="0"/>
-              </a:rPr>
-              <a:t>validated, the matching logs are listed in a tabular format with IP Address and time stamp, for reference.</a:t>
+              <a:t>Once the input is validated, the matching logs are listed in a tabular format with IP Address and time stamp, for reference.</a:t>
             </a:r>
             <a:endParaRPr lang="en-US" dirty="0">
               <a:latin typeface="Times New Roman" panose="02020603050405020304" pitchFamily="18" charset="0"/>
@@ -11001,21 +10973,7 @@
                 <a:latin typeface="Times New Roman" panose="02020603050405020304" pitchFamily="18" charset="0"/>
                 <a:cs typeface="Times New Roman" panose="02020603050405020304" pitchFamily="18" charset="0"/>
               </a:rPr>
-              <a:t>The link </a:t>
-            </a:r>
-            <a:r>
-              <a:rPr lang="en-US" sz="1900" dirty="0" smtClean="0">
-                <a:latin typeface="Times New Roman" panose="02020603050405020304" pitchFamily="18" charset="0"/>
-                <a:cs typeface="Times New Roman" panose="02020603050405020304" pitchFamily="18" charset="0"/>
-              </a:rPr>
-              <a:t>provided will </a:t>
-            </a:r>
-            <a:r>
-              <a:rPr lang="en-US" sz="1900" dirty="0" smtClean="0">
-                <a:latin typeface="Times New Roman" panose="02020603050405020304" pitchFamily="18" charset="0"/>
-                <a:cs typeface="Times New Roman" panose="02020603050405020304" pitchFamily="18" charset="0"/>
-              </a:rPr>
-              <a:t>redirect the user to the server webpage</a:t>
+              <a:t>The link provided will redirect the user to the server webpage</a:t>
             </a:r>
           </a:p>
           <a:p>
@@ -12053,14 +12011,7 @@
                 <a:latin typeface="Times New Roman" panose="02020603050405020304" pitchFamily="18" charset="0"/>
                 <a:cs typeface="Times New Roman" panose="02020603050405020304" pitchFamily="18" charset="0"/>
               </a:rPr>
-              <a:t>Additionally</a:t>
-            </a:r>
-            <a:r>
-              <a:rPr lang="en-US" sz="2000" dirty="0" smtClean="0">
-                <a:latin typeface="Times New Roman" panose="02020603050405020304" pitchFamily="18" charset="0"/>
-                <a:cs typeface="Times New Roman" panose="02020603050405020304" pitchFamily="18" charset="0"/>
-              </a:rPr>
-              <a:t>, the previously scheduled tasks can be deleted using the option provided in the Schedule Menu </a:t>
+              <a:t>Additionally, the previously scheduled tasks can be deleted using the option provided in the Schedule Menu </a:t>
             </a:r>
           </a:p>
         </p:txBody>
@@ -12382,8 +12333,8 @@
         </p:nvSpPr>
         <p:spPr>
           <a:xfrm>
-            <a:off x="2567641" y="1043538"/>
-            <a:ext cx="7229035" cy="2585323"/>
+            <a:off x="2567638" y="923330"/>
+            <a:ext cx="7229035" cy="2862322"/>
           </a:xfrm>
           <a:prstGeom prst="rect">
             <a:avLst/>
@@ -12405,8 +12356,19 @@
                 <a:latin typeface="Times New Roman" panose="02020603050405020304" pitchFamily="18" charset="0"/>
                 <a:cs typeface="Times New Roman" panose="02020603050405020304" pitchFamily="18" charset="0"/>
               </a:rPr>
-              <a:t>The server log file lists the various operations performed on the server</a:t>
-            </a:r>
+              <a:t>The server log file lists the various operations performed on the </a:t>
+            </a:r>
+            <a:r>
+              <a:rPr lang="en-US" dirty="0" smtClean="0">
+                <a:latin typeface="Times New Roman" panose="02020603050405020304" pitchFamily="18" charset="0"/>
+                <a:cs typeface="Times New Roman" panose="02020603050405020304" pitchFamily="18" charset="0"/>
+              </a:rPr>
+              <a:t>server. It is mainly implemented to monitor server activity</a:t>
+            </a:r>
+            <a:endParaRPr lang="en-US" dirty="0" smtClean="0">
+              <a:latin typeface="Times New Roman" panose="02020603050405020304" pitchFamily="18" charset="0"/>
+              <a:cs typeface="Times New Roman" panose="02020603050405020304" pitchFamily="18" charset="0"/>
+            </a:endParaRPr>
           </a:p>
           <a:p>
             <a:pPr marL="285750" indent="-285750">
@@ -12499,7 +12461,7 @@
         </p:blipFill>
         <p:spPr>
           <a:xfrm>
-            <a:off x="3345008" y="3749069"/>
+            <a:off x="3345005" y="3785652"/>
             <a:ext cx="5674299" cy="3006171"/>
           </a:xfrm>
           <a:prstGeom prst="roundRect">
@@ -12895,19 +12857,8 @@
                 <a:latin typeface="Times New Roman" panose="02020603050405020304" pitchFamily="18" charset="0"/>
                 <a:cs typeface="Times New Roman" panose="02020603050405020304" pitchFamily="18" charset="0"/>
               </a:rPr>
-              <a:t>The server logs file can be cleared with proper </a:t>
-            </a:r>
-            <a:r>
-              <a:rPr lang="en-US" sz="2000" dirty="0" smtClean="0">
-                <a:latin typeface="Times New Roman" panose="02020603050405020304" pitchFamily="18" charset="0"/>
-                <a:cs typeface="Times New Roman" panose="02020603050405020304" pitchFamily="18" charset="0"/>
-              </a:rPr>
-              <a:t>authentication. To clear it, a password must be provided to ensure the user is authorized to clear the file.</a:t>
-            </a:r>
-            <a:endParaRPr lang="en-US" sz="2000" dirty="0" smtClean="0">
-              <a:latin typeface="Times New Roman" panose="02020603050405020304" pitchFamily="18" charset="0"/>
-              <a:cs typeface="Times New Roman" panose="02020603050405020304" pitchFamily="18" charset="0"/>
-            </a:endParaRPr>
+              <a:t>The server logs file can be cleared with proper authentication. To clear it, a password must be provided to ensure the user is authorized to clear the file.</a:t>
+            </a:r>
           </a:p>
           <a:p>
             <a:pPr marL="285750" indent="-285750">
@@ -12973,9 +12924,222 @@
   <p:timing>
     <p:tnLst>
       <p:par>
-        <p:cTn id="1" dur="indefinite" restart="never" nodeType="tmRoot"/>
+        <p:cTn id="1" dur="indefinite" restart="never" nodeType="tmRoot">
+          <p:childTnLst>
+            <p:seq concurrent="1" nextAc="seek">
+              <p:cTn id="2" dur="indefinite" nodeType="mainSeq">
+                <p:childTnLst>
+                  <p:par>
+                    <p:cTn id="3" fill="hold">
+                      <p:stCondLst>
+                        <p:cond delay="indefinite"/>
+                      </p:stCondLst>
+                      <p:childTnLst>
+                        <p:par>
+                          <p:cTn id="4" fill="hold">
+                            <p:stCondLst>
+                              <p:cond delay="0"/>
+                            </p:stCondLst>
+                            <p:childTnLst>
+                              <p:par>
+                                <p:cTn id="5" presetID="42" presetClass="entr" presetSubtype="0" fill="hold" grpId="0" nodeType="clickEffect">
+                                  <p:stCondLst>
+                                    <p:cond delay="0"/>
+                                  </p:stCondLst>
+                                  <p:childTnLst>
+                                    <p:set>
+                                      <p:cBhvr>
+                                        <p:cTn id="6" dur="1" fill="hold">
+                                          <p:stCondLst>
+                                            <p:cond delay="0"/>
+                                          </p:stCondLst>
+                                        </p:cTn>
+                                        <p:tgtEl>
+                                          <p:spTgt spid="8"/>
+                                        </p:tgtEl>
+                                        <p:attrNameLst>
+                                          <p:attrName>style.visibility</p:attrName>
+                                        </p:attrNameLst>
+                                      </p:cBhvr>
+                                      <p:to>
+                                        <p:strVal val="visible"/>
+                                      </p:to>
+                                    </p:set>
+                                    <p:animEffect transition="in" filter="fade">
+                                      <p:cBhvr>
+                                        <p:cTn id="7" dur="1000"/>
+                                        <p:tgtEl>
+                                          <p:spTgt spid="8"/>
+                                        </p:tgtEl>
+                                      </p:cBhvr>
+                                    </p:animEffect>
+                                    <p:anim calcmode="lin" valueType="num">
+                                      <p:cBhvr>
+                                        <p:cTn id="8" dur="1000" fill="hold"/>
+                                        <p:tgtEl>
+                                          <p:spTgt spid="8"/>
+                                        </p:tgtEl>
+                                        <p:attrNameLst>
+                                          <p:attrName>ppt_x</p:attrName>
+                                        </p:attrNameLst>
+                                      </p:cBhvr>
+                                      <p:tavLst>
+                                        <p:tav tm="0">
+                                          <p:val>
+                                            <p:strVal val="#ppt_x"/>
+                                          </p:val>
+                                        </p:tav>
+                                        <p:tav tm="100000">
+                                          <p:val>
+                                            <p:strVal val="#ppt_x"/>
+                                          </p:val>
+                                        </p:tav>
+                                      </p:tavLst>
+                                    </p:anim>
+                                    <p:anim calcmode="lin" valueType="num">
+                                      <p:cBhvr>
+                                        <p:cTn id="9" dur="1000" fill="hold"/>
+                                        <p:tgtEl>
+                                          <p:spTgt spid="8"/>
+                                        </p:tgtEl>
+                                        <p:attrNameLst>
+                                          <p:attrName>ppt_y</p:attrName>
+                                        </p:attrNameLst>
+                                      </p:cBhvr>
+                                      <p:tavLst>
+                                        <p:tav tm="0">
+                                          <p:val>
+                                            <p:strVal val="#ppt_y+.1"/>
+                                          </p:val>
+                                        </p:tav>
+                                        <p:tav tm="100000">
+                                          <p:val>
+                                            <p:strVal val="#ppt_y"/>
+                                          </p:val>
+                                        </p:tav>
+                                      </p:tavLst>
+                                    </p:anim>
+                                  </p:childTnLst>
+                                </p:cTn>
+                              </p:par>
+                            </p:childTnLst>
+                          </p:cTn>
+                        </p:par>
+                      </p:childTnLst>
+                    </p:cTn>
+                  </p:par>
+                  <p:par>
+                    <p:cTn id="10" fill="hold">
+                      <p:stCondLst>
+                        <p:cond delay="indefinite"/>
+                      </p:stCondLst>
+                      <p:childTnLst>
+                        <p:par>
+                          <p:cTn id="11" fill="hold">
+                            <p:stCondLst>
+                              <p:cond delay="0"/>
+                            </p:stCondLst>
+                            <p:childTnLst>
+                              <p:par>
+                                <p:cTn id="12" presetID="8" presetClass="entr" presetSubtype="16" fill="hold" nodeType="clickEffect">
+                                  <p:stCondLst>
+                                    <p:cond delay="0"/>
+                                  </p:stCondLst>
+                                  <p:childTnLst>
+                                    <p:set>
+                                      <p:cBhvr>
+                                        <p:cTn id="13" dur="1" fill="hold">
+                                          <p:stCondLst>
+                                            <p:cond delay="0"/>
+                                          </p:stCondLst>
+                                        </p:cTn>
+                                        <p:tgtEl>
+                                          <p:spTgt spid="5"/>
+                                        </p:tgtEl>
+                                        <p:attrNameLst>
+                                          <p:attrName>style.visibility</p:attrName>
+                                        </p:attrNameLst>
+                                      </p:cBhvr>
+                                      <p:to>
+                                        <p:strVal val="visible"/>
+                                      </p:to>
+                                    </p:set>
+                                    <p:animEffect transition="in" filter="diamond(in)">
+                                      <p:cBhvr>
+                                        <p:cTn id="14" dur="1000"/>
+                                        <p:tgtEl>
+                                          <p:spTgt spid="5"/>
+                                        </p:tgtEl>
+                                      </p:cBhvr>
+                                    </p:animEffect>
+                                  </p:childTnLst>
+                                </p:cTn>
+                              </p:par>
+                              <p:par>
+                                <p:cTn id="15" presetID="8" presetClass="entr" presetSubtype="16" fill="hold" nodeType="withEffect">
+                                  <p:stCondLst>
+                                    <p:cond delay="0"/>
+                                  </p:stCondLst>
+                                  <p:childTnLst>
+                                    <p:set>
+                                      <p:cBhvr>
+                                        <p:cTn id="16" dur="1" fill="hold">
+                                          <p:stCondLst>
+                                            <p:cond delay="0"/>
+                                          </p:stCondLst>
+                                        </p:cTn>
+                                        <p:tgtEl>
+                                          <p:spTgt spid="4"/>
+                                        </p:tgtEl>
+                                        <p:attrNameLst>
+                                          <p:attrName>style.visibility</p:attrName>
+                                        </p:attrNameLst>
+                                      </p:cBhvr>
+                                      <p:to>
+                                        <p:strVal val="visible"/>
+                                      </p:to>
+                                    </p:set>
+                                    <p:animEffect transition="in" filter="diamond(in)">
+                                      <p:cBhvr>
+                                        <p:cTn id="17" dur="1000"/>
+                                        <p:tgtEl>
+                                          <p:spTgt spid="4"/>
+                                        </p:tgtEl>
+                                      </p:cBhvr>
+                                    </p:animEffect>
+                                  </p:childTnLst>
+                                </p:cTn>
+                              </p:par>
+                            </p:childTnLst>
+                          </p:cTn>
+                        </p:par>
+                      </p:childTnLst>
+                    </p:cTn>
+                  </p:par>
+                </p:childTnLst>
+              </p:cTn>
+              <p:prevCondLst>
+                <p:cond evt="onPrev" delay="0">
+                  <p:tgtEl>
+                    <p:sldTgt/>
+                  </p:tgtEl>
+                </p:cond>
+              </p:prevCondLst>
+              <p:nextCondLst>
+                <p:cond evt="onNext" delay="0">
+                  <p:tgtEl>
+                    <p:sldTgt/>
+                  </p:tgtEl>
+                </p:cond>
+              </p:nextCondLst>
+            </p:seq>
+          </p:childTnLst>
+        </p:cTn>
       </p:par>
     </p:tnLst>
+    <p:bldLst>
+      <p:bldP spid="8" grpId="0"/>
+    </p:bldLst>
   </p:timing>
 </p:sld>
 </file>

--- a/Docs/Project.pptx
+++ b/Docs/Project.pptx
@@ -127,6 +127,91 @@
 </p:presentation>
 </file>
 
+<file path=ppt/changesInfos/changesInfo1.xml><?xml version="1.0" encoding="utf-8"?>
+<pc:chgInfo xmlns:a="http://schemas.openxmlformats.org/drawingml/2006/main" xmlns:r="http://schemas.openxmlformats.org/officeDocument/2006/relationships" xmlns:ac="http://schemas.microsoft.com/office/drawing/2013/main/command" xmlns:pc="http://schemas.microsoft.com/office/powerpoint/2013/main/command">
+  <pc:docChgLst>
+    <pc:chgData name="Arvind" userId="cf6601f6-a099-4526-9017-ef671a145878" providerId="ADAL" clId="{E201E714-5A22-4C4D-BD96-BE4DF6CAB967}"/>
+    <pc:docChg chg="undo custSel modSld">
+      <pc:chgData name="Arvind" userId="cf6601f6-a099-4526-9017-ef671a145878" providerId="ADAL" clId="{E201E714-5A22-4C4D-BD96-BE4DF6CAB967}" dt="2022-04-04T14:13:13.245" v="112" actId="20577"/>
+      <pc:docMkLst>
+        <pc:docMk/>
+      </pc:docMkLst>
+      <pc:sldChg chg="addSp delSp modSp addAnim delAnim">
+        <pc:chgData name="Arvind" userId="cf6601f6-a099-4526-9017-ef671a145878" providerId="ADAL" clId="{E201E714-5A22-4C4D-BD96-BE4DF6CAB967}" dt="2022-04-04T14:13:13.245" v="112" actId="20577"/>
+        <pc:sldMkLst>
+          <pc:docMk/>
+          <pc:sldMk cId="581070340" sldId="256"/>
+        </pc:sldMkLst>
+        <pc:spChg chg="mod">
+          <ac:chgData name="Arvind" userId="cf6601f6-a099-4526-9017-ef671a145878" providerId="ADAL" clId="{E201E714-5A22-4C4D-BD96-BE4DF6CAB967}" dt="2022-04-04T14:13:13.245" v="112" actId="20577"/>
+          <ac:spMkLst>
+            <pc:docMk/>
+            <pc:sldMk cId="581070340" sldId="256"/>
+            <ac:spMk id="5" creationId="{00000000-0000-0000-0000-000000000000}"/>
+          </ac:spMkLst>
+        </pc:spChg>
+        <pc:spChg chg="mod">
+          <ac:chgData name="Arvind" userId="cf6601f6-a099-4526-9017-ef671a145878" providerId="ADAL" clId="{E201E714-5A22-4C4D-BD96-BE4DF6CAB967}" dt="2022-04-04T14:13:06.282" v="96" actId="1076"/>
+          <ac:spMkLst>
+            <pc:docMk/>
+            <pc:sldMk cId="581070340" sldId="256"/>
+            <ac:spMk id="6" creationId="{00000000-0000-0000-0000-000000000000}"/>
+          </ac:spMkLst>
+        </pc:spChg>
+        <pc:graphicFrameChg chg="add del">
+          <ac:chgData name="Arvind" userId="cf6601f6-a099-4526-9017-ef671a145878" providerId="ADAL" clId="{E201E714-5A22-4C4D-BD96-BE4DF6CAB967}" dt="2022-04-04T14:13:04.777" v="93" actId="3680"/>
+          <ac:graphicFrameMkLst>
+            <pc:docMk/>
+            <pc:sldMk cId="581070340" sldId="256"/>
+            <ac:graphicFrameMk id="2" creationId="{71C42671-CFA1-3F43-B809-01D288CA0F39}"/>
+          </ac:graphicFrameMkLst>
+        </pc:graphicFrameChg>
+      </pc:sldChg>
+    </pc:docChg>
+  </pc:docChgLst>
+  <pc:docChgLst>
+    <pc:chgData name="Arvind M Bharadwaj" userId="cf6601f6-a099-4526-9017-ef671a145878" providerId="ADAL" clId="{E201E714-5A22-4C4D-BD96-BE4DF6CAB967}"/>
+    <pc:docChg chg="modSld">
+      <pc:chgData name="Arvind M Bharadwaj" userId="cf6601f6-a099-4526-9017-ef671a145878" providerId="ADAL" clId="{E201E714-5A22-4C4D-BD96-BE4DF6CAB967}" dt="2022-04-04T14:14:56.876" v="27" actId="1076"/>
+      <pc:docMkLst>
+        <pc:docMk/>
+      </pc:docMkLst>
+      <pc:sldChg chg="modSp">
+        <pc:chgData name="Arvind M Bharadwaj" userId="cf6601f6-a099-4526-9017-ef671a145878" providerId="ADAL" clId="{E201E714-5A22-4C4D-BD96-BE4DF6CAB967}" dt="2022-04-04T14:14:56.876" v="27" actId="1076"/>
+        <pc:sldMkLst>
+          <pc:docMk/>
+          <pc:sldMk cId="581070340" sldId="256"/>
+        </pc:sldMkLst>
+        <pc:spChg chg="mod">
+          <ac:chgData name="Arvind M Bharadwaj" userId="cf6601f6-a099-4526-9017-ef671a145878" providerId="ADAL" clId="{E201E714-5A22-4C4D-BD96-BE4DF6CAB967}" dt="2022-04-04T14:14:56.876" v="27" actId="1076"/>
+          <ac:spMkLst>
+            <pc:docMk/>
+            <pc:sldMk cId="581070340" sldId="256"/>
+            <ac:spMk id="5" creationId="{00000000-0000-0000-0000-000000000000}"/>
+          </ac:spMkLst>
+        </pc:spChg>
+        <pc:spChg chg="mod">
+          <ac:chgData name="Arvind M Bharadwaj" userId="cf6601f6-a099-4526-9017-ef671a145878" providerId="ADAL" clId="{E201E714-5A22-4C4D-BD96-BE4DF6CAB967}" dt="2022-04-04T14:14:49.767" v="26" actId="1076"/>
+          <ac:spMkLst>
+            <pc:docMk/>
+            <pc:sldMk cId="581070340" sldId="256"/>
+            <ac:spMk id="6" creationId="{00000000-0000-0000-0000-000000000000}"/>
+          </ac:spMkLst>
+        </pc:spChg>
+        <pc:spChg chg="mod">
+          <ac:chgData name="Arvind M Bharadwaj" userId="cf6601f6-a099-4526-9017-ef671a145878" providerId="ADAL" clId="{E201E714-5A22-4C4D-BD96-BE4DF6CAB967}" dt="2022-04-04T14:14:18.524" v="21" actId="1076"/>
+          <ac:spMkLst>
+            <pc:docMk/>
+            <pc:sldMk cId="581070340" sldId="256"/>
+            <ac:spMk id="8" creationId="{00000000-0000-0000-0000-000000000000}"/>
+          </ac:spMkLst>
+        </pc:spChg>
+      </pc:sldChg>
+    </pc:docChg>
+  </pc:docChgLst>
+</pc:chgInfo>
+</file>
+
 <file path=ppt/notesMasters/notesMaster1.xml><?xml version="1.0" encoding="utf-8"?>
 <p:notesMaster xmlns:a="http://schemas.openxmlformats.org/drawingml/2006/main" xmlns:r="http://schemas.openxmlformats.org/officeDocument/2006/relationships" xmlns:p="http://schemas.openxmlformats.org/presentationml/2006/main">
   <p:cSld>
@@ -209,7 +294,7 @@
           <a:p>
             <a:fld id="{7702859B-35F7-4D1F-B334-1403E8F63D3D}" type="datetimeFigureOut">
               <a:rPr lang="en-US" smtClean="0"/>
-              <a:t>02-Mar-22</a:t>
+              <a:t>4/4/2022</a:t>
             </a:fld>
             <a:endParaRPr lang="en-US"/>
           </a:p>
@@ -273,38 +358,37 @@
           <a:p>
             <a:pPr lvl="0"/>
             <a:r>
-              <a:rPr lang="en-US" smtClean="0"/>
+              <a:rPr lang="en-US"/>
               <a:t>Edit Master text styles</a:t>
             </a:r>
           </a:p>
           <a:p>
             <a:pPr lvl="1"/>
             <a:r>
-              <a:rPr lang="en-US" smtClean="0"/>
+              <a:rPr lang="en-US"/>
               <a:t>Second level</a:t>
             </a:r>
           </a:p>
           <a:p>
             <a:pPr lvl="2"/>
             <a:r>
-              <a:rPr lang="en-US" smtClean="0"/>
+              <a:rPr lang="en-US"/>
               <a:t>Third level</a:t>
             </a:r>
           </a:p>
           <a:p>
             <a:pPr lvl="3"/>
             <a:r>
-              <a:rPr lang="en-US" smtClean="0"/>
+              <a:rPr lang="en-US"/>
               <a:t>Fourth level</a:t>
             </a:r>
           </a:p>
           <a:p>
             <a:pPr lvl="4"/>
             <a:r>
-              <a:rPr lang="en-US" smtClean="0"/>
+              <a:rPr lang="en-US"/>
               <a:t>Fifth level</a:t>
             </a:r>
-            <a:endParaRPr lang="en-US"/>
           </a:p>
         </p:txBody>
       </p:sp>
@@ -920,7 +1004,7 @@
           </a:lstStyle>
           <a:p>
             <a:r>
-              <a:rPr lang="en-US" smtClean="0"/>
+              <a:rPr lang="en-US"/>
               <a:t>Click to edit Master title style</a:t>
             </a:r>
             <a:endParaRPr lang="en-US" dirty="0"/>
@@ -1039,7 +1123,7 @@
           </a:lstStyle>
           <a:p>
             <a:r>
-              <a:rPr lang="en-US" smtClean="0"/>
+              <a:rPr lang="en-US"/>
               <a:t>Click to edit Master subtitle style</a:t>
             </a:r>
             <a:endParaRPr lang="en-US" dirty="0"/>
@@ -1063,7 +1147,7 @@
           <a:p>
             <a:fld id="{02348C21-1707-47CE-B3EA-5045ED5D277F}" type="datetimeFigureOut">
               <a:rPr lang="en-US" smtClean="0"/>
-              <a:t>02-Mar-22</a:t>
+              <a:t>4/4/2022</a:t>
             </a:fld>
             <a:endParaRPr lang="en-US"/>
           </a:p>
@@ -1173,7 +1257,7 @@
           </a:lstStyle>
           <a:p>
             <a:r>
-              <a:rPr lang="en-US" smtClean="0"/>
+              <a:rPr lang="en-US"/>
               <a:t>Click to edit Master title style</a:t>
             </a:r>
             <a:endParaRPr lang="en-US" dirty="0"/>
@@ -1268,7 +1352,7 @@
           </a:lstStyle>
           <a:p>
             <a:r>
-              <a:rPr lang="en-US" smtClean="0"/>
+              <a:rPr lang="en-US"/>
               <a:t>Click icon to add picture</a:t>
             </a:r>
             <a:endParaRPr lang="en-US" dirty="0"/>
@@ -1336,7 +1420,7 @@
           <a:p>
             <a:pPr lvl="0"/>
             <a:r>
-              <a:rPr lang="en-US" smtClean="0"/>
+              <a:rPr lang="en-US"/>
               <a:t>Edit Master text styles</a:t>
             </a:r>
           </a:p>
@@ -1359,7 +1443,7 @@
           <a:p>
             <a:fld id="{02348C21-1707-47CE-B3EA-5045ED5D277F}" type="datetimeFigureOut">
               <a:rPr lang="en-US" smtClean="0"/>
-              <a:t>02-Mar-22</a:t>
+              <a:t>4/4/2022</a:t>
             </a:fld>
             <a:endParaRPr lang="en-US"/>
           </a:p>
@@ -1464,7 +1548,7 @@
           </a:lstStyle>
           <a:p>
             <a:r>
-              <a:rPr lang="en-US" smtClean="0"/>
+              <a:rPr lang="en-US"/>
               <a:t>Click to edit Master title style</a:t>
             </a:r>
             <a:endParaRPr lang="en-US" dirty="0"/>
@@ -1584,7 +1668,7 @@
           <a:p>
             <a:pPr lvl="0"/>
             <a:r>
-              <a:rPr lang="en-US" smtClean="0"/>
+              <a:rPr lang="en-US"/>
               <a:t>Edit Master text styles</a:t>
             </a:r>
           </a:p>
@@ -1607,7 +1691,7 @@
           <a:p>
             <a:fld id="{02348C21-1707-47CE-B3EA-5045ED5D277F}" type="datetimeFigureOut">
               <a:rPr lang="en-US" smtClean="0"/>
-              <a:t>02-Mar-22</a:t>
+              <a:t>4/4/2022</a:t>
             </a:fld>
             <a:endParaRPr lang="en-US"/>
           </a:p>
@@ -1948,7 +2032,7 @@
           </a:lstStyle>
           <a:p>
             <a:r>
-              <a:rPr lang="en-US" smtClean="0"/>
+              <a:rPr lang="en-US"/>
               <a:t>Click to edit Master title style</a:t>
             </a:r>
             <a:endParaRPr lang="en-US" dirty="0"/>
@@ -2005,7 +2089,7 @@
           <a:p>
             <a:pPr lvl="0"/>
             <a:r>
-              <a:rPr lang="en-US" smtClean="0"/>
+              <a:rPr lang="en-US"/>
               <a:t>Edit Master text styles</a:t>
             </a:r>
           </a:p>
@@ -2124,7 +2208,7 @@
           <a:p>
             <a:pPr lvl="0"/>
             <a:r>
-              <a:rPr lang="en-US" smtClean="0"/>
+              <a:rPr lang="en-US"/>
               <a:t>Edit Master text styles</a:t>
             </a:r>
           </a:p>
@@ -2147,7 +2231,7 @@
           <a:p>
             <a:fld id="{02348C21-1707-47CE-B3EA-5045ED5D277F}" type="datetimeFigureOut">
               <a:rPr lang="en-US" smtClean="0"/>
-              <a:t>02-Mar-22</a:t>
+              <a:t>4/4/2022</a:t>
             </a:fld>
             <a:endParaRPr lang="en-US"/>
           </a:p>
@@ -2252,7 +2336,7 @@
           </a:lstStyle>
           <a:p>
             <a:r>
-              <a:rPr lang="en-US" smtClean="0"/>
+              <a:rPr lang="en-US"/>
               <a:t>Click to edit Master title style</a:t>
             </a:r>
             <a:endParaRPr lang="en-US" dirty="0"/>
@@ -2372,7 +2456,7 @@
           <a:p>
             <a:pPr lvl="0"/>
             <a:r>
-              <a:rPr lang="en-US" smtClean="0"/>
+              <a:rPr lang="en-US"/>
               <a:t>Edit Master text styles</a:t>
             </a:r>
           </a:p>
@@ -2395,7 +2479,7 @@
           <a:p>
             <a:fld id="{02348C21-1707-47CE-B3EA-5045ED5D277F}" type="datetimeFigureOut">
               <a:rPr lang="en-US" smtClean="0"/>
-              <a:t>02-Mar-22</a:t>
+              <a:t>4/4/2022</a:t>
             </a:fld>
             <a:endParaRPr lang="en-US"/>
           </a:p>
@@ -2736,7 +2820,7 @@
           </a:lstStyle>
           <a:p>
             <a:r>
-              <a:rPr lang="en-US" smtClean="0"/>
+              <a:rPr lang="en-US"/>
               <a:t>Click to edit Master title style</a:t>
             </a:r>
             <a:endParaRPr lang="en-US" dirty="0"/>
@@ -2785,7 +2869,7 @@
               <a:buNone/>
             </a:pPr>
             <a:r>
-              <a:rPr lang="en-US" smtClean="0"/>
+              <a:rPr lang="en-US"/>
               <a:t>Edit Master text styles</a:t>
             </a:r>
           </a:p>
@@ -2904,7 +2988,7 @@
           <a:p>
             <a:pPr lvl="0"/>
             <a:r>
-              <a:rPr lang="en-US" smtClean="0"/>
+              <a:rPr lang="en-US"/>
               <a:t>Edit Master text styles</a:t>
             </a:r>
           </a:p>
@@ -2927,7 +3011,7 @@
           <a:p>
             <a:fld id="{02348C21-1707-47CE-B3EA-5045ED5D277F}" type="datetimeFigureOut">
               <a:rPr lang="en-US" smtClean="0"/>
-              <a:t>02-Mar-22</a:t>
+              <a:t>4/4/2022</a:t>
             </a:fld>
             <a:endParaRPr lang="en-US"/>
           </a:p>
@@ -3033,7 +3117,7 @@
           <a:p>
             <a:pPr marL="0" lvl="0"/>
             <a:r>
-              <a:rPr lang="en-US" smtClean="0"/>
+              <a:rPr lang="en-US"/>
               <a:t>Click to edit Master title style</a:t>
             </a:r>
             <a:endParaRPr lang="en-US" dirty="0"/>
@@ -3082,7 +3166,7 @@
               <a:buNone/>
             </a:pPr>
             <a:r>
-              <a:rPr lang="en-US" smtClean="0"/>
+              <a:rPr lang="en-US"/>
               <a:t>Edit Master text styles</a:t>
             </a:r>
           </a:p>
@@ -3201,7 +3285,7 @@
           <a:p>
             <a:pPr lvl="0"/>
             <a:r>
-              <a:rPr lang="en-US" smtClean="0"/>
+              <a:rPr lang="en-US"/>
               <a:t>Edit Master text styles</a:t>
             </a:r>
           </a:p>
@@ -3224,7 +3308,7 @@
           <a:p>
             <a:fld id="{02348C21-1707-47CE-B3EA-5045ED5D277F}" type="datetimeFigureOut">
               <a:rPr lang="en-US" smtClean="0"/>
-              <a:t>02-Mar-22</a:t>
+              <a:t>4/4/2022</a:t>
             </a:fld>
             <a:endParaRPr lang="en-US"/>
           </a:p>
@@ -3322,7 +3406,7 @@
           </a:lstStyle>
           <a:p>
             <a:r>
-              <a:rPr lang="en-US" smtClean="0"/>
+              <a:rPr lang="en-US"/>
               <a:t>Click to edit Master title style</a:t>
             </a:r>
             <a:endParaRPr lang="en-US" dirty="0"/>
@@ -3346,35 +3430,35 @@
           <a:p>
             <a:pPr lvl="0"/>
             <a:r>
-              <a:rPr lang="en-US" smtClean="0"/>
+              <a:rPr lang="en-US"/>
               <a:t>Edit Master text styles</a:t>
             </a:r>
           </a:p>
           <a:p>
             <a:pPr lvl="1"/>
             <a:r>
-              <a:rPr lang="en-US" smtClean="0"/>
+              <a:rPr lang="en-US"/>
               <a:t>Second level</a:t>
             </a:r>
           </a:p>
           <a:p>
             <a:pPr lvl="2"/>
             <a:r>
-              <a:rPr lang="en-US" smtClean="0"/>
+              <a:rPr lang="en-US"/>
               <a:t>Third level</a:t>
             </a:r>
           </a:p>
           <a:p>
             <a:pPr lvl="3"/>
             <a:r>
-              <a:rPr lang="en-US" smtClean="0"/>
+              <a:rPr lang="en-US"/>
               <a:t>Fourth level</a:t>
             </a:r>
           </a:p>
           <a:p>
             <a:pPr lvl="4"/>
             <a:r>
-              <a:rPr lang="en-US" smtClean="0"/>
+              <a:rPr lang="en-US"/>
               <a:t>Fifth level</a:t>
             </a:r>
             <a:endParaRPr lang="en-US" dirty="0"/>
@@ -3398,7 +3482,7 @@
           <a:p>
             <a:fld id="{02348C21-1707-47CE-B3EA-5045ED5D277F}" type="datetimeFigureOut">
               <a:rPr lang="en-US" smtClean="0"/>
-              <a:t>02-Mar-22</a:t>
+              <a:t>4/4/2022</a:t>
             </a:fld>
             <a:endParaRPr lang="en-US"/>
           </a:p>
@@ -3497,7 +3581,7 @@
           <a:lstStyle/>
           <a:p>
             <a:r>
-              <a:rPr lang="en-US" smtClean="0"/>
+              <a:rPr lang="en-US"/>
               <a:t>Click to edit Master title style</a:t>
             </a:r>
             <a:endParaRPr lang="en-US" dirty="0"/>
@@ -3526,35 +3610,35 @@
           <a:p>
             <a:pPr lvl="0"/>
             <a:r>
-              <a:rPr lang="en-US" smtClean="0"/>
+              <a:rPr lang="en-US"/>
               <a:t>Edit Master text styles</a:t>
             </a:r>
           </a:p>
           <a:p>
             <a:pPr lvl="1"/>
             <a:r>
-              <a:rPr lang="en-US" smtClean="0"/>
+              <a:rPr lang="en-US"/>
               <a:t>Second level</a:t>
             </a:r>
           </a:p>
           <a:p>
             <a:pPr lvl="2"/>
             <a:r>
-              <a:rPr lang="en-US" smtClean="0"/>
+              <a:rPr lang="en-US"/>
               <a:t>Third level</a:t>
             </a:r>
           </a:p>
           <a:p>
             <a:pPr lvl="3"/>
             <a:r>
-              <a:rPr lang="en-US" smtClean="0"/>
+              <a:rPr lang="en-US"/>
               <a:t>Fourth level</a:t>
             </a:r>
           </a:p>
           <a:p>
             <a:pPr lvl="4"/>
             <a:r>
-              <a:rPr lang="en-US" smtClean="0"/>
+              <a:rPr lang="en-US"/>
               <a:t>Fifth level</a:t>
             </a:r>
             <a:endParaRPr lang="en-US" dirty="0"/>
@@ -3578,7 +3662,7 @@
           <a:p>
             <a:fld id="{02348C21-1707-47CE-B3EA-5045ED5D277F}" type="datetimeFigureOut">
               <a:rPr lang="en-US" smtClean="0"/>
-              <a:t>02-Mar-22</a:t>
+              <a:t>4/4/2022</a:t>
             </a:fld>
             <a:endParaRPr lang="en-US"/>
           </a:p>
@@ -3672,7 +3756,7 @@
           <a:lstStyle/>
           <a:p>
             <a:r>
-              <a:rPr lang="en-US" smtClean="0"/>
+              <a:rPr lang="en-US"/>
               <a:t>Click to edit Master title style</a:t>
             </a:r>
             <a:endParaRPr lang="en-US" dirty="0"/>
@@ -3737,35 +3821,35 @@
           <a:p>
             <a:pPr lvl="0"/>
             <a:r>
-              <a:rPr lang="en-US" smtClean="0"/>
+              <a:rPr lang="en-US"/>
               <a:t>Edit Master text styles</a:t>
             </a:r>
           </a:p>
           <a:p>
             <a:pPr lvl="1"/>
             <a:r>
-              <a:rPr lang="en-US" smtClean="0"/>
+              <a:rPr lang="en-US"/>
               <a:t>Second level</a:t>
             </a:r>
           </a:p>
           <a:p>
             <a:pPr lvl="2"/>
             <a:r>
-              <a:rPr lang="en-US" smtClean="0"/>
+              <a:rPr lang="en-US"/>
               <a:t>Third level</a:t>
             </a:r>
           </a:p>
           <a:p>
             <a:pPr lvl="3"/>
             <a:r>
-              <a:rPr lang="en-US" smtClean="0"/>
+              <a:rPr lang="en-US"/>
               <a:t>Fourth level</a:t>
             </a:r>
           </a:p>
           <a:p>
             <a:pPr lvl="4"/>
             <a:r>
-              <a:rPr lang="en-US" smtClean="0"/>
+              <a:rPr lang="en-US"/>
               <a:t>Fifth level</a:t>
             </a:r>
             <a:endParaRPr lang="en-US" dirty="0"/>
@@ -3789,7 +3873,7 @@
           <a:p>
             <a:fld id="{02348C21-1707-47CE-B3EA-5045ED5D277F}" type="datetimeFigureOut">
               <a:rPr lang="en-US" smtClean="0"/>
-              <a:t>02-Mar-22</a:t>
+              <a:t>4/4/2022</a:t>
             </a:fld>
             <a:endParaRPr lang="en-US"/>
           </a:p>
@@ -3897,7 +3981,7 @@
           </a:lstStyle>
           <a:p>
             <a:r>
-              <a:rPr lang="en-US" smtClean="0"/>
+              <a:rPr lang="en-US"/>
               <a:t>Click to edit Master title style</a:t>
             </a:r>
             <a:endParaRPr lang="en-US" dirty="0"/>
@@ -4017,7 +4101,7 @@
           <a:p>
             <a:pPr lvl="0"/>
             <a:r>
-              <a:rPr lang="en-US" smtClean="0"/>
+              <a:rPr lang="en-US"/>
               <a:t>Edit Master text styles</a:t>
             </a:r>
           </a:p>
@@ -4040,7 +4124,7 @@
           <a:p>
             <a:fld id="{02348C21-1707-47CE-B3EA-5045ED5D277F}" type="datetimeFigureOut">
               <a:rPr lang="en-US" smtClean="0"/>
-              <a:t>02-Mar-22</a:t>
+              <a:t>4/4/2022</a:t>
             </a:fld>
             <a:endParaRPr lang="en-US"/>
           </a:p>
@@ -4139,7 +4223,7 @@
           <a:lstStyle/>
           <a:p>
             <a:r>
-              <a:rPr lang="en-US" smtClean="0"/>
+              <a:rPr lang="en-US"/>
               <a:t>Click to edit Master title style</a:t>
             </a:r>
             <a:endParaRPr lang="en-US" dirty="0"/>
@@ -4223,35 +4307,35 @@
           <a:p>
             <a:pPr lvl="0"/>
             <a:r>
-              <a:rPr lang="en-US" smtClean="0"/>
+              <a:rPr lang="en-US"/>
               <a:t>Edit Master text styles</a:t>
             </a:r>
           </a:p>
           <a:p>
             <a:pPr lvl="1"/>
             <a:r>
-              <a:rPr lang="en-US" smtClean="0"/>
+              <a:rPr lang="en-US"/>
               <a:t>Second level</a:t>
             </a:r>
           </a:p>
           <a:p>
             <a:pPr lvl="2"/>
             <a:r>
-              <a:rPr lang="en-US" smtClean="0"/>
+              <a:rPr lang="en-US"/>
               <a:t>Third level</a:t>
             </a:r>
           </a:p>
           <a:p>
             <a:pPr lvl="3"/>
             <a:r>
-              <a:rPr lang="en-US" smtClean="0"/>
+              <a:rPr lang="en-US"/>
               <a:t>Fourth level</a:t>
             </a:r>
           </a:p>
           <a:p>
             <a:pPr lvl="4"/>
             <a:r>
-              <a:rPr lang="en-US" smtClean="0"/>
+              <a:rPr lang="en-US"/>
               <a:t>Fifth level</a:t>
             </a:r>
             <a:endParaRPr lang="en-US" dirty="0"/>
@@ -4335,35 +4419,35 @@
           <a:p>
             <a:pPr lvl="0"/>
             <a:r>
-              <a:rPr lang="en-US" smtClean="0"/>
+              <a:rPr lang="en-US"/>
               <a:t>Edit Master text styles</a:t>
             </a:r>
           </a:p>
           <a:p>
             <a:pPr lvl="1"/>
             <a:r>
-              <a:rPr lang="en-US" smtClean="0"/>
+              <a:rPr lang="en-US"/>
               <a:t>Second level</a:t>
             </a:r>
           </a:p>
           <a:p>
             <a:pPr lvl="2"/>
             <a:r>
-              <a:rPr lang="en-US" smtClean="0"/>
+              <a:rPr lang="en-US"/>
               <a:t>Third level</a:t>
             </a:r>
           </a:p>
           <a:p>
             <a:pPr lvl="3"/>
             <a:r>
-              <a:rPr lang="en-US" smtClean="0"/>
+              <a:rPr lang="en-US"/>
               <a:t>Fourth level</a:t>
             </a:r>
           </a:p>
           <a:p>
             <a:pPr lvl="4"/>
             <a:r>
-              <a:rPr lang="en-US" smtClean="0"/>
+              <a:rPr lang="en-US"/>
               <a:t>Fifth level</a:t>
             </a:r>
             <a:endParaRPr lang="en-US" dirty="0"/>
@@ -4387,7 +4471,7 @@
           <a:p>
             <a:fld id="{02348C21-1707-47CE-B3EA-5045ED5D277F}" type="datetimeFigureOut">
               <a:rPr lang="en-US" smtClean="0"/>
-              <a:t>02-Mar-22</a:t>
+              <a:t>4/4/2022</a:t>
             </a:fld>
             <a:endParaRPr lang="en-US"/>
           </a:p>
@@ -4485,7 +4569,7 @@
           </a:lstStyle>
           <a:p>
             <a:r>
-              <a:rPr lang="en-US" smtClean="0"/>
+              <a:rPr lang="en-US"/>
               <a:t>Click to edit Master title style</a:t>
             </a:r>
             <a:endParaRPr lang="en-US" dirty="0"/>
@@ -4559,7 +4643,7 @@
           <a:p>
             <a:pPr lvl="0"/>
             <a:r>
-              <a:rPr lang="en-US" smtClean="0"/>
+              <a:rPr lang="en-US"/>
               <a:t>Edit Master text styles</a:t>
             </a:r>
           </a:p>
@@ -4642,35 +4726,35 @@
           <a:p>
             <a:pPr lvl="0"/>
             <a:r>
-              <a:rPr lang="en-US" smtClean="0"/>
+              <a:rPr lang="en-US"/>
               <a:t>Edit Master text styles</a:t>
             </a:r>
           </a:p>
           <a:p>
             <a:pPr lvl="1"/>
             <a:r>
-              <a:rPr lang="en-US" smtClean="0"/>
+              <a:rPr lang="en-US"/>
               <a:t>Second level</a:t>
             </a:r>
           </a:p>
           <a:p>
             <a:pPr lvl="2"/>
             <a:r>
-              <a:rPr lang="en-US" smtClean="0"/>
+              <a:rPr lang="en-US"/>
               <a:t>Third level</a:t>
             </a:r>
           </a:p>
           <a:p>
             <a:pPr lvl="3"/>
             <a:r>
-              <a:rPr lang="en-US" smtClean="0"/>
+              <a:rPr lang="en-US"/>
               <a:t>Fourth level</a:t>
             </a:r>
           </a:p>
           <a:p>
             <a:pPr lvl="4"/>
             <a:r>
-              <a:rPr lang="en-US" smtClean="0"/>
+              <a:rPr lang="en-US"/>
               <a:t>Fifth level</a:t>
             </a:r>
             <a:endParaRPr lang="en-US" dirty="0"/>
@@ -4744,7 +4828,7 @@
           <a:p>
             <a:pPr lvl="0"/>
             <a:r>
-              <a:rPr lang="en-US" smtClean="0"/>
+              <a:rPr lang="en-US"/>
               <a:t>Edit Master text styles</a:t>
             </a:r>
           </a:p>
@@ -4827,35 +4911,35 @@
           <a:p>
             <a:pPr lvl="0"/>
             <a:r>
-              <a:rPr lang="en-US" smtClean="0"/>
+              <a:rPr lang="en-US"/>
               <a:t>Edit Master text styles</a:t>
             </a:r>
           </a:p>
           <a:p>
             <a:pPr lvl="1"/>
             <a:r>
-              <a:rPr lang="en-US" smtClean="0"/>
+              <a:rPr lang="en-US"/>
               <a:t>Second level</a:t>
             </a:r>
           </a:p>
           <a:p>
             <a:pPr lvl="2"/>
             <a:r>
-              <a:rPr lang="en-US" smtClean="0"/>
+              <a:rPr lang="en-US"/>
               <a:t>Third level</a:t>
             </a:r>
           </a:p>
           <a:p>
             <a:pPr lvl="3"/>
             <a:r>
-              <a:rPr lang="en-US" smtClean="0"/>
+              <a:rPr lang="en-US"/>
               <a:t>Fourth level</a:t>
             </a:r>
           </a:p>
           <a:p>
             <a:pPr lvl="4"/>
             <a:r>
-              <a:rPr lang="en-US" smtClean="0"/>
+              <a:rPr lang="en-US"/>
               <a:t>Fifth level</a:t>
             </a:r>
             <a:endParaRPr lang="en-US" dirty="0"/>
@@ -4879,7 +4963,7 @@
           <a:p>
             <a:fld id="{02348C21-1707-47CE-B3EA-5045ED5D277F}" type="datetimeFigureOut">
               <a:rPr lang="en-US" smtClean="0"/>
-              <a:t>02-Mar-22</a:t>
+              <a:t>4/4/2022</a:t>
             </a:fld>
             <a:endParaRPr lang="en-US"/>
           </a:p>
@@ -4973,7 +5057,7 @@
           <a:lstStyle/>
           <a:p>
             <a:r>
-              <a:rPr lang="en-US" smtClean="0"/>
+              <a:rPr lang="en-US"/>
               <a:t>Click to edit Master title style</a:t>
             </a:r>
             <a:endParaRPr lang="en-US" dirty="0"/>
@@ -4997,7 +5081,7 @@
           <a:p>
             <a:fld id="{02348C21-1707-47CE-B3EA-5045ED5D277F}" type="datetimeFigureOut">
               <a:rPr lang="en-US" smtClean="0"/>
-              <a:t>02-Mar-22</a:t>
+              <a:t>4/4/2022</a:t>
             </a:fld>
             <a:endParaRPr lang="en-US"/>
           </a:p>
@@ -5092,7 +5176,7 @@
           <a:p>
             <a:fld id="{02348C21-1707-47CE-B3EA-5045ED5D277F}" type="datetimeFigureOut">
               <a:rPr lang="en-US" smtClean="0"/>
-              <a:t>02-Mar-22</a:t>
+              <a:t>4/4/2022</a:t>
             </a:fld>
             <a:endParaRPr lang="en-US"/>
           </a:p>
@@ -5197,7 +5281,7 @@
           </a:lstStyle>
           <a:p>
             <a:r>
-              <a:rPr lang="en-US" smtClean="0"/>
+              <a:rPr lang="en-US"/>
               <a:t>Click to edit Master title style</a:t>
             </a:r>
             <a:endParaRPr lang="en-US" dirty="0"/>
@@ -5256,35 +5340,35 @@
           <a:p>
             <a:pPr lvl="0"/>
             <a:r>
-              <a:rPr lang="en-US" smtClean="0"/>
+              <a:rPr lang="en-US"/>
               <a:t>Edit Master text styles</a:t>
             </a:r>
           </a:p>
           <a:p>
             <a:pPr lvl="1"/>
             <a:r>
-              <a:rPr lang="en-US" smtClean="0"/>
+              <a:rPr lang="en-US"/>
               <a:t>Second level</a:t>
             </a:r>
           </a:p>
           <a:p>
             <a:pPr lvl="2"/>
             <a:r>
-              <a:rPr lang="en-US" smtClean="0"/>
+              <a:rPr lang="en-US"/>
               <a:t>Third level</a:t>
             </a:r>
           </a:p>
           <a:p>
             <a:pPr lvl="3"/>
             <a:r>
-              <a:rPr lang="en-US" smtClean="0"/>
+              <a:rPr lang="en-US"/>
               <a:t>Fourth level</a:t>
             </a:r>
           </a:p>
           <a:p>
             <a:pPr lvl="4"/>
             <a:r>
-              <a:rPr lang="en-US" smtClean="0"/>
+              <a:rPr lang="en-US"/>
               <a:t>Fifth level</a:t>
             </a:r>
             <a:endParaRPr lang="en-US" dirty="0"/>
@@ -5352,7 +5436,7 @@
           <a:p>
             <a:pPr lvl="0"/>
             <a:r>
-              <a:rPr lang="en-US" smtClean="0"/>
+              <a:rPr lang="en-US"/>
               <a:t>Edit Master text styles</a:t>
             </a:r>
           </a:p>
@@ -5375,7 +5459,7 @@
           <a:p>
             <a:fld id="{02348C21-1707-47CE-B3EA-5045ED5D277F}" type="datetimeFigureOut">
               <a:rPr lang="en-US" smtClean="0"/>
-              <a:t>02-Mar-22</a:t>
+              <a:t>4/4/2022</a:t>
             </a:fld>
             <a:endParaRPr lang="en-US"/>
           </a:p>
@@ -5480,7 +5564,7 @@
           </a:lstStyle>
           <a:p>
             <a:r>
-              <a:rPr lang="en-US" smtClean="0"/>
+              <a:rPr lang="en-US"/>
               <a:t>Click to edit Master title style</a:t>
             </a:r>
             <a:endParaRPr lang="en-US" dirty="0"/>
@@ -5575,7 +5659,7 @@
           </a:lstStyle>
           <a:p>
             <a:r>
-              <a:rPr lang="en-US" smtClean="0"/>
+              <a:rPr lang="en-US"/>
               <a:t>Click icon to add picture</a:t>
             </a:r>
             <a:endParaRPr lang="en-US" dirty="0"/>
@@ -5643,7 +5727,7 @@
           <a:p>
             <a:pPr lvl="0"/>
             <a:r>
-              <a:rPr lang="en-US" smtClean="0"/>
+              <a:rPr lang="en-US"/>
               <a:t>Edit Master text styles</a:t>
             </a:r>
           </a:p>
@@ -5666,7 +5750,7 @@
           <a:p>
             <a:fld id="{02348C21-1707-47CE-B3EA-5045ED5D277F}" type="datetimeFigureOut">
               <a:rPr lang="en-US" smtClean="0"/>
-              <a:t>02-Mar-22</a:t>
+              <a:t>4/4/2022</a:t>
             </a:fld>
             <a:endParaRPr lang="en-US"/>
           </a:p>
@@ -6092,7 +6176,7 @@
           <a:lstStyle/>
           <a:p>
             <a:r>
-              <a:rPr lang="en-US" smtClean="0"/>
+              <a:rPr lang="en-US"/>
               <a:t>Click to edit Master title style</a:t>
             </a:r>
             <a:endParaRPr lang="en-US" dirty="0"/>
@@ -6126,35 +6210,35 @@
           <a:p>
             <a:pPr lvl="0"/>
             <a:r>
-              <a:rPr lang="en-US" smtClean="0"/>
+              <a:rPr lang="en-US"/>
               <a:t>Edit Master text styles</a:t>
             </a:r>
           </a:p>
           <a:p>
             <a:pPr lvl="1"/>
             <a:r>
-              <a:rPr lang="en-US" smtClean="0"/>
+              <a:rPr lang="en-US"/>
               <a:t>Second level</a:t>
             </a:r>
           </a:p>
           <a:p>
             <a:pPr lvl="2"/>
             <a:r>
-              <a:rPr lang="en-US" smtClean="0"/>
+              <a:rPr lang="en-US"/>
               <a:t>Third level</a:t>
             </a:r>
           </a:p>
           <a:p>
             <a:pPr lvl="3"/>
             <a:r>
-              <a:rPr lang="en-US" smtClean="0"/>
+              <a:rPr lang="en-US"/>
               <a:t>Fourth level</a:t>
             </a:r>
           </a:p>
           <a:p>
             <a:pPr lvl="4"/>
             <a:r>
-              <a:rPr lang="en-US" smtClean="0"/>
+              <a:rPr lang="en-US"/>
               <a:t>Fifth level</a:t>
             </a:r>
             <a:endParaRPr lang="en-US" dirty="0"/>
@@ -6196,7 +6280,7 @@
           <a:p>
             <a:fld id="{02348C21-1707-47CE-B3EA-5045ED5D277F}" type="datetimeFigureOut">
               <a:rPr lang="en-US" smtClean="0"/>
-              <a:t>02-Mar-22</a:t>
+              <a:t>4/4/2022</a:t>
             </a:fld>
             <a:endParaRPr lang="en-US"/>
           </a:p>
@@ -6735,8 +6819,8 @@
         </p:nvSpPr>
         <p:spPr>
           <a:xfrm>
-            <a:off x="4914896" y="3570843"/>
-            <a:ext cx="2831525" cy="2554545"/>
+            <a:off x="4377224" y="3027845"/>
+            <a:ext cx="3906865" cy="3416320"/>
           </a:xfrm>
           <a:prstGeom prst="rect">
             <a:avLst/>
@@ -6751,7 +6835,7 @@
           <a:p>
             <a:pPr algn="ctr"/>
             <a:r>
-              <a:rPr lang="en-US" sz="2000" b="1" dirty="0" smtClean="0">
+              <a:rPr lang="en-US" b="1" dirty="0">
                 <a:latin typeface="Times New Roman" panose="02020603050405020304" pitchFamily="18" charset="0"/>
                 <a:cs typeface="Times New Roman" panose="02020603050405020304" pitchFamily="18" charset="0"/>
               </a:rPr>
@@ -6764,7 +6848,7 @@
               <a:buChar char="v"/>
             </a:pPr>
             <a:r>
-              <a:rPr lang="en-US" sz="2000" dirty="0" smtClean="0">
+              <a:rPr lang="en-US" dirty="0">
                 <a:latin typeface="Times New Roman" panose="02020603050405020304" pitchFamily="18" charset="0"/>
                 <a:cs typeface="Times New Roman" panose="02020603050405020304" pitchFamily="18" charset="0"/>
               </a:rPr>
@@ -6777,7 +6861,7 @@
               <a:buChar char="v"/>
             </a:pPr>
             <a:r>
-              <a:rPr lang="en-US" sz="2000" dirty="0" smtClean="0">
+              <a:rPr lang="en-US" dirty="0">
                 <a:latin typeface="Times New Roman" panose="02020603050405020304" pitchFamily="18" charset="0"/>
                 <a:cs typeface="Times New Roman" panose="02020603050405020304" pitchFamily="18" charset="0"/>
               </a:rPr>
@@ -6790,7 +6874,7 @@
               <a:buChar char="v"/>
             </a:pPr>
             <a:r>
-              <a:rPr lang="en-US" sz="2000" dirty="0" smtClean="0">
+              <a:rPr lang="en-US" dirty="0">
                 <a:latin typeface="Times New Roman" panose="02020603050405020304" pitchFamily="18" charset="0"/>
                 <a:cs typeface="Times New Roman" panose="02020603050405020304" pitchFamily="18" charset="0"/>
               </a:rPr>
@@ -6803,7 +6887,7 @@
               <a:buChar char="v"/>
             </a:pPr>
             <a:r>
-              <a:rPr lang="en-US" sz="2000" dirty="0" smtClean="0">
+              <a:rPr lang="en-US" dirty="0">
                 <a:latin typeface="Times New Roman" panose="02020603050405020304" pitchFamily="18" charset="0"/>
                 <a:cs typeface="Times New Roman" panose="02020603050405020304" pitchFamily="18" charset="0"/>
               </a:rPr>
@@ -6816,7 +6900,7 @@
               <a:buChar char="v"/>
             </a:pPr>
             <a:r>
-              <a:rPr lang="en-US" sz="2000" dirty="0" smtClean="0">
+              <a:rPr lang="en-US" dirty="0">
                 <a:latin typeface="Times New Roman" panose="02020603050405020304" pitchFamily="18" charset="0"/>
                 <a:cs typeface="Times New Roman" panose="02020603050405020304" pitchFamily="18" charset="0"/>
               </a:rPr>
@@ -6829,7 +6913,7 @@
               <a:buChar char="v"/>
             </a:pPr>
             <a:r>
-              <a:rPr lang="en-US" sz="2000" dirty="0" smtClean="0">
+              <a:rPr lang="en-US" dirty="0">
                 <a:latin typeface="Times New Roman" panose="02020603050405020304" pitchFamily="18" charset="0"/>
                 <a:cs typeface="Times New Roman" panose="02020603050405020304" pitchFamily="18" charset="0"/>
               </a:rPr>
@@ -6842,16 +6926,64 @@
               <a:buChar char="v"/>
             </a:pPr>
             <a:r>
-              <a:rPr lang="en-US" sz="2000" dirty="0" smtClean="0">
+              <a:rPr lang="en-US" dirty="0">
                 <a:latin typeface="Times New Roman" panose="02020603050405020304" pitchFamily="18" charset="0"/>
                 <a:cs typeface="Times New Roman" panose="02020603050405020304" pitchFamily="18" charset="0"/>
               </a:rPr>
               <a:t>Aravind R</a:t>
             </a:r>
-            <a:endParaRPr lang="en-US" sz="2000" dirty="0">
-              <a:latin typeface="Times New Roman" panose="02020603050405020304" pitchFamily="18" charset="0"/>
-              <a:cs typeface="Times New Roman" panose="02020603050405020304" pitchFamily="18" charset="0"/>
-            </a:endParaRPr>
+          </a:p>
+          <a:p>
+            <a:pPr marL="342900" indent="-342900">
+              <a:buFont typeface="Wingdings" panose="05000000000000000000" pitchFamily="2" charset="2"/>
+              <a:buChar char="v"/>
+            </a:pPr>
+            <a:r>
+              <a:rPr lang="en-US" dirty="0">
+                <a:latin typeface="Times New Roman" panose="02020603050405020304" pitchFamily="18" charset="0"/>
+                <a:cs typeface="Times New Roman" panose="02020603050405020304" pitchFamily="18" charset="0"/>
+              </a:rPr>
+              <a:t>Chitturi Hemant</a:t>
+            </a:r>
+          </a:p>
+          <a:p>
+            <a:pPr marL="342900" indent="-342900">
+              <a:buFont typeface="Wingdings" panose="05000000000000000000" pitchFamily="2" charset="2"/>
+              <a:buChar char="v"/>
+            </a:pPr>
+            <a:r>
+              <a:rPr lang="en-US" dirty="0">
+                <a:latin typeface="Times New Roman" panose="02020603050405020304" pitchFamily="18" charset="0"/>
+                <a:cs typeface="Times New Roman" panose="02020603050405020304" pitchFamily="18" charset="0"/>
+              </a:rPr>
+              <a:t>Kavya Keerthana</a:t>
+            </a:r>
+          </a:p>
+          <a:p>
+            <a:pPr marL="342900" indent="-342900">
+              <a:buFont typeface="Wingdings" panose="05000000000000000000" pitchFamily="2" charset="2"/>
+              <a:buChar char="v"/>
+            </a:pPr>
+            <a:r>
+              <a:rPr lang="en-US" dirty="0">
+                <a:latin typeface="Times New Roman" panose="02020603050405020304" pitchFamily="18" charset="0"/>
+                <a:cs typeface="Times New Roman" panose="02020603050405020304" pitchFamily="18" charset="0"/>
+              </a:rPr>
+              <a:t>Ruthirakumar</a:t>
+            </a:r>
+          </a:p>
+          <a:p>
+            <a:pPr marL="342900" indent="-342900">
+              <a:buFont typeface="Wingdings" panose="05000000000000000000" pitchFamily="2" charset="2"/>
+              <a:buChar char="v"/>
+            </a:pPr>
+            <a:r>
+              <a:rPr lang="en-US" dirty="0">
+                <a:latin typeface="Times New Roman" panose="02020603050405020304" pitchFamily="18" charset="0"/>
+                <a:cs typeface="Times New Roman" panose="02020603050405020304" pitchFamily="18" charset="0"/>
+              </a:rPr>
+              <a:t>Dinesh Venkat Sai Karthik </a:t>
+            </a:r>
           </a:p>
         </p:txBody>
       </p:sp>
@@ -6863,7 +6995,7 @@
         </p:nvSpPr>
         <p:spPr>
           <a:xfrm>
-            <a:off x="3436470" y="1967210"/>
+            <a:off x="3436468" y="1467756"/>
             <a:ext cx="5788379" cy="1200329"/>
           </a:xfrm>
           <a:prstGeom prst="rect">
@@ -6879,7 +7011,7 @@
           <a:p>
             <a:pPr algn="ctr"/>
             <a:r>
-              <a:rPr lang="en-US" sz="3600" b="1" dirty="0" smtClean="0">
+              <a:rPr lang="en-US" sz="3600" b="1" dirty="0">
                 <a:ln w="6600">
                   <a:solidFill>
                     <a:schemeClr val="accent2"/>
@@ -6902,7 +7034,7 @@
           <a:p>
             <a:pPr algn="ctr"/>
             <a:r>
-              <a:rPr lang="en-US" sz="3600" b="1" dirty="0" smtClean="0">
+              <a:rPr lang="en-US" sz="3600" b="1" dirty="0">
                 <a:ln w="6600">
                   <a:solidFill>
                     <a:schemeClr val="accent2"/>
@@ -6921,23 +7053,6 @@
               </a:rPr>
               <a:t>Linux Server Administration</a:t>
             </a:r>
-            <a:endParaRPr lang="en-US" sz="3600" b="1" dirty="0">
-              <a:ln w="6600">
-                <a:solidFill>
-                  <a:schemeClr val="accent2"/>
-                </a:solidFill>
-                <a:prstDash val="solid"/>
-              </a:ln>
-              <a:solidFill>
-                <a:srgbClr val="FFFFFF"/>
-              </a:solidFill>
-              <a:effectLst>
-                <a:outerShdw dist="38100" dir="2700000" algn="tl" rotWithShape="0">
-                  <a:schemeClr val="accent2"/>
-                </a:outerShdw>
-              </a:effectLst>
-              <a:latin typeface="Franklin Gothic Demi" panose="020B0703020102020204" pitchFamily="34" charset="0"/>
-            </a:endParaRPr>
           </a:p>
         </p:txBody>
       </p:sp>
@@ -6949,7 +7064,7 @@
         </p:nvSpPr>
         <p:spPr>
           <a:xfrm>
-            <a:off x="4388463" y="455910"/>
+            <a:off x="4388460" y="0"/>
             <a:ext cx="3884397" cy="1107996"/>
           </a:xfrm>
           <a:prstGeom prst="rect">
@@ -6965,7 +7080,7 @@
           <a:p>
             <a:pPr algn="ctr"/>
             <a:r>
-              <a:rPr lang="en-US" sz="6600" b="1" dirty="0" smtClean="0">
+              <a:rPr lang="en-US" sz="6600" b="1" dirty="0">
                 <a:ln w="13462">
                   <a:solidFill>
                     <a:schemeClr val="bg1"/>
@@ -6986,25 +7101,6 @@
               </a:rPr>
               <a:t>EZ-Admin</a:t>
             </a:r>
-            <a:endParaRPr lang="en-US" sz="6600" b="1" dirty="0">
-              <a:ln w="13462">
-                <a:solidFill>
-                  <a:schemeClr val="bg1"/>
-                </a:solidFill>
-                <a:prstDash val="solid"/>
-              </a:ln>
-              <a:solidFill>
-                <a:schemeClr val="tx1">
-                  <a:lumMod val="85000"/>
-                  <a:lumOff val="15000"/>
-                </a:schemeClr>
-              </a:solidFill>
-              <a:effectLst>
-                <a:outerShdw dist="38100" dir="2700000" algn="bl" rotWithShape="0">
-                  <a:schemeClr val="accent5"/>
-                </a:outerShdw>
-              </a:effectLst>
-            </a:endParaRPr>
           </a:p>
         </p:txBody>
       </p:sp>
@@ -7150,7 +7246,7 @@
                             </p:stCondLst>
                             <p:childTnLst>
                               <p:par>
-                                <p:cTn id="12" presetID="52" presetClass="entr" presetSubtype="0" fill="hold" grpId="1" nodeType="clickEffect">
+                                <p:cTn id="12" presetID="52" presetClass="entr" presetSubtype="0" fill="hold" grpId="0" nodeType="clickEffect">
                                   <p:stCondLst>
                                     <p:cond delay="0"/>
                                   </p:stCondLst>
@@ -7215,7 +7311,7 @@
                                 </p:cTn>
                               </p:par>
                               <p:par>
-                                <p:cTn id="17" presetID="52" presetClass="entr" presetSubtype="0" fill="hold" grpId="1" nodeType="withEffect">
+                                <p:cTn id="17" presetID="52" presetClass="entr" presetSubtype="0" fill="hold" grpId="0" nodeType="withEffect">
                                   <p:stCondLst>
                                     <p:cond delay="0"/>
                                   </p:stCondLst>
@@ -7307,8 +7403,8 @@
       </p:par>
     </p:tnLst>
     <p:bldLst>
-      <p:bldP spid="5" grpId="1"/>
-      <p:bldP spid="6" grpId="1"/>
+      <p:bldP spid="5" grpId="0"/>
+      <p:bldP spid="6" grpId="0"/>
       <p:bldP spid="8" grpId="0"/>
     </p:bldLst>
   </p:timing>
@@ -7356,7 +7452,7 @@
           <a:p>
             <a:pPr algn="ctr"/>
             <a:r>
-              <a:rPr lang="en-US" sz="4800" b="1" cap="none" spc="0" dirty="0" smtClean="0">
+              <a:rPr lang="en-US" sz="4800" b="1" cap="none" spc="0" dirty="0">
                 <a:ln w="9525">
                   <a:solidFill>
                     <a:schemeClr val="bg1"/>
@@ -7380,7 +7476,7 @@
           <a:p>
             <a:pPr algn="ctr"/>
             <a:r>
-              <a:rPr lang="en-US" sz="4800" b="1" dirty="0" smtClean="0">
+              <a:rPr lang="en-US" sz="4800" b="1" dirty="0">
                 <a:ln w="9525">
                   <a:solidFill>
                     <a:schemeClr val="bg1"/>
@@ -7515,7 +7611,7 @@
               <a:buChar char="v"/>
             </a:pPr>
             <a:r>
-              <a:rPr lang="en-US" sz="2000" dirty="0" smtClean="0">
+              <a:rPr lang="en-US" sz="2000" dirty="0">
                 <a:latin typeface="Times New Roman" panose="02020603050405020304" pitchFamily="18" charset="0"/>
                 <a:cs typeface="Times New Roman" panose="02020603050405020304" pitchFamily="18" charset="0"/>
               </a:rPr>
@@ -7527,7 +7623,7 @@
               <a:buFont typeface="Wingdings" panose="05000000000000000000" pitchFamily="2" charset="2"/>
               <a:buChar char="v"/>
             </a:pPr>
-            <a:endParaRPr lang="en-US" sz="2000" dirty="0" smtClean="0">
+            <a:endParaRPr lang="en-US" sz="2000" dirty="0">
               <a:latin typeface="Times New Roman" panose="02020603050405020304" pitchFamily="18" charset="0"/>
               <a:cs typeface="Times New Roman" panose="02020603050405020304" pitchFamily="18" charset="0"/>
             </a:endParaRPr>
@@ -7538,7 +7634,7 @@
               <a:buChar char="v"/>
             </a:pPr>
             <a:r>
-              <a:rPr lang="en-US" sz="2000" dirty="0" smtClean="0">
+              <a:rPr lang="en-US" sz="2000" dirty="0">
                 <a:latin typeface="Times New Roman" panose="02020603050405020304" pitchFamily="18" charset="0"/>
                 <a:cs typeface="Times New Roman" panose="02020603050405020304" pitchFamily="18" charset="0"/>
               </a:rPr>
@@ -7550,7 +7646,7 @@
               <a:buFont typeface="Wingdings" panose="05000000000000000000" pitchFamily="2" charset="2"/>
               <a:buChar char="v"/>
             </a:pPr>
-            <a:endParaRPr lang="en-US" sz="2000" dirty="0" smtClean="0">
+            <a:endParaRPr lang="en-US" sz="2000" dirty="0">
               <a:latin typeface="Times New Roman" panose="02020603050405020304" pitchFamily="18" charset="0"/>
               <a:cs typeface="Times New Roman" panose="02020603050405020304" pitchFamily="18" charset="0"/>
             </a:endParaRPr>
@@ -7561,16 +7657,12 @@
               <a:buChar char="v"/>
             </a:pPr>
             <a:r>
-              <a:rPr lang="en-US" sz="2000" dirty="0" smtClean="0">
+              <a:rPr lang="en-US" sz="2000" dirty="0">
                 <a:latin typeface="Times New Roman" panose="02020603050405020304" pitchFamily="18" charset="0"/>
                 <a:cs typeface="Times New Roman" panose="02020603050405020304" pitchFamily="18" charset="0"/>
               </a:rPr>
               <a:t>Once the IP Address is validated, the matching logs are listed in a tabular format with the IP Address and the time stamp, for reference</a:t>
             </a:r>
-            <a:endParaRPr lang="en-US" sz="2000" dirty="0">
-              <a:latin typeface="Times New Roman" panose="02020603050405020304" pitchFamily="18" charset="0"/>
-              <a:cs typeface="Times New Roman" panose="02020603050405020304" pitchFamily="18" charset="0"/>
-            </a:endParaRPr>
           </a:p>
         </p:txBody>
       </p:sp>
@@ -7928,7 +8020,7 @@
           <a:p>
             <a:pPr algn="ctr"/>
             <a:r>
-              <a:rPr lang="en-US" sz="4400" b="1" dirty="0" smtClean="0">
+              <a:rPr lang="en-US" sz="4400" b="1" dirty="0">
                 <a:ln w="12700">
                   <a:solidFill>
                     <a:schemeClr val="tx2">
@@ -7962,7 +8054,7 @@
           <a:p>
             <a:pPr algn="ctr"/>
             <a:r>
-              <a:rPr lang="en-US" sz="4400" b="1" dirty="0" smtClean="0">
+              <a:rPr lang="en-US" sz="4400" b="1" dirty="0">
                 <a:ln w="12700">
                   <a:solidFill>
                     <a:schemeClr val="tx2">
@@ -8092,7 +8184,7 @@
               <a:buChar char="Ø"/>
             </a:pPr>
             <a:r>
-              <a:rPr lang="en-US" dirty="0" smtClean="0">
+              <a:rPr lang="en-US" dirty="0">
                 <a:latin typeface="Times New Roman" panose="02020603050405020304" pitchFamily="18" charset="0"/>
                 <a:cs typeface="Times New Roman" panose="02020603050405020304" pitchFamily="18" charset="0"/>
               </a:rPr>
@@ -8104,7 +8196,7 @@
               <a:buFont typeface="Wingdings" panose="05000000000000000000" pitchFamily="2" charset="2"/>
               <a:buChar char="Ø"/>
             </a:pPr>
-            <a:endParaRPr lang="en-US" dirty="0" smtClean="0">
+            <a:endParaRPr lang="en-US" dirty="0">
               <a:latin typeface="Times New Roman" panose="02020603050405020304" pitchFamily="18" charset="0"/>
               <a:cs typeface="Times New Roman" panose="02020603050405020304" pitchFamily="18" charset="0"/>
             </a:endParaRPr>
@@ -8115,7 +8207,7 @@
               <a:buChar char="Ø"/>
             </a:pPr>
             <a:r>
-              <a:rPr lang="en-US" dirty="0" smtClean="0">
+              <a:rPr lang="en-US" dirty="0">
                 <a:latin typeface="Times New Roman" panose="02020603050405020304" pitchFamily="18" charset="0"/>
                 <a:cs typeface="Times New Roman" panose="02020603050405020304" pitchFamily="18" charset="0"/>
               </a:rPr>
@@ -8127,7 +8219,7 @@
               <a:buFont typeface="Wingdings" panose="05000000000000000000" pitchFamily="2" charset="2"/>
               <a:buChar char="Ø"/>
             </a:pPr>
-            <a:endParaRPr lang="en-US" dirty="0" smtClean="0">
+            <a:endParaRPr lang="en-US" dirty="0">
               <a:latin typeface="Times New Roman" panose="02020603050405020304" pitchFamily="18" charset="0"/>
               <a:cs typeface="Times New Roman" panose="02020603050405020304" pitchFamily="18" charset="0"/>
             </a:endParaRPr>
@@ -8138,16 +8230,12 @@
               <a:buChar char="Ø"/>
             </a:pPr>
             <a:r>
-              <a:rPr lang="en-US" dirty="0" smtClean="0">
+              <a:rPr lang="en-US" dirty="0">
                 <a:latin typeface="Times New Roman" panose="02020603050405020304" pitchFamily="18" charset="0"/>
                 <a:cs typeface="Times New Roman" panose="02020603050405020304" pitchFamily="18" charset="0"/>
               </a:rPr>
               <a:t>Once the input is validated, the matching logs are listed in a tabular format with IP Address and time stamp, for reference.</a:t>
             </a:r>
-            <a:endParaRPr lang="en-US" dirty="0">
-              <a:latin typeface="Times New Roman" panose="02020603050405020304" pitchFamily="18" charset="0"/>
-              <a:cs typeface="Times New Roman" panose="02020603050405020304" pitchFamily="18" charset="0"/>
-            </a:endParaRPr>
           </a:p>
         </p:txBody>
       </p:sp>
@@ -8488,7 +8576,7 @@
           <a:p>
             <a:pPr algn="ctr"/>
             <a:r>
-              <a:rPr lang="en-US" sz="5400" b="1" spc="50" dirty="0" smtClean="0">
+              <a:rPr lang="en-US" sz="5400" b="1" spc="50" dirty="0">
                 <a:ln w="9525" cmpd="sng">
                   <a:solidFill>
                     <a:schemeClr val="accent1"/>
@@ -8510,26 +8598,6 @@
               </a:rPr>
               <a:t>Help menu</a:t>
             </a:r>
-            <a:endParaRPr lang="en-US" sz="5400" b="1" spc="50" dirty="0">
-              <a:ln w="9525" cmpd="sng">
-                <a:solidFill>
-                  <a:schemeClr val="accent1"/>
-                </a:solidFill>
-                <a:prstDash val="solid"/>
-              </a:ln>
-              <a:solidFill>
-                <a:srgbClr val="70AD47">
-                  <a:tint val="1000"/>
-                </a:srgbClr>
-              </a:solidFill>
-              <a:effectLst>
-                <a:glow rad="38100">
-                  <a:schemeClr val="accent1">
-                    <a:alpha val="40000"/>
-                  </a:schemeClr>
-                </a:glow>
-              </a:effectLst>
-            </a:endParaRPr>
           </a:p>
         </p:txBody>
       </p:sp>
@@ -8629,21 +8697,21 @@
               <a:buChar char="ü"/>
             </a:pPr>
             <a:r>
-              <a:rPr lang="en-US" dirty="0" smtClean="0">
+              <a:rPr lang="en-US" dirty="0">
                 <a:latin typeface="Times New Roman" panose="02020603050405020304" pitchFamily="18" charset="0"/>
                 <a:cs typeface="Times New Roman" panose="02020603050405020304" pitchFamily="18" charset="0"/>
               </a:rPr>
               <a:t>The help menu is implemented using the </a:t>
             </a:r>
             <a:r>
-              <a:rPr lang="en-US" i="1" dirty="0" smtClean="0">
+              <a:rPr lang="en-US" i="1" dirty="0">
                 <a:latin typeface="Times New Roman" panose="02020603050405020304" pitchFamily="18" charset="0"/>
                 <a:cs typeface="Times New Roman" panose="02020603050405020304" pitchFamily="18" charset="0"/>
               </a:rPr>
               <a:t>man</a:t>
             </a:r>
             <a:r>
-              <a:rPr lang="en-US" dirty="0" smtClean="0">
+              <a:rPr lang="en-US" dirty="0">
                 <a:latin typeface="Times New Roman" panose="02020603050405020304" pitchFamily="18" charset="0"/>
                 <a:cs typeface="Times New Roman" panose="02020603050405020304" pitchFamily="18" charset="0"/>
               </a:rPr>
@@ -8655,7 +8723,7 @@
               <a:buFont typeface="Wingdings" panose="05000000000000000000" pitchFamily="2" charset="2"/>
               <a:buChar char="ü"/>
             </a:pPr>
-            <a:endParaRPr lang="en-US" dirty="0" smtClean="0">
+            <a:endParaRPr lang="en-US" dirty="0">
               <a:latin typeface="Times New Roman" panose="02020603050405020304" pitchFamily="18" charset="0"/>
               <a:cs typeface="Times New Roman" panose="02020603050405020304" pitchFamily="18" charset="0"/>
             </a:endParaRPr>
@@ -8666,7 +8734,7 @@
               <a:buChar char="ü"/>
             </a:pPr>
             <a:r>
-              <a:rPr lang="en-US" dirty="0" smtClean="0">
+              <a:rPr lang="en-US" dirty="0">
                 <a:latin typeface="Times New Roman" panose="02020603050405020304" pitchFamily="18" charset="0"/>
                 <a:cs typeface="Times New Roman" panose="02020603050405020304" pitchFamily="18" charset="0"/>
               </a:rPr>
@@ -8678,7 +8746,7 @@
               <a:buFont typeface="Wingdings" panose="05000000000000000000" pitchFamily="2" charset="2"/>
               <a:buChar char="ü"/>
             </a:pPr>
-            <a:endParaRPr lang="en-US" dirty="0" smtClean="0">
+            <a:endParaRPr lang="en-US" dirty="0">
               <a:latin typeface="Times New Roman" panose="02020603050405020304" pitchFamily="18" charset="0"/>
               <a:cs typeface="Times New Roman" panose="02020603050405020304" pitchFamily="18" charset="0"/>
             </a:endParaRPr>
@@ -8689,30 +8757,26 @@
               <a:buChar char="ü"/>
             </a:pPr>
             <a:r>
-              <a:rPr lang="en-US" dirty="0" smtClean="0">
+              <a:rPr lang="en-US" dirty="0">
                 <a:latin typeface="Times New Roman" panose="02020603050405020304" pitchFamily="18" charset="0"/>
                 <a:cs typeface="Times New Roman" panose="02020603050405020304" pitchFamily="18" charset="0"/>
               </a:rPr>
               <a:t>If the input command is valid, the user will be redirected to the </a:t>
             </a:r>
             <a:r>
-              <a:rPr lang="en-US" i="1" dirty="0" smtClean="0">
+              <a:rPr lang="en-US" i="1" dirty="0">
                 <a:latin typeface="Times New Roman" panose="02020603050405020304" pitchFamily="18" charset="0"/>
                 <a:cs typeface="Times New Roman" panose="02020603050405020304" pitchFamily="18" charset="0"/>
               </a:rPr>
               <a:t>man</a:t>
             </a:r>
             <a:r>
-              <a:rPr lang="en-US" dirty="0" smtClean="0">
+              <a:rPr lang="en-US" dirty="0">
                 <a:latin typeface="Times New Roman" panose="02020603050405020304" pitchFamily="18" charset="0"/>
                 <a:cs typeface="Times New Roman" panose="02020603050405020304" pitchFamily="18" charset="0"/>
               </a:rPr>
               <a:t> page of the same</a:t>
             </a:r>
-            <a:endParaRPr lang="en-US" dirty="0">
-              <a:latin typeface="Times New Roman" panose="02020603050405020304" pitchFamily="18" charset="0"/>
-              <a:cs typeface="Times New Roman" panose="02020603050405020304" pitchFamily="18" charset="0"/>
-            </a:endParaRPr>
           </a:p>
         </p:txBody>
       </p:sp>
@@ -8978,13 +9042,6 @@
       </p:transition>
     </mc:Fallback>
   </mc:AlternateContent>
-  <p:timing>
-    <p:tnLst>
-      <p:par>
-        <p:cTn id="1" dur="indefinite" restart="never" nodeType="tmRoot"/>
-      </p:par>
-    </p:tnLst>
-  </p:timing>
 </p:sld>
 </file>
 
@@ -9029,7 +9086,7 @@
           <a:p>
             <a:pPr algn="ctr"/>
             <a:r>
-              <a:rPr lang="en-US" sz="5400" b="1" cap="none" spc="0" dirty="0" smtClean="0">
+              <a:rPr lang="en-US" sz="5400" b="1" cap="none" spc="0" dirty="0">
                 <a:ln w="12700">
                   <a:solidFill>
                     <a:schemeClr val="accent1"/>
@@ -9055,30 +9112,6 @@
               </a:rPr>
               <a:t>Introduction to EZ-Admin</a:t>
             </a:r>
-            <a:endParaRPr lang="en-US" sz="5400" b="1" cap="none" spc="0" dirty="0">
-              <a:ln w="12700">
-                <a:solidFill>
-                  <a:schemeClr val="accent1"/>
-                </a:solidFill>
-                <a:prstDash val="solid"/>
-              </a:ln>
-              <a:pattFill prst="pct50">
-                <a:fgClr>
-                  <a:schemeClr val="accent1"/>
-                </a:fgClr>
-                <a:bgClr>
-                  <a:schemeClr val="accent1">
-                    <a:lumMod val="20000"/>
-                    <a:lumOff val="80000"/>
-                  </a:schemeClr>
-                </a:bgClr>
-              </a:pattFill>
-              <a:effectLst>
-                <a:outerShdw dist="38100" dir="2640000" algn="bl" rotWithShape="0">
-                  <a:schemeClr val="accent1"/>
-                </a:outerShdw>
-              </a:effectLst>
-            </a:endParaRPr>
           </a:p>
         </p:txBody>
       </p:sp>
@@ -9113,25 +9146,36 @@
                 <a:ea typeface="Tahoma" panose="020B0604030504040204" pitchFamily="34" charset="0"/>
                 <a:cs typeface="Times New Roman" panose="02020603050405020304" pitchFamily="18" charset="0"/>
               </a:rPr>
-              <a:t>On starting the </a:t>
-            </a:r>
-            <a:r>
-              <a:rPr lang="en-US" sz="2000" dirty="0" smtClean="0">
-                <a:latin typeface="Times New Roman" panose="02020603050405020304" pitchFamily="18" charset="0"/>
-                <a:ea typeface="Tahoma" panose="020B0604030504040204" pitchFamily="34" charset="0"/>
-                <a:cs typeface="Times New Roman" panose="02020603050405020304" pitchFamily="18" charset="0"/>
-              </a:rPr>
-              <a:t>application, </a:t>
-            </a:r>
+              <a:t>On starting the application, the terminal window prompts for a password to authenticate the user’s access to the server. </a:t>
+            </a:r>
+          </a:p>
+          <a:p>
+            <a:pPr marL="342900" indent="-342900">
+              <a:buFont typeface="Wingdings" panose="05000000000000000000" pitchFamily="2" charset="2"/>
+              <a:buChar char="v"/>
+            </a:pPr>
+            <a:endParaRPr lang="en-US" sz="2000" dirty="0">
+              <a:latin typeface="Times New Roman" panose="02020603050405020304" pitchFamily="18" charset="0"/>
+              <a:ea typeface="Tahoma" panose="020B0604030504040204" pitchFamily="34" charset="0"/>
+              <a:cs typeface="Times New Roman" panose="02020603050405020304" pitchFamily="18" charset="0"/>
+            </a:endParaRPr>
+          </a:p>
+          <a:p>
+            <a:pPr marL="342900" indent="-342900">
+              <a:buFont typeface="Wingdings" panose="05000000000000000000" pitchFamily="2" charset="2"/>
+              <a:buChar char="v"/>
+            </a:pPr>
             <a:r>
               <a:rPr lang="en-US" sz="2000" dirty="0">
                 <a:latin typeface="Times New Roman" panose="02020603050405020304" pitchFamily="18" charset="0"/>
                 <a:ea typeface="Tahoma" panose="020B0604030504040204" pitchFamily="34" charset="0"/>
                 <a:cs typeface="Times New Roman" panose="02020603050405020304" pitchFamily="18" charset="0"/>
               </a:rPr>
-              <a:t>the terminal window prompts for a password to authenticate the user’s access to the server. </a:t>
-            </a:r>
-            <a:endParaRPr lang="en-US" sz="2000" dirty="0" smtClean="0">
+              <a:t>Once the password is entered, the status of the server is displayed followed by the local IP Address.</a:t>
+            </a:r>
+          </a:p>
+          <a:p>
+            <a:endParaRPr lang="en-US" sz="2000" dirty="0">
               <a:latin typeface="Times New Roman" panose="02020603050405020304" pitchFamily="18" charset="0"/>
               <a:ea typeface="Tahoma" panose="020B0604030504040204" pitchFamily="34" charset="0"/>
               <a:cs typeface="Times New Roman" panose="02020603050405020304" pitchFamily="18" charset="0"/>
@@ -9142,77 +9186,13 @@
               <a:buFont typeface="Wingdings" panose="05000000000000000000" pitchFamily="2" charset="2"/>
               <a:buChar char="v"/>
             </a:pPr>
-            <a:endParaRPr lang="en-US" sz="2000" dirty="0" smtClean="0">
-              <a:latin typeface="Times New Roman" panose="02020603050405020304" pitchFamily="18" charset="0"/>
-              <a:ea typeface="Tahoma" panose="020B0604030504040204" pitchFamily="34" charset="0"/>
-              <a:cs typeface="Times New Roman" panose="02020603050405020304" pitchFamily="18" charset="0"/>
-            </a:endParaRPr>
-          </a:p>
-          <a:p>
-            <a:pPr marL="342900" indent="-342900">
-              <a:buFont typeface="Wingdings" panose="05000000000000000000" pitchFamily="2" charset="2"/>
-              <a:buChar char="v"/>
-            </a:pPr>
-            <a:r>
-              <a:rPr lang="en-US" sz="2000" dirty="0" smtClean="0">
-                <a:latin typeface="Times New Roman" panose="02020603050405020304" pitchFamily="18" charset="0"/>
-                <a:ea typeface="Tahoma" panose="020B0604030504040204" pitchFamily="34" charset="0"/>
-                <a:cs typeface="Times New Roman" panose="02020603050405020304" pitchFamily="18" charset="0"/>
-              </a:rPr>
-              <a:t>Once </a:t>
-            </a:r>
             <a:r>
               <a:rPr lang="en-US" sz="2000" dirty="0">
                 <a:latin typeface="Times New Roman" panose="02020603050405020304" pitchFamily="18" charset="0"/>
                 <a:ea typeface="Tahoma" panose="020B0604030504040204" pitchFamily="34" charset="0"/>
                 <a:cs typeface="Times New Roman" panose="02020603050405020304" pitchFamily="18" charset="0"/>
               </a:rPr>
-              <a:t>the password is entered, the status of the server is displayed followed by the local IP Address</a:t>
-            </a:r>
-            <a:r>
-              <a:rPr lang="en-US" sz="2000" dirty="0" smtClean="0">
-                <a:latin typeface="Times New Roman" panose="02020603050405020304" pitchFamily="18" charset="0"/>
-                <a:ea typeface="Tahoma" panose="020B0604030504040204" pitchFamily="34" charset="0"/>
-                <a:cs typeface="Times New Roman" panose="02020603050405020304" pitchFamily="18" charset="0"/>
-              </a:rPr>
-              <a:t>.</a:t>
-            </a:r>
-          </a:p>
-          <a:p>
-            <a:endParaRPr lang="en-US" sz="2000" dirty="0">
-              <a:latin typeface="Times New Roman" panose="02020603050405020304" pitchFamily="18" charset="0"/>
-              <a:ea typeface="Tahoma" panose="020B0604030504040204" pitchFamily="34" charset="0"/>
-              <a:cs typeface="Times New Roman" panose="02020603050405020304" pitchFamily="18" charset="0"/>
-            </a:endParaRPr>
-          </a:p>
-          <a:p>
-            <a:pPr marL="342900" indent="-342900">
-              <a:buFont typeface="Wingdings" panose="05000000000000000000" pitchFamily="2" charset="2"/>
-              <a:buChar char="v"/>
-            </a:pPr>
-            <a:r>
-              <a:rPr lang="en-US" sz="2000" dirty="0">
-                <a:latin typeface="Times New Roman" panose="02020603050405020304" pitchFamily="18" charset="0"/>
-                <a:ea typeface="Tahoma" panose="020B0604030504040204" pitchFamily="34" charset="0"/>
-                <a:cs typeface="Times New Roman" panose="02020603050405020304" pitchFamily="18" charset="0"/>
-              </a:rPr>
-              <a:t>The menu illustrates the various functionalities </a:t>
-            </a:r>
-            <a:r>
-              <a:rPr lang="en-US" sz="2000" dirty="0" smtClean="0">
-                <a:latin typeface="Times New Roman" panose="02020603050405020304" pitchFamily="18" charset="0"/>
-                <a:ea typeface="Tahoma" panose="020B0604030504040204" pitchFamily="34" charset="0"/>
-                <a:cs typeface="Times New Roman" panose="02020603050405020304" pitchFamily="18" charset="0"/>
-              </a:rPr>
-              <a:t>or capabilities of </a:t>
-            </a:r>
-            <a:r>
-              <a:rPr lang="en-US" sz="2000" dirty="0">
-                <a:latin typeface="Times New Roman" panose="02020603050405020304" pitchFamily="18" charset="0"/>
-                <a:ea typeface="Tahoma" panose="020B0604030504040204" pitchFamily="34" charset="0"/>
-                <a:cs typeface="Times New Roman" panose="02020603050405020304" pitchFamily="18" charset="0"/>
-              </a:rPr>
-              <a:t>the program to perform various server operations</a:t>
+              <a:t>The menu illustrates the various functionalities or capabilities of the program to perform various server operations</a:t>
             </a:r>
           </a:p>
         </p:txBody>
@@ -9725,7 +9705,7 @@
           <a:p>
             <a:pPr algn="ctr"/>
             <a:r>
-              <a:rPr lang="en-US" sz="5400" b="1" dirty="0" smtClean="0">
+              <a:rPr lang="en-US" sz="5400" b="1" dirty="0">
                 <a:ln/>
                 <a:solidFill>
                   <a:schemeClr val="accent3"/>
@@ -9733,12 +9713,6 @@
               </a:rPr>
               <a:t>Starting the server</a:t>
             </a:r>
-            <a:endParaRPr lang="en-US" sz="5400" b="1" dirty="0">
-              <a:ln/>
-              <a:solidFill>
-                <a:schemeClr val="accent3"/>
-              </a:solidFill>
-            </a:endParaRPr>
           </a:p>
         </p:txBody>
       </p:sp>
@@ -9773,19 +9747,12 @@
                 <a:latin typeface="Times New Roman" panose="02020603050405020304" pitchFamily="18" charset="0"/>
                 <a:cs typeface="Times New Roman" panose="02020603050405020304" pitchFamily="18" charset="0"/>
               </a:rPr>
-              <a:t>T</a:t>
-            </a:r>
-            <a:r>
-              <a:rPr lang="en-US" sz="2000" dirty="0" smtClean="0">
-                <a:latin typeface="Times New Roman" panose="02020603050405020304" pitchFamily="18" charset="0"/>
-                <a:cs typeface="Times New Roman" panose="02020603050405020304" pitchFamily="18" charset="0"/>
-              </a:rPr>
-              <a:t>he application prompts the user once the server is switched on</a:t>
-            </a:r>
-          </a:p>
-          <a:p>
-            <a:r>
-              <a:rPr lang="en-US" sz="2000" dirty="0" smtClean="0">
+              <a:t>The application prompts the user once the server is switched on</a:t>
+            </a:r>
+          </a:p>
+          <a:p>
+            <a:r>
+              <a:rPr lang="en-US" sz="2000" dirty="0">
                 <a:latin typeface="Times New Roman" panose="02020603050405020304" pitchFamily="18" charset="0"/>
                 <a:cs typeface="Times New Roman" panose="02020603050405020304" pitchFamily="18" charset="0"/>
               </a:rPr>
@@ -9798,7 +9765,7 @@
               <a:buChar char="ü"/>
             </a:pPr>
             <a:r>
-              <a:rPr lang="en-US" sz="2000" dirty="0" smtClean="0">
+              <a:rPr lang="en-US" sz="2000" dirty="0">
                 <a:latin typeface="Times New Roman" panose="02020603050405020304" pitchFamily="18" charset="0"/>
                 <a:cs typeface="Times New Roman" panose="02020603050405020304" pitchFamily="18" charset="0"/>
               </a:rPr>
@@ -9806,7 +9773,7 @@
             </a:r>
           </a:p>
           <a:p>
-            <a:endParaRPr lang="en-US" sz="2000" dirty="0" smtClean="0">
+            <a:endParaRPr lang="en-US" sz="2000" dirty="0">
               <a:latin typeface="Times New Roman" panose="02020603050405020304" pitchFamily="18" charset="0"/>
               <a:cs typeface="Times New Roman" panose="02020603050405020304" pitchFamily="18" charset="0"/>
             </a:endParaRPr>
@@ -9817,7 +9784,7 @@
               <a:buChar char="ü"/>
             </a:pPr>
             <a:r>
-              <a:rPr lang="en-US" sz="2000" dirty="0" smtClean="0">
+              <a:rPr lang="en-US" sz="2000" dirty="0">
                 <a:latin typeface="Times New Roman" panose="02020603050405020304" pitchFamily="18" charset="0"/>
                 <a:cs typeface="Times New Roman" panose="02020603050405020304" pitchFamily="18" charset="0"/>
               </a:rPr>
@@ -9825,7 +9792,7 @@
             </a:r>
           </a:p>
           <a:p>
-            <a:endParaRPr lang="en-US" sz="2000" dirty="0" smtClean="0">
+            <a:endParaRPr lang="en-US" sz="2000" dirty="0">
               <a:latin typeface="Times New Roman" panose="02020603050405020304" pitchFamily="18" charset="0"/>
               <a:cs typeface="Times New Roman" panose="02020603050405020304" pitchFamily="18" charset="0"/>
             </a:endParaRPr>
@@ -9836,16 +9803,12 @@
               <a:buChar char="ü"/>
             </a:pPr>
             <a:r>
-              <a:rPr lang="en-US" sz="2000" dirty="0" smtClean="0">
+              <a:rPr lang="en-US" sz="2000" dirty="0">
                 <a:latin typeface="Times New Roman" panose="02020603050405020304" pitchFamily="18" charset="0"/>
                 <a:cs typeface="Times New Roman" panose="02020603050405020304" pitchFamily="18" charset="0"/>
               </a:rPr>
               <a:t>The activity is logged into the server log file</a:t>
             </a:r>
-            <a:endParaRPr lang="en-US" sz="2000" dirty="0">
-              <a:latin typeface="Times New Roman" panose="02020603050405020304" pitchFamily="18" charset="0"/>
-              <a:cs typeface="Times New Roman" panose="02020603050405020304" pitchFamily="18" charset="0"/>
-            </a:endParaRPr>
           </a:p>
         </p:txBody>
       </p:sp>
@@ -10207,7 +10170,7 @@
           <a:p>
             <a:pPr algn="ctr"/>
             <a:r>
-              <a:rPr lang="en-US" sz="5400" b="1" cap="none" spc="0" dirty="0" smtClean="0">
+              <a:rPr lang="en-US" sz="5400" b="1" cap="none" spc="0" dirty="0">
                 <a:ln w="12700">
                   <a:solidFill>
                     <a:schemeClr val="tx2">
@@ -10237,34 +10200,6 @@
               </a:rPr>
               <a:t>Stopping the server</a:t>
             </a:r>
-            <a:endParaRPr lang="en-US" sz="5400" b="1" cap="none" spc="0" dirty="0">
-              <a:ln w="12700">
-                <a:solidFill>
-                  <a:schemeClr val="tx2">
-                    <a:lumMod val="75000"/>
-                  </a:schemeClr>
-                </a:solidFill>
-                <a:prstDash val="solid"/>
-              </a:ln>
-              <a:pattFill prst="dkUpDiag">
-                <a:fgClr>
-                  <a:schemeClr val="tx2"/>
-                </a:fgClr>
-                <a:bgClr>
-                  <a:schemeClr val="tx2">
-                    <a:lumMod val="20000"/>
-                    <a:lumOff val="80000"/>
-                  </a:schemeClr>
-                </a:bgClr>
-              </a:pattFill>
-              <a:effectLst>
-                <a:outerShdw dist="38100" dir="2640000" algn="bl" rotWithShape="0">
-                  <a:schemeClr val="tx2">
-                    <a:lumMod val="75000"/>
-                  </a:schemeClr>
-                </a:outerShdw>
-              </a:effectLst>
-            </a:endParaRPr>
           </a:p>
         </p:txBody>
       </p:sp>
@@ -10299,14 +10234,7 @@
                 <a:latin typeface="Times New Roman" panose="02020603050405020304" pitchFamily="18" charset="0"/>
                 <a:cs typeface="Times New Roman" panose="02020603050405020304" pitchFamily="18" charset="0"/>
               </a:rPr>
-              <a:t>The application prompts the user once the server is switched </a:t>
-            </a:r>
-            <a:r>
-              <a:rPr lang="en-US" sz="2000" dirty="0" smtClean="0">
-                <a:latin typeface="Times New Roman" panose="02020603050405020304" pitchFamily="18" charset="0"/>
-                <a:cs typeface="Times New Roman" panose="02020603050405020304" pitchFamily="18" charset="0"/>
-              </a:rPr>
-              <a:t>off</a:t>
+              <a:t>The application prompts the user once the server is switched off</a:t>
             </a:r>
           </a:p>
           <a:p>
@@ -10325,7 +10253,7 @@
               <a:buChar char="Ø"/>
             </a:pPr>
             <a:r>
-              <a:rPr lang="en-US" sz="2000" dirty="0" smtClean="0">
+              <a:rPr lang="en-US" sz="2000" dirty="0">
                 <a:latin typeface="Times New Roman" panose="02020603050405020304" pitchFamily="18" charset="0"/>
                 <a:cs typeface="Times New Roman" panose="02020603050405020304" pitchFamily="18" charset="0"/>
               </a:rPr>
@@ -10352,19 +10280,8 @@
                 <a:latin typeface="Times New Roman" panose="02020603050405020304" pitchFamily="18" charset="0"/>
                 <a:cs typeface="Times New Roman" panose="02020603050405020304" pitchFamily="18" charset="0"/>
               </a:rPr>
-              <a:t>The activity is logged into the server log </a:t>
-            </a:r>
-            <a:r>
-              <a:rPr lang="en-US" sz="2000" dirty="0" smtClean="0">
-                <a:latin typeface="Times New Roman" panose="02020603050405020304" pitchFamily="18" charset="0"/>
-                <a:cs typeface="Times New Roman" panose="02020603050405020304" pitchFamily="18" charset="0"/>
-              </a:rPr>
-              <a:t>file</a:t>
-            </a:r>
-            <a:endParaRPr lang="en-US" sz="2000" dirty="0">
-              <a:latin typeface="Times New Roman" panose="02020603050405020304" pitchFamily="18" charset="0"/>
-              <a:cs typeface="Times New Roman" panose="02020603050405020304" pitchFamily="18" charset="0"/>
-            </a:endParaRPr>
+              <a:t>The activity is logged into the server log file</a:t>
+            </a:r>
           </a:p>
         </p:txBody>
       </p:sp>
@@ -10851,7 +10768,7 @@
           <a:p>
             <a:pPr algn="ctr"/>
             <a:r>
-              <a:rPr lang="en-US" sz="5400" b="1" cap="none" spc="0" dirty="0" smtClean="0">
+              <a:rPr lang="en-US" sz="5400" b="1" cap="none" spc="0" dirty="0">
                 <a:ln w="9525">
                   <a:solidFill>
                     <a:schemeClr val="bg1"/>
@@ -10906,14 +10823,7 @@
                 <a:latin typeface="Times New Roman" panose="02020603050405020304" pitchFamily="18" charset="0"/>
                 <a:cs typeface="Times New Roman" panose="02020603050405020304" pitchFamily="18" charset="0"/>
               </a:rPr>
-              <a:t>The application prompts the user once the server is </a:t>
-            </a:r>
-            <a:r>
-              <a:rPr lang="en-US" sz="1900" dirty="0" smtClean="0">
-                <a:latin typeface="Times New Roman" panose="02020603050405020304" pitchFamily="18" charset="0"/>
-                <a:cs typeface="Times New Roman" panose="02020603050405020304" pitchFamily="18" charset="0"/>
-              </a:rPr>
-              <a:t>restarted successfully</a:t>
+              <a:t>The application prompts the user once the server is restarted successfully</a:t>
             </a:r>
           </a:p>
           <a:p>
@@ -10921,7 +10831,7 @@
               <a:buFont typeface="Wingdings" panose="05000000000000000000" pitchFamily="2" charset="2"/>
               <a:buChar char="Ø"/>
             </a:pPr>
-            <a:endParaRPr lang="en-US" sz="1900" dirty="0" smtClean="0">
+            <a:endParaRPr lang="en-US" sz="1900" dirty="0">
               <a:latin typeface="Times New Roman" panose="02020603050405020304" pitchFamily="18" charset="0"/>
               <a:cs typeface="Times New Roman" panose="02020603050405020304" pitchFamily="18" charset="0"/>
             </a:endParaRPr>
@@ -10932,25 +10842,11 @@
               <a:buChar char="Ø"/>
             </a:pPr>
             <a:r>
-              <a:rPr lang="en-US" sz="1900" dirty="0" smtClean="0">
-                <a:latin typeface="Times New Roman" panose="02020603050405020304" pitchFamily="18" charset="0"/>
-                <a:cs typeface="Times New Roman" panose="02020603050405020304" pitchFamily="18" charset="0"/>
-              </a:rPr>
-              <a:t>A fresh </a:t>
-            </a:r>
-            <a:r>
               <a:rPr lang="en-US" sz="1900" dirty="0">
                 <a:latin typeface="Times New Roman" panose="02020603050405020304" pitchFamily="18" charset="0"/>
                 <a:cs typeface="Times New Roman" panose="02020603050405020304" pitchFamily="18" charset="0"/>
               </a:rPr>
-              <a:t>xterm window </a:t>
-            </a:r>
-            <a:r>
-              <a:rPr lang="en-US" sz="1900" dirty="0" smtClean="0">
-                <a:latin typeface="Times New Roman" panose="02020603050405020304" pitchFamily="18" charset="0"/>
-                <a:cs typeface="Times New Roman" panose="02020603050405020304" pitchFamily="18" charset="0"/>
-              </a:rPr>
-              <a:t>that lists real time connections established with the server pops up on restart</a:t>
+              <a:t>A fresh xterm window that lists real time connections established with the server pops up on restart</a:t>
             </a:r>
           </a:p>
           <a:p>
@@ -10958,7 +10854,7 @@
               <a:buFont typeface="Wingdings" panose="05000000000000000000" pitchFamily="2" charset="2"/>
               <a:buChar char="Ø"/>
             </a:pPr>
-            <a:endParaRPr lang="en-US" sz="1900" dirty="0" smtClean="0">
+            <a:endParaRPr lang="en-US" sz="1900" dirty="0">
               <a:latin typeface="Times New Roman" panose="02020603050405020304" pitchFamily="18" charset="0"/>
               <a:cs typeface="Times New Roman" panose="02020603050405020304" pitchFamily="18" charset="0"/>
             </a:endParaRPr>
@@ -10969,7 +10865,7 @@
               <a:buChar char="Ø"/>
             </a:pPr>
             <a:r>
-              <a:rPr lang="en-US" sz="1900" dirty="0" smtClean="0">
+              <a:rPr lang="en-US" sz="1900" dirty="0">
                 <a:latin typeface="Times New Roman" panose="02020603050405020304" pitchFamily="18" charset="0"/>
                 <a:cs typeface="Times New Roman" panose="02020603050405020304" pitchFamily="18" charset="0"/>
               </a:rPr>
@@ -10981,7 +10877,7 @@
               <a:buFont typeface="Wingdings" panose="05000000000000000000" pitchFamily="2" charset="2"/>
               <a:buChar char="Ø"/>
             </a:pPr>
-            <a:endParaRPr lang="en-US" sz="1900" dirty="0" smtClean="0">
+            <a:endParaRPr lang="en-US" sz="1900" dirty="0">
               <a:latin typeface="Times New Roman" panose="02020603050405020304" pitchFamily="18" charset="0"/>
               <a:cs typeface="Times New Roman" panose="02020603050405020304" pitchFamily="18" charset="0"/>
             </a:endParaRPr>
@@ -10992,30 +10888,12 @@
               <a:buChar char="Ø"/>
             </a:pPr>
             <a:r>
-              <a:rPr lang="en-US" sz="1900" dirty="0" smtClean="0">
-                <a:latin typeface="Times New Roman" panose="02020603050405020304" pitchFamily="18" charset="0"/>
-                <a:cs typeface="Times New Roman" panose="02020603050405020304" pitchFamily="18" charset="0"/>
-              </a:rPr>
-              <a:t>The </a:t>
-            </a:r>
-            <a:r>
               <a:rPr lang="en-US" sz="1900" dirty="0">
                 <a:latin typeface="Times New Roman" panose="02020603050405020304" pitchFamily="18" charset="0"/>
                 <a:cs typeface="Times New Roman" panose="02020603050405020304" pitchFamily="18" charset="0"/>
               </a:rPr>
-              <a:t>activity is logged into the server log </a:t>
-            </a:r>
-            <a:r>
-              <a:rPr lang="en-US" sz="1900" dirty="0" smtClean="0">
-                <a:latin typeface="Times New Roman" panose="02020603050405020304" pitchFamily="18" charset="0"/>
-                <a:cs typeface="Times New Roman" panose="02020603050405020304" pitchFamily="18" charset="0"/>
-              </a:rPr>
-              <a:t>file</a:t>
-            </a:r>
-            <a:endParaRPr lang="en-US" sz="1900" dirty="0">
-              <a:latin typeface="Times New Roman" panose="02020603050405020304" pitchFamily="18" charset="0"/>
-              <a:cs typeface="Times New Roman" panose="02020603050405020304" pitchFamily="18" charset="0"/>
-            </a:endParaRPr>
+              <a:t>The activity is logged into the server log file</a:t>
+            </a:r>
           </a:p>
         </p:txBody>
       </p:sp>
@@ -11372,7 +11250,7 @@
           <a:p>
             <a:pPr algn="ctr"/>
             <a:r>
-              <a:rPr lang="en-US" sz="5400" b="1" cap="none" spc="0" dirty="0" smtClean="0">
+              <a:rPr lang="en-US" sz="5400" b="1" cap="none" spc="0" dirty="0">
                 <a:ln/>
                 <a:pattFill prst="dkUpDiag">
                   <a:fgClr>
@@ -11398,30 +11276,6 @@
               </a:rPr>
               <a:t>Backing up server files</a:t>
             </a:r>
-            <a:endParaRPr lang="en-US" sz="5400" b="1" cap="none" spc="0" dirty="0">
-              <a:ln/>
-              <a:pattFill prst="dkUpDiag">
-                <a:fgClr>
-                  <a:schemeClr val="bg1">
-                    <a:lumMod val="50000"/>
-                  </a:schemeClr>
-                </a:fgClr>
-                <a:bgClr>
-                  <a:schemeClr val="tx1">
-                    <a:lumMod val="75000"/>
-                    <a:lumOff val="25000"/>
-                  </a:schemeClr>
-                </a:bgClr>
-              </a:pattFill>
-              <a:effectLst>
-                <a:outerShdw blurRad="38100" dist="19050" dir="2700000" algn="tl" rotWithShape="0">
-                  <a:schemeClr val="dk1">
-                    <a:lumMod val="50000"/>
-                    <a:alpha val="40000"/>
-                  </a:schemeClr>
-                </a:outerShdw>
-              </a:effectLst>
-            </a:endParaRPr>
           </a:p>
         </p:txBody>
       </p:sp>
@@ -11486,7 +11340,7 @@
               <a:buChar char="q"/>
             </a:pPr>
             <a:r>
-              <a:rPr lang="en-US" sz="2000" dirty="0" smtClean="0">
+              <a:rPr lang="en-US" sz="2000" dirty="0">
                 <a:latin typeface="Times New Roman" panose="02020603050405020304" pitchFamily="18" charset="0"/>
                 <a:cs typeface="Times New Roman" panose="02020603050405020304" pitchFamily="18" charset="0"/>
               </a:rPr>
@@ -11498,7 +11352,7 @@
               <a:buFont typeface="Wingdings" panose="05000000000000000000" pitchFamily="2" charset="2"/>
               <a:buChar char="q"/>
             </a:pPr>
-            <a:endParaRPr lang="en-US" sz="2000" dirty="0" smtClean="0">
+            <a:endParaRPr lang="en-US" sz="2000" dirty="0">
               <a:latin typeface="Times New Roman" panose="02020603050405020304" pitchFamily="18" charset="0"/>
               <a:cs typeface="Times New Roman" panose="02020603050405020304" pitchFamily="18" charset="0"/>
             </a:endParaRPr>
@@ -11509,7 +11363,7 @@
               <a:buChar char="q"/>
             </a:pPr>
             <a:r>
-              <a:rPr lang="en-US" sz="2000" dirty="0" smtClean="0">
+              <a:rPr lang="en-US" sz="2000" dirty="0">
                 <a:latin typeface="Times New Roman" panose="02020603050405020304" pitchFamily="18" charset="0"/>
                 <a:cs typeface="Times New Roman" panose="02020603050405020304" pitchFamily="18" charset="0"/>
               </a:rPr>
@@ -11521,7 +11375,7 @@
               <a:buFont typeface="Wingdings" panose="05000000000000000000" pitchFamily="2" charset="2"/>
               <a:buChar char="q"/>
             </a:pPr>
-            <a:endParaRPr lang="en-US" sz="2000" dirty="0" smtClean="0">
+            <a:endParaRPr lang="en-US" sz="2000" dirty="0">
               <a:latin typeface="Times New Roman" panose="02020603050405020304" pitchFamily="18" charset="0"/>
               <a:cs typeface="Times New Roman" panose="02020603050405020304" pitchFamily="18" charset="0"/>
             </a:endParaRPr>
@@ -11532,16 +11386,12 @@
               <a:buChar char="q"/>
             </a:pPr>
             <a:r>
-              <a:rPr lang="en-US" sz="2000" dirty="0" smtClean="0">
+              <a:rPr lang="en-US" sz="2000" dirty="0">
                 <a:latin typeface="Times New Roman" panose="02020603050405020304" pitchFamily="18" charset="0"/>
                 <a:cs typeface="Times New Roman" panose="02020603050405020304" pitchFamily="18" charset="0"/>
               </a:rPr>
               <a:t>Additionally, the application provides the option to view the folder in the file manager</a:t>
             </a:r>
-            <a:endParaRPr lang="en-US" sz="2000" dirty="0">
-              <a:latin typeface="Times New Roman" panose="02020603050405020304" pitchFamily="18" charset="0"/>
-              <a:cs typeface="Times New Roman" panose="02020603050405020304" pitchFamily="18" charset="0"/>
-            </a:endParaRPr>
           </a:p>
         </p:txBody>
       </p:sp>
@@ -11843,7 +11693,7 @@
           <a:p>
             <a:pPr algn="ctr"/>
             <a:r>
-              <a:rPr lang="en-US" sz="5400" b="1" cap="none" spc="0" dirty="0" smtClean="0">
+              <a:rPr lang="en-US" sz="5400" b="1" cap="none" spc="0" dirty="0">
                 <a:ln/>
                 <a:solidFill>
                   <a:schemeClr val="accent4"/>
@@ -11852,13 +11702,6 @@
               </a:rPr>
               <a:t>Scheduling server</a:t>
             </a:r>
-            <a:endParaRPr lang="en-US" sz="5400" b="1" cap="none" spc="0" dirty="0">
-              <a:ln/>
-              <a:solidFill>
-                <a:schemeClr val="accent4"/>
-              </a:solidFill>
-              <a:effectLst/>
-            </a:endParaRPr>
           </a:p>
         </p:txBody>
       </p:sp>
@@ -11924,25 +11767,11 @@
               <a:buChar char="v"/>
             </a:pPr>
             <a:r>
-              <a:rPr lang="en-US" sz="2000" dirty="0" smtClean="0">
-                <a:latin typeface="Times New Roman" panose="02020603050405020304" pitchFamily="18" charset="0"/>
-                <a:cs typeface="Times New Roman" panose="02020603050405020304" pitchFamily="18" charset="0"/>
-              </a:rPr>
-              <a:t>The Schedule </a:t>
-            </a:r>
-            <a:r>
               <a:rPr lang="en-US" sz="2000" dirty="0">
                 <a:latin typeface="Times New Roman" panose="02020603050405020304" pitchFamily="18" charset="0"/>
                 <a:cs typeface="Times New Roman" panose="02020603050405020304" pitchFamily="18" charset="0"/>
               </a:rPr>
-              <a:t>M</a:t>
-            </a:r>
-            <a:r>
-              <a:rPr lang="en-US" sz="2000" dirty="0" smtClean="0">
-                <a:latin typeface="Times New Roman" panose="02020603050405020304" pitchFamily="18" charset="0"/>
-                <a:cs typeface="Times New Roman" panose="02020603050405020304" pitchFamily="18" charset="0"/>
-              </a:rPr>
-              <a:t>enu provides functionality to schedule different tasks to be executed at a given time</a:t>
+              <a:t>The Schedule Menu provides functionality to schedule different tasks to be executed at a given time</a:t>
             </a:r>
           </a:p>
           <a:p>
@@ -11950,7 +11779,7 @@
               <a:buFont typeface="Wingdings" panose="05000000000000000000" pitchFamily="2" charset="2"/>
               <a:buChar char="v"/>
             </a:pPr>
-            <a:endParaRPr lang="en-US" sz="2000" dirty="0" smtClean="0">
+            <a:endParaRPr lang="en-US" sz="2000" dirty="0">
               <a:latin typeface="Times New Roman" panose="02020603050405020304" pitchFamily="18" charset="0"/>
               <a:cs typeface="Times New Roman" panose="02020603050405020304" pitchFamily="18" charset="0"/>
             </a:endParaRPr>
@@ -11961,7 +11790,7 @@
               <a:buChar char="v"/>
             </a:pPr>
             <a:r>
-              <a:rPr lang="en-US" sz="2000" dirty="0" smtClean="0">
+              <a:rPr lang="en-US" sz="2000" dirty="0">
                 <a:latin typeface="Times New Roman" panose="02020603050405020304" pitchFamily="18" charset="0"/>
                 <a:cs typeface="Times New Roman" panose="02020603050405020304" pitchFamily="18" charset="0"/>
               </a:rPr>
@@ -11973,7 +11802,7 @@
               <a:buFont typeface="Wingdings" panose="05000000000000000000" pitchFamily="2" charset="2"/>
               <a:buChar char="v"/>
             </a:pPr>
-            <a:endParaRPr lang="en-US" sz="2000" dirty="0" smtClean="0">
+            <a:endParaRPr lang="en-US" sz="2000" dirty="0">
               <a:latin typeface="Times New Roman" panose="02020603050405020304" pitchFamily="18" charset="0"/>
               <a:cs typeface="Times New Roman" panose="02020603050405020304" pitchFamily="18" charset="0"/>
             </a:endParaRPr>
@@ -11984,7 +11813,7 @@
               <a:buChar char="v"/>
             </a:pPr>
             <a:r>
-              <a:rPr lang="en-US" sz="2000" dirty="0" smtClean="0">
+              <a:rPr lang="en-US" sz="2000" dirty="0">
                 <a:latin typeface="Times New Roman" panose="02020603050405020304" pitchFamily="18" charset="0"/>
                 <a:cs typeface="Times New Roman" panose="02020603050405020304" pitchFamily="18" charset="0"/>
               </a:rPr>
@@ -11996,7 +11825,7 @@
               <a:buFont typeface="Wingdings" panose="05000000000000000000" pitchFamily="2" charset="2"/>
               <a:buChar char="v"/>
             </a:pPr>
-            <a:endParaRPr lang="en-US" sz="2000" dirty="0" smtClean="0">
+            <a:endParaRPr lang="en-US" sz="2000" dirty="0">
               <a:latin typeface="Times New Roman" panose="02020603050405020304" pitchFamily="18" charset="0"/>
               <a:cs typeface="Times New Roman" panose="02020603050405020304" pitchFamily="18" charset="0"/>
             </a:endParaRPr>
@@ -12007,7 +11836,7 @@
               <a:buChar char="v"/>
             </a:pPr>
             <a:r>
-              <a:rPr lang="en-US" sz="2000" dirty="0" smtClean="0">
+              <a:rPr lang="en-US" sz="2000" dirty="0">
                 <a:latin typeface="Times New Roman" panose="02020603050405020304" pitchFamily="18" charset="0"/>
                 <a:cs typeface="Times New Roman" panose="02020603050405020304" pitchFamily="18" charset="0"/>
               </a:rPr>
@@ -12306,7 +12135,7 @@
           <a:p>
             <a:pPr algn="ctr"/>
             <a:r>
-              <a:rPr lang="en-US" sz="5400" b="1" cap="none" spc="0" dirty="0" smtClean="0">
+              <a:rPr lang="en-US" sz="5400" b="1" cap="none" spc="0" dirty="0">
                 <a:ln/>
                 <a:solidFill>
                   <a:schemeClr val="accent3"/>
@@ -12315,13 +12144,6 @@
               </a:rPr>
               <a:t>Viewing Server Logs</a:t>
             </a:r>
-            <a:endParaRPr lang="en-US" sz="5400" b="1" cap="none" spc="0" dirty="0">
-              <a:ln/>
-              <a:solidFill>
-                <a:schemeClr val="accent3"/>
-              </a:solidFill>
-              <a:effectLst/>
-            </a:endParaRPr>
           </a:p>
         </p:txBody>
       </p:sp>
@@ -12352,30 +12174,19 @@
               <a:buChar char="Ø"/>
             </a:pPr>
             <a:r>
-              <a:rPr lang="en-US" dirty="0" smtClean="0">
+              <a:rPr lang="en-US" dirty="0">
                 <a:latin typeface="Times New Roman" panose="02020603050405020304" pitchFamily="18" charset="0"/>
                 <a:cs typeface="Times New Roman" panose="02020603050405020304" pitchFamily="18" charset="0"/>
               </a:rPr>
-              <a:t>The server log file lists the various operations performed on the </a:t>
-            </a:r>
-            <a:r>
-              <a:rPr lang="en-US" dirty="0" smtClean="0">
-                <a:latin typeface="Times New Roman" panose="02020603050405020304" pitchFamily="18" charset="0"/>
-                <a:cs typeface="Times New Roman" panose="02020603050405020304" pitchFamily="18" charset="0"/>
-              </a:rPr>
-              <a:t>server. It is mainly implemented to monitor server activity</a:t>
-            </a:r>
-            <a:endParaRPr lang="en-US" dirty="0" smtClean="0">
-              <a:latin typeface="Times New Roman" panose="02020603050405020304" pitchFamily="18" charset="0"/>
-              <a:cs typeface="Times New Roman" panose="02020603050405020304" pitchFamily="18" charset="0"/>
-            </a:endParaRPr>
+              <a:t>The server log file lists the various operations performed on the server. It is mainly implemented to monitor server activity</a:t>
+            </a:r>
           </a:p>
           <a:p>
             <a:pPr marL="285750" indent="-285750">
               <a:buFont typeface="Wingdings" panose="05000000000000000000" pitchFamily="2" charset="2"/>
               <a:buChar char="Ø"/>
             </a:pPr>
-            <a:endParaRPr lang="en-US" dirty="0" smtClean="0">
+            <a:endParaRPr lang="en-US" dirty="0">
               <a:latin typeface="Times New Roman" panose="02020603050405020304" pitchFamily="18" charset="0"/>
               <a:cs typeface="Times New Roman" panose="02020603050405020304" pitchFamily="18" charset="0"/>
             </a:endParaRPr>
@@ -12386,7 +12197,7 @@
               <a:buChar char="Ø"/>
             </a:pPr>
             <a:r>
-              <a:rPr lang="en-US" dirty="0" smtClean="0">
+              <a:rPr lang="en-US" dirty="0">
                 <a:latin typeface="Times New Roman" panose="02020603050405020304" pitchFamily="18" charset="0"/>
                 <a:cs typeface="Times New Roman" panose="02020603050405020304" pitchFamily="18" charset="0"/>
               </a:rPr>
@@ -12398,7 +12209,7 @@
               <a:buFont typeface="Wingdings" panose="05000000000000000000" pitchFamily="2" charset="2"/>
               <a:buChar char="Ø"/>
             </a:pPr>
-            <a:endParaRPr lang="en-US" dirty="0" smtClean="0">
+            <a:endParaRPr lang="en-US" dirty="0">
               <a:latin typeface="Times New Roman" panose="02020603050405020304" pitchFamily="18" charset="0"/>
               <a:cs typeface="Times New Roman" panose="02020603050405020304" pitchFamily="18" charset="0"/>
             </a:endParaRPr>
@@ -12409,7 +12220,7 @@
               <a:buChar char="Ø"/>
             </a:pPr>
             <a:r>
-              <a:rPr lang="en-US" dirty="0" smtClean="0">
+              <a:rPr lang="en-US" dirty="0">
                 <a:latin typeface="Times New Roman" panose="02020603050405020304" pitchFamily="18" charset="0"/>
                 <a:cs typeface="Times New Roman" panose="02020603050405020304" pitchFamily="18" charset="0"/>
               </a:rPr>
@@ -12421,7 +12232,7 @@
               <a:buFont typeface="Wingdings" panose="05000000000000000000" pitchFamily="2" charset="2"/>
               <a:buChar char="Ø"/>
             </a:pPr>
-            <a:endParaRPr lang="en-US" dirty="0" smtClean="0">
+            <a:endParaRPr lang="en-US" dirty="0">
               <a:latin typeface="Times New Roman" panose="02020603050405020304" pitchFamily="18" charset="0"/>
               <a:cs typeface="Times New Roman" panose="02020603050405020304" pitchFamily="18" charset="0"/>
             </a:endParaRPr>
@@ -12432,16 +12243,12 @@
               <a:buChar char="Ø"/>
             </a:pPr>
             <a:r>
-              <a:rPr lang="en-US" dirty="0" smtClean="0">
+              <a:rPr lang="en-US" dirty="0">
                 <a:latin typeface="Times New Roman" panose="02020603050405020304" pitchFamily="18" charset="0"/>
                 <a:cs typeface="Times New Roman" panose="02020603050405020304" pitchFamily="18" charset="0"/>
               </a:rPr>
               <a:t>Additionally if a scheduled operation is cancelled, the log file records that as well.</a:t>
             </a:r>
-            <a:endParaRPr lang="en-US" dirty="0">
-              <a:latin typeface="Times New Roman" panose="02020603050405020304" pitchFamily="18" charset="0"/>
-              <a:cs typeface="Times New Roman" panose="02020603050405020304" pitchFamily="18" charset="0"/>
-            </a:endParaRPr>
           </a:p>
         </p:txBody>
       </p:sp>
@@ -12731,7 +12538,7 @@
           <a:p>
             <a:pPr algn="ctr"/>
             <a:r>
-              <a:rPr lang="en-US" sz="5400" dirty="0" smtClean="0">
+              <a:rPr lang="en-US" sz="5400" dirty="0">
                 <a:ln w="0"/>
                 <a:effectLst>
                   <a:outerShdw blurRad="38100" dist="19050" dir="2700000" algn="tl" rotWithShape="0">
@@ -12743,16 +12550,6 @@
               </a:rPr>
               <a:t>Clearing Server Logs</a:t>
             </a:r>
-            <a:endParaRPr lang="en-US" sz="5400" dirty="0">
-              <a:ln w="0"/>
-              <a:effectLst>
-                <a:outerShdw blurRad="38100" dist="19050" dir="2700000" algn="tl" rotWithShape="0">
-                  <a:schemeClr val="dk1">
-                    <a:alpha val="40000"/>
-                  </a:schemeClr>
-                </a:outerShdw>
-              </a:effectLst>
-            </a:endParaRPr>
           </a:p>
         </p:txBody>
       </p:sp>
@@ -12853,7 +12650,7 @@
               <a:buChar char="q"/>
             </a:pPr>
             <a:r>
-              <a:rPr lang="en-US" sz="2000" dirty="0" smtClean="0">
+              <a:rPr lang="en-US" sz="2000" dirty="0">
                 <a:latin typeface="Times New Roman" panose="02020603050405020304" pitchFamily="18" charset="0"/>
                 <a:cs typeface="Times New Roman" panose="02020603050405020304" pitchFamily="18" charset="0"/>
               </a:rPr>
@@ -12865,7 +12662,7 @@
               <a:buFont typeface="Wingdings" panose="05000000000000000000" pitchFamily="2" charset="2"/>
               <a:buChar char="q"/>
             </a:pPr>
-            <a:endParaRPr lang="en-US" sz="2000" dirty="0" smtClean="0">
+            <a:endParaRPr lang="en-US" sz="2000" dirty="0">
               <a:latin typeface="Times New Roman" panose="02020603050405020304" pitchFamily="18" charset="0"/>
               <a:cs typeface="Times New Roman" panose="02020603050405020304" pitchFamily="18" charset="0"/>
             </a:endParaRPr>
@@ -12876,7 +12673,7 @@
               <a:buChar char="q"/>
             </a:pPr>
             <a:r>
-              <a:rPr lang="en-US" sz="2000" dirty="0" smtClean="0">
+              <a:rPr lang="en-US" sz="2000" dirty="0">
                 <a:latin typeface="Times New Roman" panose="02020603050405020304" pitchFamily="18" charset="0"/>
                 <a:cs typeface="Times New Roman" panose="02020603050405020304" pitchFamily="18" charset="0"/>
               </a:rPr>
@@ -12888,7 +12685,7 @@
               <a:buFont typeface="Wingdings" panose="05000000000000000000" pitchFamily="2" charset="2"/>
               <a:buChar char="q"/>
             </a:pPr>
-            <a:endParaRPr lang="en-US" sz="2000" dirty="0" smtClean="0">
+            <a:endParaRPr lang="en-US" sz="2000" dirty="0">
               <a:latin typeface="Times New Roman" panose="02020603050405020304" pitchFamily="18" charset="0"/>
               <a:cs typeface="Times New Roman" panose="02020603050405020304" pitchFamily="18" charset="0"/>
             </a:endParaRPr>
@@ -12899,7 +12696,7 @@
               <a:buChar char="q"/>
             </a:pPr>
             <a:r>
-              <a:rPr lang="en-US" sz="2000" dirty="0" smtClean="0">
+              <a:rPr lang="en-US" sz="2000" dirty="0">
                 <a:latin typeface="Times New Roman" panose="02020603050405020304" pitchFamily="18" charset="0"/>
                 <a:cs typeface="Times New Roman" panose="02020603050405020304" pitchFamily="18" charset="0"/>
               </a:rPr>
